--- a/exercises/figures.pptx
+++ b/exercises/figures.pptx
@@ -104,6 +104,11 @@
       </a:defRPr>
     </a:lvl9pPr>
   </p:defaultTextStyle>
+  <p:extLst>
+    <p:ext uri="{EFAFB233-063F-42B5-8137-9DF3F51BA10A}">
+      <p15:sldGuideLst xmlns:p15="http://schemas.microsoft.com/office/powerpoint/2012/main"/>
+    </p:ext>
+  </p:extLst>
 </p:presentation>
 </file>
 
@@ -256,7 +261,7 @@
           <a:p>
             <a:fld id="{DEB9F00A-D999-4F67-92C5-B77B96039430}" type="datetimeFigureOut">
               <a:rPr lang="en-BE" smtClean="0"/>
-              <a:t>7/12/2021</a:t>
+              <a:t>24/01/2022</a:t>
             </a:fld>
             <a:endParaRPr lang="en-BE"/>
           </a:p>
@@ -456,7 +461,7 @@
           <a:p>
             <a:fld id="{DEB9F00A-D999-4F67-92C5-B77B96039430}" type="datetimeFigureOut">
               <a:rPr lang="en-BE" smtClean="0"/>
-              <a:t>7/12/2021</a:t>
+              <a:t>24/01/2022</a:t>
             </a:fld>
             <a:endParaRPr lang="en-BE"/>
           </a:p>
@@ -666,7 +671,7 @@
           <a:p>
             <a:fld id="{DEB9F00A-D999-4F67-92C5-B77B96039430}" type="datetimeFigureOut">
               <a:rPr lang="en-BE" smtClean="0"/>
-              <a:t>7/12/2021</a:t>
+              <a:t>24/01/2022</a:t>
             </a:fld>
             <a:endParaRPr lang="en-BE"/>
           </a:p>
@@ -866,7 +871,7 @@
           <a:p>
             <a:fld id="{DEB9F00A-D999-4F67-92C5-B77B96039430}" type="datetimeFigureOut">
               <a:rPr lang="en-BE" smtClean="0"/>
-              <a:t>7/12/2021</a:t>
+              <a:t>24/01/2022</a:t>
             </a:fld>
             <a:endParaRPr lang="en-BE"/>
           </a:p>
@@ -1142,7 +1147,7 @@
           <a:p>
             <a:fld id="{DEB9F00A-D999-4F67-92C5-B77B96039430}" type="datetimeFigureOut">
               <a:rPr lang="en-BE" smtClean="0"/>
-              <a:t>7/12/2021</a:t>
+              <a:t>24/01/2022</a:t>
             </a:fld>
             <a:endParaRPr lang="en-BE"/>
           </a:p>
@@ -1410,7 +1415,7 @@
           <a:p>
             <a:fld id="{DEB9F00A-D999-4F67-92C5-B77B96039430}" type="datetimeFigureOut">
               <a:rPr lang="en-BE" smtClean="0"/>
-              <a:t>7/12/2021</a:t>
+              <a:t>24/01/2022</a:t>
             </a:fld>
             <a:endParaRPr lang="en-BE"/>
           </a:p>
@@ -1825,7 +1830,7 @@
           <a:p>
             <a:fld id="{DEB9F00A-D999-4F67-92C5-B77B96039430}" type="datetimeFigureOut">
               <a:rPr lang="en-BE" smtClean="0"/>
-              <a:t>7/12/2021</a:t>
+              <a:t>24/01/2022</a:t>
             </a:fld>
             <a:endParaRPr lang="en-BE"/>
           </a:p>
@@ -1967,7 +1972,7 @@
           <a:p>
             <a:fld id="{DEB9F00A-D999-4F67-92C5-B77B96039430}" type="datetimeFigureOut">
               <a:rPr lang="en-BE" smtClean="0"/>
-              <a:t>7/12/2021</a:t>
+              <a:t>24/01/2022</a:t>
             </a:fld>
             <a:endParaRPr lang="en-BE"/>
           </a:p>
@@ -2080,7 +2085,7 @@
           <a:p>
             <a:fld id="{DEB9F00A-D999-4F67-92C5-B77B96039430}" type="datetimeFigureOut">
               <a:rPr lang="en-BE" smtClean="0"/>
-              <a:t>7/12/2021</a:t>
+              <a:t>24/01/2022</a:t>
             </a:fld>
             <a:endParaRPr lang="en-BE"/>
           </a:p>
@@ -2393,7 +2398,7 @@
           <a:p>
             <a:fld id="{DEB9F00A-D999-4F67-92C5-B77B96039430}" type="datetimeFigureOut">
               <a:rPr lang="en-BE" smtClean="0"/>
-              <a:t>7/12/2021</a:t>
+              <a:t>24/01/2022</a:t>
             </a:fld>
             <a:endParaRPr lang="en-BE"/>
           </a:p>
@@ -2682,7 +2687,7 @@
           <a:p>
             <a:fld id="{DEB9F00A-D999-4F67-92C5-B77B96039430}" type="datetimeFigureOut">
               <a:rPr lang="en-BE" smtClean="0"/>
-              <a:t>7/12/2021</a:t>
+              <a:t>24/01/2022</a:t>
             </a:fld>
             <a:endParaRPr lang="en-BE"/>
           </a:p>
@@ -2925,7 +2930,7 @@
           <a:p>
             <a:fld id="{DEB9F00A-D999-4F67-92C5-B77B96039430}" type="datetimeFigureOut">
               <a:rPr lang="en-BE" smtClean="0"/>
-              <a:t>7/12/2021</a:t>
+              <a:t>24/01/2022</a:t>
             </a:fld>
             <a:endParaRPr lang="en-BE"/>
           </a:p>
@@ -3487,8 +3492,8 @@
               <a:chExt cx="660181" cy="2827506"/>
             </a:xfrm>
           </p:grpSpPr>
-          <mc:AlternateContent xmlns:mc="http://schemas.openxmlformats.org/markup-compatibility/2006">
-            <mc:Choice xmlns:a14="http://schemas.microsoft.com/office/drawing/2010/main" Requires="a14">
+          <mc:AlternateContent xmlns:mc="http://schemas.openxmlformats.org/markup-compatibility/2006" xmlns:a14="http://schemas.microsoft.com/office/drawing/2010/main">
+            <mc:Choice Requires="a14">
               <p:sp>
                 <p:nvSpPr>
                   <p:cNvPr id="40" name="Oval 39">
@@ -3598,7 +3603,7 @@
                 </p:txBody>
               </p:sp>
             </mc:Choice>
-            <mc:Fallback>
+            <mc:Fallback xmlns="">
               <p:sp>
                 <p:nvSpPr>
                   <p:cNvPr id="40" name="Oval 39">
@@ -3648,8 +3653,8 @@
               </p:sp>
             </mc:Fallback>
           </mc:AlternateContent>
-          <mc:AlternateContent xmlns:mc="http://schemas.openxmlformats.org/markup-compatibility/2006">
-            <mc:Choice xmlns:a14="http://schemas.microsoft.com/office/drawing/2010/main" Requires="a14">
+          <mc:AlternateContent xmlns:mc="http://schemas.openxmlformats.org/markup-compatibility/2006" xmlns:a14="http://schemas.microsoft.com/office/drawing/2010/main">
+            <mc:Choice Requires="a14">
               <p:sp>
                 <p:nvSpPr>
                   <p:cNvPr id="41" name="Oval 40">
@@ -3759,7 +3764,7 @@
                 </p:txBody>
               </p:sp>
             </mc:Choice>
-            <mc:Fallback>
+            <mc:Fallback xmlns="">
               <p:sp>
                 <p:nvSpPr>
                   <p:cNvPr id="41" name="Oval 40">
@@ -3809,8 +3814,8 @@
               </p:sp>
             </mc:Fallback>
           </mc:AlternateContent>
-          <mc:AlternateContent xmlns:mc="http://schemas.openxmlformats.org/markup-compatibility/2006">
-            <mc:Choice xmlns:a14="http://schemas.microsoft.com/office/drawing/2010/main" Requires="a14">
+          <mc:AlternateContent xmlns:mc="http://schemas.openxmlformats.org/markup-compatibility/2006" xmlns:a14="http://schemas.microsoft.com/office/drawing/2010/main">
+            <mc:Choice Requires="a14">
               <p:sp>
                 <p:nvSpPr>
                   <p:cNvPr id="42" name="Oval 41">
@@ -3920,7 +3925,7 @@
                 </p:txBody>
               </p:sp>
             </mc:Choice>
-            <mc:Fallback>
+            <mc:Fallback xmlns="">
               <p:sp>
                 <p:nvSpPr>
                   <p:cNvPr id="42" name="Oval 41">
@@ -4089,8 +4094,8 @@
               <a:chExt cx="660181" cy="2827506"/>
             </a:xfrm>
           </p:grpSpPr>
-          <mc:AlternateContent xmlns:mc="http://schemas.openxmlformats.org/markup-compatibility/2006">
-            <mc:Choice xmlns:a14="http://schemas.microsoft.com/office/drawing/2010/main" Requires="a14">
+          <mc:AlternateContent xmlns:mc="http://schemas.openxmlformats.org/markup-compatibility/2006" xmlns:a14="http://schemas.microsoft.com/office/drawing/2010/main">
+            <mc:Choice Requires="a14">
               <p:sp>
                 <p:nvSpPr>
                   <p:cNvPr id="47" name="Oval 46">
@@ -4200,7 +4205,7 @@
                 </p:txBody>
               </p:sp>
             </mc:Choice>
-            <mc:Fallback>
+            <mc:Fallback xmlns="">
               <p:sp>
                 <p:nvSpPr>
                   <p:cNvPr id="47" name="Oval 46">
@@ -4250,8 +4255,8 @@
               </p:sp>
             </mc:Fallback>
           </mc:AlternateContent>
-          <mc:AlternateContent xmlns:mc="http://schemas.openxmlformats.org/markup-compatibility/2006">
-            <mc:Choice xmlns:a14="http://schemas.microsoft.com/office/drawing/2010/main" Requires="a14">
+          <mc:AlternateContent xmlns:mc="http://schemas.openxmlformats.org/markup-compatibility/2006" xmlns:a14="http://schemas.microsoft.com/office/drawing/2010/main">
+            <mc:Choice Requires="a14">
               <p:sp>
                 <p:nvSpPr>
                   <p:cNvPr id="48" name="Oval 47">
@@ -4361,7 +4366,7 @@
                 </p:txBody>
               </p:sp>
             </mc:Choice>
-            <mc:Fallback>
+            <mc:Fallback xmlns="">
               <p:sp>
                 <p:nvSpPr>
                   <p:cNvPr id="48" name="Oval 47">
@@ -4411,8 +4416,8 @@
               </p:sp>
             </mc:Fallback>
           </mc:AlternateContent>
-          <mc:AlternateContent xmlns:mc="http://schemas.openxmlformats.org/markup-compatibility/2006">
-            <mc:Choice xmlns:a14="http://schemas.microsoft.com/office/drawing/2010/main" Requires="a14">
+          <mc:AlternateContent xmlns:mc="http://schemas.openxmlformats.org/markup-compatibility/2006" xmlns:a14="http://schemas.microsoft.com/office/drawing/2010/main">
+            <mc:Choice Requires="a14">
               <p:sp>
                 <p:nvSpPr>
                   <p:cNvPr id="49" name="Oval 48">
@@ -4522,7 +4527,7 @@
                 </p:txBody>
               </p:sp>
             </mc:Choice>
-            <mc:Fallback>
+            <mc:Fallback xmlns="">
               <p:sp>
                 <p:nvSpPr>
                   <p:cNvPr id="49" name="Oval 48">
@@ -4691,8 +4696,8 @@
               <a:chExt cx="660181" cy="2827506"/>
             </a:xfrm>
           </p:grpSpPr>
-          <mc:AlternateContent xmlns:mc="http://schemas.openxmlformats.org/markup-compatibility/2006">
-            <mc:Choice xmlns:a14="http://schemas.microsoft.com/office/drawing/2010/main" Requires="a14">
+          <mc:AlternateContent xmlns:mc="http://schemas.openxmlformats.org/markup-compatibility/2006" xmlns:a14="http://schemas.microsoft.com/office/drawing/2010/main">
+            <mc:Choice Requires="a14">
               <p:sp>
                 <p:nvSpPr>
                   <p:cNvPr id="54" name="Oval 53">
@@ -4802,7 +4807,7 @@
                 </p:txBody>
               </p:sp>
             </mc:Choice>
-            <mc:Fallback>
+            <mc:Fallback xmlns="">
               <p:sp>
                 <p:nvSpPr>
                   <p:cNvPr id="54" name="Oval 53">
@@ -4852,8 +4857,8 @@
               </p:sp>
             </mc:Fallback>
           </mc:AlternateContent>
-          <mc:AlternateContent xmlns:mc="http://schemas.openxmlformats.org/markup-compatibility/2006">
-            <mc:Choice xmlns:a14="http://schemas.microsoft.com/office/drawing/2010/main" Requires="a14">
+          <mc:AlternateContent xmlns:mc="http://schemas.openxmlformats.org/markup-compatibility/2006" xmlns:a14="http://schemas.microsoft.com/office/drawing/2010/main">
+            <mc:Choice Requires="a14">
               <p:sp>
                 <p:nvSpPr>
                   <p:cNvPr id="55" name="Oval 54">
@@ -4963,7 +4968,7 @@
                 </p:txBody>
               </p:sp>
             </mc:Choice>
-            <mc:Fallback>
+            <mc:Fallback xmlns="">
               <p:sp>
                 <p:nvSpPr>
                   <p:cNvPr id="55" name="Oval 54">
@@ -5013,8 +5018,8 @@
               </p:sp>
             </mc:Fallback>
           </mc:AlternateContent>
-          <mc:AlternateContent xmlns:mc="http://schemas.openxmlformats.org/markup-compatibility/2006">
-            <mc:Choice xmlns:a14="http://schemas.microsoft.com/office/drawing/2010/main" Requires="a14">
+          <mc:AlternateContent xmlns:mc="http://schemas.openxmlformats.org/markup-compatibility/2006" xmlns:a14="http://schemas.microsoft.com/office/drawing/2010/main">
+            <mc:Choice Requires="a14">
               <p:sp>
                 <p:nvSpPr>
                   <p:cNvPr id="56" name="Oval 55">
@@ -5124,7 +5129,7 @@
                 </p:txBody>
               </p:sp>
             </mc:Choice>
-            <mc:Fallback>
+            <mc:Fallback xmlns="">
               <p:sp>
                 <p:nvSpPr>
                   <p:cNvPr id="56" name="Oval 55">
@@ -5273,8 +5278,8 @@
             </mc:Fallback>
           </mc:AlternateContent>
         </p:grpSp>
-        <mc:AlternateContent xmlns:mc="http://schemas.openxmlformats.org/markup-compatibility/2006">
-          <mc:Choice xmlns:a14="http://schemas.microsoft.com/office/drawing/2010/main" Requires="a14">
+        <mc:AlternateContent xmlns:mc="http://schemas.openxmlformats.org/markup-compatibility/2006" xmlns:a14="http://schemas.microsoft.com/office/drawing/2010/main">
+          <mc:Choice Requires="a14">
             <p:sp>
               <p:nvSpPr>
                 <p:cNvPr id="58" name="Rectangle 57">
@@ -5326,7 +5331,7 @@
               </p:txBody>
             </p:sp>
           </mc:Choice>
-          <mc:Fallback>
+          <mc:Fallback xmlns="">
             <p:sp>
               <p:nvSpPr>
                 <p:cNvPr id="58" name="Rectangle 57">
@@ -5371,8 +5376,8 @@
             </p:sp>
           </mc:Fallback>
         </mc:AlternateContent>
-        <mc:AlternateContent xmlns:mc="http://schemas.openxmlformats.org/markup-compatibility/2006">
-          <mc:Choice xmlns:a14="http://schemas.microsoft.com/office/drawing/2010/main" Requires="a14">
+        <mc:AlternateContent xmlns:mc="http://schemas.openxmlformats.org/markup-compatibility/2006" xmlns:a14="http://schemas.microsoft.com/office/drawing/2010/main">
+          <mc:Choice Requires="a14">
             <p:sp>
               <p:nvSpPr>
                 <p:cNvPr id="59" name="Rectangle 58">
@@ -5424,7 +5429,7 @@
               </p:txBody>
             </p:sp>
           </mc:Choice>
-          <mc:Fallback>
+          <mc:Fallback xmlns="">
             <p:sp>
               <p:nvSpPr>
                 <p:cNvPr id="59" name="Rectangle 58">
@@ -5469,8 +5474,8 @@
             </p:sp>
           </mc:Fallback>
         </mc:AlternateContent>
-        <mc:AlternateContent xmlns:mc="http://schemas.openxmlformats.org/markup-compatibility/2006">
-          <mc:Choice xmlns:a14="http://schemas.microsoft.com/office/drawing/2010/main" Requires="a14">
+        <mc:AlternateContent xmlns:mc="http://schemas.openxmlformats.org/markup-compatibility/2006" xmlns:a14="http://schemas.microsoft.com/office/drawing/2010/main">
+          <mc:Choice Requires="a14">
             <p:sp>
               <p:nvSpPr>
                 <p:cNvPr id="60" name="Rectangle 59">
@@ -5522,7 +5527,7 @@
               </p:txBody>
             </p:sp>
           </mc:Choice>
-          <mc:Fallback>
+          <mc:Fallback xmlns="">
             <p:sp>
               <p:nvSpPr>
                 <p:cNvPr id="60" name="Rectangle 59">
@@ -5729,8 +5734,8 @@
               <a:chExt cx="660181" cy="2827506"/>
             </a:xfrm>
           </p:grpSpPr>
-          <mc:AlternateContent xmlns:mc="http://schemas.openxmlformats.org/markup-compatibility/2006">
-            <mc:Choice xmlns:a14="http://schemas.microsoft.com/office/drawing/2010/main" Requires="a14">
+          <mc:AlternateContent xmlns:mc="http://schemas.openxmlformats.org/markup-compatibility/2006" xmlns:a14="http://schemas.microsoft.com/office/drawing/2010/main">
+            <mc:Choice Requires="a14">
               <p:sp>
                 <p:nvSpPr>
                   <p:cNvPr id="102" name="Oval 101">
@@ -5800,7 +5805,7 @@
                                 </a:solidFill>
                                 <a:latin typeface="Cambria Math" panose="02040503050406030204" pitchFamily="18" charset="0"/>
                               </a:rPr>
-                              <m:t>𝒙</m:t>
+                              <m:t>𝒉</m:t>
                             </m:r>
                           </m:e>
                           <m:sub>
@@ -5840,7 +5845,7 @@
                 </p:txBody>
               </p:sp>
             </mc:Choice>
-            <mc:Fallback>
+            <mc:Fallback xmlns="">
               <p:sp>
                 <p:nvSpPr>
                   <p:cNvPr id="102" name="Oval 101">
@@ -5890,8 +5895,8 @@
               </p:sp>
             </mc:Fallback>
           </mc:AlternateContent>
-          <mc:AlternateContent xmlns:mc="http://schemas.openxmlformats.org/markup-compatibility/2006">
-            <mc:Choice xmlns:a14="http://schemas.microsoft.com/office/drawing/2010/main" Requires="a14">
+          <mc:AlternateContent xmlns:mc="http://schemas.openxmlformats.org/markup-compatibility/2006" xmlns:a14="http://schemas.microsoft.com/office/drawing/2010/main">
+            <mc:Choice Requires="a14">
               <p:sp>
                 <p:nvSpPr>
                   <p:cNvPr id="103" name="Oval 102">
@@ -5961,7 +5966,7 @@
                                 </a:solidFill>
                                 <a:latin typeface="Cambria Math" panose="02040503050406030204" pitchFamily="18" charset="0"/>
                               </a:rPr>
-                              <m:t>𝒙</m:t>
+                              <m:t>𝒉</m:t>
                             </m:r>
                           </m:e>
                           <m:sub>
@@ -6001,7 +6006,7 @@
                 </p:txBody>
               </p:sp>
             </mc:Choice>
-            <mc:Fallback>
+            <mc:Fallback xmlns="">
               <p:sp>
                 <p:nvSpPr>
                   <p:cNvPr id="103" name="Oval 102">
@@ -6027,7 +6032,7 @@
                   <a:blipFill>
                     <a:blip r:embed="rId18"/>
                     <a:stretch>
-                      <a:fillRect/>
+                      <a:fillRect l="-1667"/>
                     </a:stretch>
                   </a:blipFill>
                   <a:ln>
@@ -6051,8 +6056,8 @@
               </p:sp>
             </mc:Fallback>
           </mc:AlternateContent>
-          <mc:AlternateContent xmlns:mc="http://schemas.openxmlformats.org/markup-compatibility/2006">
-            <mc:Choice xmlns:a14="http://schemas.microsoft.com/office/drawing/2010/main" Requires="a14">
+          <mc:AlternateContent xmlns:mc="http://schemas.openxmlformats.org/markup-compatibility/2006" xmlns:a14="http://schemas.microsoft.com/office/drawing/2010/main">
+            <mc:Choice Requires="a14">
               <p:sp>
                 <p:nvSpPr>
                   <p:cNvPr id="104" name="Oval 103">
@@ -6122,7 +6127,7 @@
                                 </a:solidFill>
                                 <a:latin typeface="Cambria Math" panose="02040503050406030204" pitchFamily="18" charset="0"/>
                               </a:rPr>
-                              <m:t>𝒙</m:t>
+                              <m:t>𝒉</m:t>
                             </m:r>
                           </m:e>
                           <m:sub>
@@ -6133,7 +6138,7 @@
                                 </a:solidFill>
                                 <a:latin typeface="Cambria Math" panose="02040503050406030204" pitchFamily="18" charset="0"/>
                               </a:rPr>
-                              <m:t>𝐴</m:t>
+                              <m:t>h</m:t>
                             </m:r>
                           </m:sub>
                           <m:sup>
@@ -6162,7 +6167,7 @@
                 </p:txBody>
               </p:sp>
             </mc:Choice>
-            <mc:Fallback>
+            <mc:Fallback xmlns="">
               <p:sp>
                 <p:nvSpPr>
                   <p:cNvPr id="104" name="Oval 103">
@@ -6188,7 +6193,7 @@
                   <a:blipFill>
                     <a:blip r:embed="rId19"/>
                     <a:stretch>
-                      <a:fillRect/>
+                      <a:fillRect l="-3333"/>
                     </a:stretch>
                   </a:blipFill>
                   <a:ln>
@@ -6331,8 +6336,8 @@
               <a:chExt cx="660181" cy="2827506"/>
             </a:xfrm>
           </p:grpSpPr>
-          <mc:AlternateContent xmlns:mc="http://schemas.openxmlformats.org/markup-compatibility/2006">
-            <mc:Choice xmlns:a14="http://schemas.microsoft.com/office/drawing/2010/main" Requires="a14">
+          <mc:AlternateContent xmlns:mc="http://schemas.openxmlformats.org/markup-compatibility/2006" xmlns:a14="http://schemas.microsoft.com/office/drawing/2010/main">
+            <mc:Choice Requires="a14">
               <p:sp>
                 <p:nvSpPr>
                   <p:cNvPr id="98" name="Oval 97">
@@ -6402,7 +6407,7 @@
                                 </a:solidFill>
                                 <a:latin typeface="Cambria Math" panose="02040503050406030204" pitchFamily="18" charset="0"/>
                               </a:rPr>
-                              <m:t>𝒙</m:t>
+                              <m:t>𝒉</m:t>
                             </m:r>
                           </m:e>
                           <m:sub>
@@ -6442,7 +6447,7 @@
                 </p:txBody>
               </p:sp>
             </mc:Choice>
-            <mc:Fallback>
+            <mc:Fallback xmlns="">
               <p:sp>
                 <p:nvSpPr>
                   <p:cNvPr id="98" name="Oval 97">
@@ -6468,7 +6473,7 @@
                   <a:blipFill>
                     <a:blip r:embed="rId20"/>
                     <a:stretch>
-                      <a:fillRect/>
+                      <a:fillRect l="-1667"/>
                     </a:stretch>
                   </a:blipFill>
                   <a:ln>
@@ -6492,8 +6497,8 @@
               </p:sp>
             </mc:Fallback>
           </mc:AlternateContent>
-          <mc:AlternateContent xmlns:mc="http://schemas.openxmlformats.org/markup-compatibility/2006">
-            <mc:Choice xmlns:a14="http://schemas.microsoft.com/office/drawing/2010/main" Requires="a14">
+          <mc:AlternateContent xmlns:mc="http://schemas.openxmlformats.org/markup-compatibility/2006" xmlns:a14="http://schemas.microsoft.com/office/drawing/2010/main">
+            <mc:Choice Requires="a14">
               <p:sp>
                 <p:nvSpPr>
                   <p:cNvPr id="99" name="Oval 98">
@@ -6563,7 +6568,7 @@
                                 </a:solidFill>
                                 <a:latin typeface="Cambria Math" panose="02040503050406030204" pitchFamily="18" charset="0"/>
                               </a:rPr>
-                              <m:t>𝒙</m:t>
+                              <m:t>𝒉</m:t>
                             </m:r>
                           </m:e>
                           <m:sub>
@@ -6603,7 +6608,7 @@
                 </p:txBody>
               </p:sp>
             </mc:Choice>
-            <mc:Fallback>
+            <mc:Fallback xmlns="">
               <p:sp>
                 <p:nvSpPr>
                   <p:cNvPr id="99" name="Oval 98">
@@ -6629,7 +6634,7 @@
                   <a:blipFill>
                     <a:blip r:embed="rId21"/>
                     <a:stretch>
-                      <a:fillRect/>
+                      <a:fillRect l="-1667"/>
                     </a:stretch>
                   </a:blipFill>
                   <a:ln>
@@ -6653,8 +6658,8 @@
               </p:sp>
             </mc:Fallback>
           </mc:AlternateContent>
-          <mc:AlternateContent xmlns:mc="http://schemas.openxmlformats.org/markup-compatibility/2006">
-            <mc:Choice xmlns:a14="http://schemas.microsoft.com/office/drawing/2010/main" Requires="a14">
+          <mc:AlternateContent xmlns:mc="http://schemas.openxmlformats.org/markup-compatibility/2006" xmlns:a14="http://schemas.microsoft.com/office/drawing/2010/main">
+            <mc:Choice Requires="a14">
               <p:sp>
                 <p:nvSpPr>
                   <p:cNvPr id="100" name="Oval 99">
@@ -6724,7 +6729,7 @@
                                 </a:solidFill>
                                 <a:latin typeface="Cambria Math" panose="02040503050406030204" pitchFamily="18" charset="0"/>
                               </a:rPr>
-                              <m:t>𝒙</m:t>
+                              <m:t>𝒉</m:t>
                             </m:r>
                           </m:e>
                           <m:sub>
@@ -6735,7 +6740,7 @@
                                 </a:solidFill>
                                 <a:latin typeface="Cambria Math" panose="02040503050406030204" pitchFamily="18" charset="0"/>
                               </a:rPr>
-                              <m:t>𝐴</m:t>
+                              <m:t>h</m:t>
                             </m:r>
                           </m:sub>
                           <m:sup>
@@ -6764,7 +6769,7 @@
                 </p:txBody>
               </p:sp>
             </mc:Choice>
-            <mc:Fallback>
+            <mc:Fallback xmlns="">
               <p:sp>
                 <p:nvSpPr>
                   <p:cNvPr id="100" name="Oval 99">
@@ -6790,7 +6795,7 @@
                   <a:blipFill>
                     <a:blip r:embed="rId22"/>
                     <a:stretch>
-                      <a:fillRect/>
+                      <a:fillRect l="-3333"/>
                     </a:stretch>
                   </a:blipFill>
                   <a:ln>
@@ -6933,8 +6938,8 @@
               <a:chExt cx="660181" cy="2827506"/>
             </a:xfrm>
           </p:grpSpPr>
-          <mc:AlternateContent xmlns:mc="http://schemas.openxmlformats.org/markup-compatibility/2006">
-            <mc:Choice xmlns:a14="http://schemas.microsoft.com/office/drawing/2010/main" Requires="a14">
+          <mc:AlternateContent xmlns:mc="http://schemas.openxmlformats.org/markup-compatibility/2006" xmlns:a14="http://schemas.microsoft.com/office/drawing/2010/main">
+            <mc:Choice Requires="a14">
               <p:sp>
                 <p:nvSpPr>
                   <p:cNvPr id="94" name="Oval 93">
@@ -7004,7 +7009,7 @@
                                 </a:solidFill>
                                 <a:latin typeface="Cambria Math" panose="02040503050406030204" pitchFamily="18" charset="0"/>
                               </a:rPr>
-                              <m:t>𝒙</m:t>
+                              <m:t>𝒉</m:t>
                             </m:r>
                           </m:e>
                           <m:sub>
@@ -7026,7 +7031,7 @@
                                 </a:solidFill>
                                 <a:latin typeface="Cambria Math" panose="02040503050406030204" pitchFamily="18" charset="0"/>
                               </a:rPr>
-                              <m:t>h</m:t>
+                              <m:t>𝑙</m:t>
                             </m:r>
                           </m:sup>
                         </m:sSubSup>
@@ -7044,7 +7049,7 @@
                 </p:txBody>
               </p:sp>
             </mc:Choice>
-            <mc:Fallback>
+            <mc:Fallback xmlns="">
               <p:sp>
                 <p:nvSpPr>
                   <p:cNvPr id="94" name="Oval 93">
@@ -7094,8 +7099,8 @@
               </p:sp>
             </mc:Fallback>
           </mc:AlternateContent>
-          <mc:AlternateContent xmlns:mc="http://schemas.openxmlformats.org/markup-compatibility/2006">
-            <mc:Choice xmlns:a14="http://schemas.microsoft.com/office/drawing/2010/main" Requires="a14">
+          <mc:AlternateContent xmlns:mc="http://schemas.openxmlformats.org/markup-compatibility/2006" xmlns:a14="http://schemas.microsoft.com/office/drawing/2010/main">
+            <mc:Choice Requires="a14">
               <p:sp>
                 <p:nvSpPr>
                   <p:cNvPr id="95" name="Oval 94">
@@ -7165,7 +7170,7 @@
                                 </a:solidFill>
                                 <a:latin typeface="Cambria Math" panose="02040503050406030204" pitchFamily="18" charset="0"/>
                               </a:rPr>
-                              <m:t>𝒙</m:t>
+                              <m:t>𝒉</m:t>
                             </m:r>
                           </m:e>
                           <m:sub>
@@ -7187,7 +7192,7 @@
                                 </a:solidFill>
                                 <a:latin typeface="Cambria Math" panose="02040503050406030204" pitchFamily="18" charset="0"/>
                               </a:rPr>
-                              <m:t>h</m:t>
+                              <m:t>𝑙</m:t>
                             </m:r>
                           </m:sup>
                         </m:sSubSup>
@@ -7205,7 +7210,7 @@
                 </p:txBody>
               </p:sp>
             </mc:Choice>
-            <mc:Fallback>
+            <mc:Fallback xmlns="">
               <p:sp>
                 <p:nvSpPr>
                   <p:cNvPr id="95" name="Oval 94">
@@ -7255,8 +7260,8 @@
               </p:sp>
             </mc:Fallback>
           </mc:AlternateContent>
-          <mc:AlternateContent xmlns:mc="http://schemas.openxmlformats.org/markup-compatibility/2006">
-            <mc:Choice xmlns:a14="http://schemas.microsoft.com/office/drawing/2010/main" Requires="a14">
+          <mc:AlternateContent xmlns:mc="http://schemas.openxmlformats.org/markup-compatibility/2006" xmlns:a14="http://schemas.microsoft.com/office/drawing/2010/main">
+            <mc:Choice Requires="a14">
               <p:sp>
                 <p:nvSpPr>
                   <p:cNvPr id="96" name="Oval 95">
@@ -7326,7 +7331,7 @@
                                 </a:solidFill>
                                 <a:latin typeface="Cambria Math" panose="02040503050406030204" pitchFamily="18" charset="0"/>
                               </a:rPr>
-                              <m:t>𝒙</m:t>
+                              <m:t>𝒉</m:t>
                             </m:r>
                           </m:e>
                           <m:sub>
@@ -7337,7 +7342,7 @@
                                 </a:solidFill>
                                 <a:latin typeface="Cambria Math" panose="02040503050406030204" pitchFamily="18" charset="0"/>
                               </a:rPr>
-                              <m:t>𝐴</m:t>
+                              <m:t>h</m:t>
                             </m:r>
                           </m:sub>
                           <m:sup>
@@ -7348,7 +7353,7 @@
                                 </a:solidFill>
                                 <a:latin typeface="Cambria Math" panose="02040503050406030204" pitchFamily="18" charset="0"/>
                               </a:rPr>
-                              <m:t>h</m:t>
+                              <m:t>𝑙</m:t>
                             </m:r>
                           </m:sup>
                         </m:sSubSup>
@@ -7366,7 +7371,7 @@
                 </p:txBody>
               </p:sp>
             </mc:Choice>
-            <mc:Fallback>
+            <mc:Fallback xmlns="">
               <p:sp>
                 <p:nvSpPr>
                   <p:cNvPr id="96" name="Oval 95">
@@ -7392,7 +7397,7 @@
                   <a:blipFill>
                     <a:blip r:embed="rId25"/>
                     <a:stretch>
-                      <a:fillRect/>
+                      <a:fillRect l="-1667"/>
                     </a:stretch>
                   </a:blipFill>
                   <a:ln>
@@ -7515,8 +7520,8 @@
             </mc:Fallback>
           </mc:AlternateContent>
         </p:grpSp>
-        <mc:AlternateContent xmlns:mc="http://schemas.openxmlformats.org/markup-compatibility/2006">
-          <mc:Choice xmlns:a14="http://schemas.microsoft.com/office/drawing/2010/main" Requires="a14">
+        <mc:AlternateContent xmlns:mc="http://schemas.openxmlformats.org/markup-compatibility/2006" xmlns:a14="http://schemas.microsoft.com/office/drawing/2010/main">
+          <mc:Choice Requires="a14">
             <p:sp>
               <p:nvSpPr>
                 <p:cNvPr id="91" name="Rectangle 90">
@@ -7568,7 +7573,7 @@
               </p:txBody>
             </p:sp>
           </mc:Choice>
-          <mc:Fallback>
+          <mc:Fallback xmlns="">
             <p:sp>
               <p:nvSpPr>
                 <p:cNvPr id="91" name="Rectangle 90">
@@ -7613,8 +7618,8 @@
             </p:sp>
           </mc:Fallback>
         </mc:AlternateContent>
-        <mc:AlternateContent xmlns:mc="http://schemas.openxmlformats.org/markup-compatibility/2006">
-          <mc:Choice xmlns:a14="http://schemas.microsoft.com/office/drawing/2010/main" Requires="a14">
+        <mc:AlternateContent xmlns:mc="http://schemas.openxmlformats.org/markup-compatibility/2006" xmlns:a14="http://schemas.microsoft.com/office/drawing/2010/main">
+          <mc:Choice Requires="a14">
             <p:sp>
               <p:nvSpPr>
                 <p:cNvPr id="92" name="Rectangle 91">
@@ -7666,7 +7671,7 @@
               </p:txBody>
             </p:sp>
           </mc:Choice>
-          <mc:Fallback>
+          <mc:Fallback xmlns="">
             <p:sp>
               <p:nvSpPr>
                 <p:cNvPr id="92" name="Rectangle 91">
@@ -7711,8 +7716,8 @@
             </p:sp>
           </mc:Fallback>
         </mc:AlternateContent>
-        <mc:AlternateContent xmlns:mc="http://schemas.openxmlformats.org/markup-compatibility/2006">
-          <mc:Choice xmlns:a14="http://schemas.microsoft.com/office/drawing/2010/main" Requires="a14">
+        <mc:AlternateContent xmlns:mc="http://schemas.openxmlformats.org/markup-compatibility/2006" xmlns:a14="http://schemas.microsoft.com/office/drawing/2010/main">
+          <mc:Choice Requires="a14">
             <p:sp>
               <p:nvSpPr>
                 <p:cNvPr id="93" name="Rectangle 92">
@@ -7764,7 +7769,7 @@
               </p:txBody>
             </p:sp>
           </mc:Choice>
-          <mc:Fallback>
+          <mc:Fallback xmlns="">
             <p:sp>
               <p:nvSpPr>
                 <p:cNvPr id="93" name="Rectangle 92">
@@ -7952,7 +7957,7 @@
         </p:nvSpPr>
         <p:spPr>
           <a:xfrm>
-            <a:off x="4425117" y="3441700"/>
+            <a:off x="4372608" y="3441700"/>
             <a:ext cx="851316" cy="771921"/>
           </a:xfrm>
           <a:prstGeom prst="roundRect">
@@ -8014,7 +8019,7 @@
         </p:nvSpPr>
         <p:spPr>
           <a:xfrm>
-            <a:off x="2900532" y="3441700"/>
+            <a:off x="2514206" y="3441700"/>
             <a:ext cx="851316" cy="771921"/>
           </a:xfrm>
           <a:prstGeom prst="roundRect">
@@ -8064,10 +8069,10 @@
       </p:sp>
       <p:grpSp>
         <p:nvGrpSpPr>
-          <p:cNvPr id="121" name="Group 120">
+          <p:cNvPr id="3" name="Group 2">
             <a:extLst>
               <a:ext uri="{FF2B5EF4-FFF2-40B4-BE49-F238E27FC236}">
-                <a16:creationId xmlns:a16="http://schemas.microsoft.com/office/drawing/2014/main" id="{0303A36E-EC11-4B72-81F1-845EC0CA105E}"/>
+                <a16:creationId xmlns:a16="http://schemas.microsoft.com/office/drawing/2014/main" id="{E90B9580-0062-4616-B948-A0AEAC70DC00}"/>
               </a:ext>
             </a:extLst>
           </p:cNvPr>
@@ -8076,10 +8081,10 @@
         </p:nvGrpSpPr>
         <p:grpSpPr>
           <a:xfrm>
-            <a:off x="1024476" y="2953981"/>
-            <a:ext cx="1653637" cy="1747360"/>
-            <a:chOff x="1075276" y="1035317"/>
-            <a:chExt cx="1653637" cy="1747360"/>
+            <a:off x="1659413" y="2953981"/>
+            <a:ext cx="450850" cy="1747360"/>
+            <a:chOff x="2227263" y="2953981"/>
+            <a:chExt cx="450850" cy="1747360"/>
           </a:xfrm>
         </p:grpSpPr>
         <p:sp>
@@ -8096,8 +8101,8 @@
           </p:nvSpPr>
           <p:spPr>
             <a:xfrm>
-              <a:off x="1075276" y="1035317"/>
-              <a:ext cx="1653637" cy="1747360"/>
+              <a:off x="2227263" y="2953981"/>
+              <a:ext cx="450850" cy="1747360"/>
             </a:xfrm>
             <a:prstGeom prst="roundRect">
               <a:avLst>
@@ -8143,1210 +8148,6 @@
         </p:sp>
         <p:grpSp>
           <p:nvGrpSpPr>
-            <p:cNvPr id="123" name="Group 122">
-              <a:extLst>
-                <a:ext uri="{FF2B5EF4-FFF2-40B4-BE49-F238E27FC236}">
-                  <a16:creationId xmlns:a16="http://schemas.microsoft.com/office/drawing/2014/main" id="{A5A3B8F6-54B6-4B21-A41E-04EE5EAA11E8}"/>
-                </a:ext>
-              </a:extLst>
-            </p:cNvPr>
-            <p:cNvGrpSpPr/>
-            <p:nvPr/>
-          </p:nvGrpSpPr>
-          <p:grpSpPr>
-            <a:xfrm>
-              <a:off x="1132473" y="1076944"/>
-              <a:ext cx="388174" cy="1662517"/>
-              <a:chOff x="6342434" y="2660514"/>
-              <a:chExt cx="660181" cy="2827506"/>
-            </a:xfrm>
-          </p:grpSpPr>
-          <mc:AlternateContent xmlns:mc="http://schemas.openxmlformats.org/markup-compatibility/2006">
-            <mc:Choice xmlns:a14="http://schemas.microsoft.com/office/drawing/2010/main" Requires="a14">
-              <p:sp>
-                <p:nvSpPr>
-                  <p:cNvPr id="137" name="Oval 136">
-                    <a:extLst>
-                      <a:ext uri="{FF2B5EF4-FFF2-40B4-BE49-F238E27FC236}">
-                        <a16:creationId xmlns:a16="http://schemas.microsoft.com/office/drawing/2014/main" id="{5E2B149D-ABC2-4E1E-B939-39EA37BDFDCE}"/>
-                      </a:ext>
-                    </a:extLst>
-                  </p:cNvPr>
-                  <p:cNvSpPr/>
-                  <p:nvPr/>
-                </p:nvSpPr>
-                <p:spPr>
-                  <a:xfrm>
-                    <a:off x="6342434" y="2660514"/>
-                    <a:ext cx="603115" cy="603115"/>
-                  </a:xfrm>
-                  <a:prstGeom prst="ellipse">
-                    <a:avLst/>
-                  </a:prstGeom>
-                  <a:noFill/>
-                  <a:ln>
-                    <a:solidFill>
-                      <a:schemeClr val="tx1"/>
-                    </a:solidFill>
-                  </a:ln>
-                </p:spPr>
-                <p:style>
-                  <a:lnRef idx="2">
-                    <a:schemeClr val="accent1">
-                      <a:shade val="50000"/>
-                    </a:schemeClr>
-                  </a:lnRef>
-                  <a:fillRef idx="1">
-                    <a:schemeClr val="accent1"/>
-                  </a:fillRef>
-                  <a:effectRef idx="0">
-                    <a:schemeClr val="accent1"/>
-                  </a:effectRef>
-                  <a:fontRef idx="minor">
-                    <a:schemeClr val="lt1"/>
-                  </a:fontRef>
-                </p:style>
-                <p:txBody>
-                  <a:bodyPr rtlCol="0" anchor="ctr"/>
-                  <a:lstStyle/>
-                  <a:p>
-                    <a:pPr algn="ctr"/>
-                    <a14:m>
-                      <m:oMath xmlns:m="http://schemas.openxmlformats.org/officeDocument/2006/math">
-                        <m:sSubSup>
-                          <m:sSubSupPr>
-                            <m:ctrlPr>
-                              <a:rPr lang="en-US" sz="1600" b="1" i="1" smtClean="0">
-                                <a:solidFill>
-                                  <a:schemeClr val="tx1"/>
-                                </a:solidFill>
-                                <a:latin typeface="Cambria Math" panose="02040503050406030204" pitchFamily="18" charset="0"/>
-                              </a:rPr>
-                            </m:ctrlPr>
-                          </m:sSubSupPr>
-                          <m:e>
-                            <m:r>
-                              <a:rPr lang="en-US" sz="1600" b="1" i="1" smtClean="0">
-                                <a:solidFill>
-                                  <a:schemeClr val="tx1"/>
-                                </a:solidFill>
-                                <a:latin typeface="Cambria Math" panose="02040503050406030204" pitchFamily="18" charset="0"/>
-                              </a:rPr>
-                              <m:t>𝒙</m:t>
-                            </m:r>
-                          </m:e>
-                          <m:sub>
-                            <m:r>
-                              <a:rPr lang="en-US" sz="1600" b="0" i="1" smtClean="0">
-                                <a:solidFill>
-                                  <a:schemeClr val="tx1"/>
-                                </a:solidFill>
-                                <a:latin typeface="Cambria Math" panose="02040503050406030204" pitchFamily="18" charset="0"/>
-                              </a:rPr>
-                              <m:t>1</m:t>
-                            </m:r>
-                          </m:sub>
-                          <m:sup>
-                            <m:r>
-                              <a:rPr lang="en-US" sz="1600" b="0" i="1" smtClean="0">
-                                <a:solidFill>
-                                  <a:schemeClr val="tx1"/>
-                                </a:solidFill>
-                                <a:latin typeface="Cambria Math" panose="02040503050406030204" pitchFamily="18" charset="0"/>
-                              </a:rPr>
-                              <m:t>1</m:t>
-                            </m:r>
-                          </m:sup>
-                        </m:sSubSup>
-                      </m:oMath>
-                    </a14:m>
-                    <a:r>
-                      <a:rPr lang="en-US" sz="1600" dirty="0">
-                        <a:solidFill>
-                          <a:schemeClr val="tx1"/>
-                        </a:solidFill>
-                      </a:rPr>
-                      <a:t> </a:t>
-                    </a:r>
-                  </a:p>
-                </p:txBody>
-              </p:sp>
-            </mc:Choice>
-            <mc:Fallback>
-              <p:sp>
-                <p:nvSpPr>
-                  <p:cNvPr id="137" name="Oval 136">
-                    <a:extLst>
-                      <a:ext uri="{FF2B5EF4-FFF2-40B4-BE49-F238E27FC236}">
-                        <a16:creationId xmlns:a16="http://schemas.microsoft.com/office/drawing/2014/main" id="{5E2B149D-ABC2-4E1E-B939-39EA37BDFDCE}"/>
-                      </a:ext>
-                    </a:extLst>
-                  </p:cNvPr>
-                  <p:cNvSpPr>
-                    <a:spLocks noRot="1" noChangeAspect="1" noMove="1" noResize="1" noEditPoints="1" noAdjustHandles="1" noChangeArrowheads="1" noChangeShapeType="1" noTextEdit="1"/>
-                  </p:cNvSpPr>
-                  <p:nvPr/>
-                </p:nvSpPr>
-                <p:spPr>
-                  <a:xfrm>
-                    <a:off x="6342434" y="2660514"/>
-                    <a:ext cx="603115" cy="603115"/>
-                  </a:xfrm>
-                  <a:prstGeom prst="ellipse">
-                    <a:avLst/>
-                  </a:prstGeom>
-                  <a:blipFill>
-                    <a:blip r:embed="rId27"/>
-                    <a:stretch>
-                      <a:fillRect/>
-                    </a:stretch>
-                  </a:blipFill>
-                  <a:ln>
-                    <a:solidFill>
-                      <a:schemeClr val="tx1"/>
-                    </a:solidFill>
-                  </a:ln>
-                </p:spPr>
-                <p:txBody>
-                  <a:bodyPr/>
-                  <a:lstStyle/>
-                  <a:p>
-                    <a:r>
-                      <a:rPr lang="en-BE">
-                        <a:noFill/>
-                      </a:rPr>
-                      <a:t> </a:t>
-                    </a:r>
-                  </a:p>
-                </p:txBody>
-              </p:sp>
-            </mc:Fallback>
-          </mc:AlternateContent>
-          <mc:AlternateContent xmlns:mc="http://schemas.openxmlformats.org/markup-compatibility/2006">
-            <mc:Choice xmlns:a14="http://schemas.microsoft.com/office/drawing/2010/main" Requires="a14">
-              <p:sp>
-                <p:nvSpPr>
-                  <p:cNvPr id="138" name="Oval 137">
-                    <a:extLst>
-                      <a:ext uri="{FF2B5EF4-FFF2-40B4-BE49-F238E27FC236}">
-                        <a16:creationId xmlns:a16="http://schemas.microsoft.com/office/drawing/2014/main" id="{C5B91CAA-5F74-4AFC-A882-53F592E32CF6}"/>
-                      </a:ext>
-                    </a:extLst>
-                  </p:cNvPr>
-                  <p:cNvSpPr/>
-                  <p:nvPr/>
-                </p:nvSpPr>
-                <p:spPr>
-                  <a:xfrm>
-                    <a:off x="6342434" y="3371007"/>
-                    <a:ext cx="603115" cy="603115"/>
-                  </a:xfrm>
-                  <a:prstGeom prst="ellipse">
-                    <a:avLst/>
-                  </a:prstGeom>
-                  <a:noFill/>
-                  <a:ln>
-                    <a:solidFill>
-                      <a:schemeClr val="tx1"/>
-                    </a:solidFill>
-                  </a:ln>
-                </p:spPr>
-                <p:style>
-                  <a:lnRef idx="2">
-                    <a:schemeClr val="accent1">
-                      <a:shade val="50000"/>
-                    </a:schemeClr>
-                  </a:lnRef>
-                  <a:fillRef idx="1">
-                    <a:schemeClr val="accent1"/>
-                  </a:fillRef>
-                  <a:effectRef idx="0">
-                    <a:schemeClr val="accent1"/>
-                  </a:effectRef>
-                  <a:fontRef idx="minor">
-                    <a:schemeClr val="lt1"/>
-                  </a:fontRef>
-                </p:style>
-                <p:txBody>
-                  <a:bodyPr rtlCol="0" anchor="ctr"/>
-                  <a:lstStyle/>
-                  <a:p>
-                    <a:pPr algn="ctr"/>
-                    <a14:m>
-                      <m:oMath xmlns:m="http://schemas.openxmlformats.org/officeDocument/2006/math">
-                        <m:sSubSup>
-                          <m:sSubSupPr>
-                            <m:ctrlPr>
-                              <a:rPr lang="en-US" sz="1600" b="1" i="1" smtClean="0">
-                                <a:solidFill>
-                                  <a:schemeClr val="tx1"/>
-                                </a:solidFill>
-                                <a:latin typeface="Cambria Math" panose="02040503050406030204" pitchFamily="18" charset="0"/>
-                              </a:rPr>
-                            </m:ctrlPr>
-                          </m:sSubSupPr>
-                          <m:e>
-                            <m:r>
-                              <a:rPr lang="en-US" sz="1600" b="1" i="1" smtClean="0">
-                                <a:solidFill>
-                                  <a:schemeClr val="tx1"/>
-                                </a:solidFill>
-                                <a:latin typeface="Cambria Math" panose="02040503050406030204" pitchFamily="18" charset="0"/>
-                              </a:rPr>
-                              <m:t>𝒙</m:t>
-                            </m:r>
-                          </m:e>
-                          <m:sub>
-                            <m:r>
-                              <a:rPr lang="en-US" sz="1600" b="0" i="1" smtClean="0">
-                                <a:solidFill>
-                                  <a:schemeClr val="tx1"/>
-                                </a:solidFill>
-                                <a:latin typeface="Cambria Math" panose="02040503050406030204" pitchFamily="18" charset="0"/>
-                              </a:rPr>
-                              <m:t>2</m:t>
-                            </m:r>
-                          </m:sub>
-                          <m:sup>
-                            <m:r>
-                              <a:rPr lang="en-US" sz="1600" b="0" i="1" smtClean="0">
-                                <a:solidFill>
-                                  <a:schemeClr val="tx1"/>
-                                </a:solidFill>
-                                <a:latin typeface="Cambria Math" panose="02040503050406030204" pitchFamily="18" charset="0"/>
-                              </a:rPr>
-                              <m:t>1</m:t>
-                            </m:r>
-                          </m:sup>
-                        </m:sSubSup>
-                      </m:oMath>
-                    </a14:m>
-                    <a:r>
-                      <a:rPr lang="en-US" sz="1600" dirty="0">
-                        <a:solidFill>
-                          <a:schemeClr val="tx1"/>
-                        </a:solidFill>
-                      </a:rPr>
-                      <a:t> </a:t>
-                    </a:r>
-                  </a:p>
-                </p:txBody>
-              </p:sp>
-            </mc:Choice>
-            <mc:Fallback>
-              <p:sp>
-                <p:nvSpPr>
-                  <p:cNvPr id="138" name="Oval 137">
-                    <a:extLst>
-                      <a:ext uri="{FF2B5EF4-FFF2-40B4-BE49-F238E27FC236}">
-                        <a16:creationId xmlns:a16="http://schemas.microsoft.com/office/drawing/2014/main" id="{C5B91CAA-5F74-4AFC-A882-53F592E32CF6}"/>
-                      </a:ext>
-                    </a:extLst>
-                  </p:cNvPr>
-                  <p:cNvSpPr>
-                    <a:spLocks noRot="1" noChangeAspect="1" noMove="1" noResize="1" noEditPoints="1" noAdjustHandles="1" noChangeArrowheads="1" noChangeShapeType="1" noTextEdit="1"/>
-                  </p:cNvSpPr>
-                  <p:nvPr/>
-                </p:nvSpPr>
-                <p:spPr>
-                  <a:xfrm>
-                    <a:off x="6342434" y="3371007"/>
-                    <a:ext cx="603115" cy="603115"/>
-                  </a:xfrm>
-                  <a:prstGeom prst="ellipse">
-                    <a:avLst/>
-                  </a:prstGeom>
-                  <a:blipFill>
-                    <a:blip r:embed="rId28"/>
-                    <a:stretch>
-                      <a:fillRect/>
-                    </a:stretch>
-                  </a:blipFill>
-                  <a:ln>
-                    <a:solidFill>
-                      <a:schemeClr val="tx1"/>
-                    </a:solidFill>
-                  </a:ln>
-                </p:spPr>
-                <p:txBody>
-                  <a:bodyPr/>
-                  <a:lstStyle/>
-                  <a:p>
-                    <a:r>
-                      <a:rPr lang="en-BE">
-                        <a:noFill/>
-                      </a:rPr>
-                      <a:t> </a:t>
-                    </a:r>
-                  </a:p>
-                </p:txBody>
-              </p:sp>
-            </mc:Fallback>
-          </mc:AlternateContent>
-          <mc:AlternateContent xmlns:mc="http://schemas.openxmlformats.org/markup-compatibility/2006">
-            <mc:Choice xmlns:a14="http://schemas.microsoft.com/office/drawing/2010/main" Requires="a14">
-              <p:sp>
-                <p:nvSpPr>
-                  <p:cNvPr id="139" name="Oval 138">
-                    <a:extLst>
-                      <a:ext uri="{FF2B5EF4-FFF2-40B4-BE49-F238E27FC236}">
-                        <a16:creationId xmlns:a16="http://schemas.microsoft.com/office/drawing/2014/main" id="{E3FA05ED-7F0C-4C90-897D-E68FF4C44231}"/>
-                      </a:ext>
-                    </a:extLst>
-                  </p:cNvPr>
-                  <p:cNvSpPr/>
-                  <p:nvPr/>
-                </p:nvSpPr>
-                <p:spPr>
-                  <a:xfrm>
-                    <a:off x="6342434" y="4884905"/>
-                    <a:ext cx="603115" cy="603115"/>
-                  </a:xfrm>
-                  <a:prstGeom prst="ellipse">
-                    <a:avLst/>
-                  </a:prstGeom>
-                  <a:noFill/>
-                  <a:ln>
-                    <a:solidFill>
-                      <a:schemeClr val="tx1"/>
-                    </a:solidFill>
-                  </a:ln>
-                </p:spPr>
-                <p:style>
-                  <a:lnRef idx="2">
-                    <a:schemeClr val="accent1">
-                      <a:shade val="50000"/>
-                    </a:schemeClr>
-                  </a:lnRef>
-                  <a:fillRef idx="1">
-                    <a:schemeClr val="accent1"/>
-                  </a:fillRef>
-                  <a:effectRef idx="0">
-                    <a:schemeClr val="accent1"/>
-                  </a:effectRef>
-                  <a:fontRef idx="minor">
-                    <a:schemeClr val="lt1"/>
-                  </a:fontRef>
-                </p:style>
-                <p:txBody>
-                  <a:bodyPr rtlCol="0" anchor="ctr"/>
-                  <a:lstStyle/>
-                  <a:p>
-                    <a:pPr algn="ctr"/>
-                    <a14:m>
-                      <m:oMath xmlns:m="http://schemas.openxmlformats.org/officeDocument/2006/math">
-                        <m:sSubSup>
-                          <m:sSubSupPr>
-                            <m:ctrlPr>
-                              <a:rPr lang="en-US" sz="1600" b="1" i="1" smtClean="0">
-                                <a:solidFill>
-                                  <a:schemeClr val="tx1"/>
-                                </a:solidFill>
-                                <a:latin typeface="Cambria Math" panose="02040503050406030204" pitchFamily="18" charset="0"/>
-                              </a:rPr>
-                            </m:ctrlPr>
-                          </m:sSubSupPr>
-                          <m:e>
-                            <m:r>
-                              <a:rPr lang="en-US" sz="1600" b="1" i="1" smtClean="0">
-                                <a:solidFill>
-                                  <a:schemeClr val="tx1"/>
-                                </a:solidFill>
-                                <a:latin typeface="Cambria Math" panose="02040503050406030204" pitchFamily="18" charset="0"/>
-                              </a:rPr>
-                              <m:t>𝒙</m:t>
-                            </m:r>
-                          </m:e>
-                          <m:sub>
-                            <m:r>
-                              <a:rPr lang="en-US" sz="1600" b="0" i="1" smtClean="0">
-                                <a:solidFill>
-                                  <a:schemeClr val="tx1"/>
-                                </a:solidFill>
-                                <a:latin typeface="Cambria Math" panose="02040503050406030204" pitchFamily="18" charset="0"/>
-                              </a:rPr>
-                              <m:t>𝐴</m:t>
-                            </m:r>
-                          </m:sub>
-                          <m:sup>
-                            <m:r>
-                              <a:rPr lang="en-US" sz="1600" b="0" i="1" smtClean="0">
-                                <a:solidFill>
-                                  <a:schemeClr val="tx1"/>
-                                </a:solidFill>
-                                <a:latin typeface="Cambria Math" panose="02040503050406030204" pitchFamily="18" charset="0"/>
-                              </a:rPr>
-                              <m:t>1</m:t>
-                            </m:r>
-                          </m:sup>
-                        </m:sSubSup>
-                      </m:oMath>
-                    </a14:m>
-                    <a:r>
-                      <a:rPr lang="en-US" sz="1600" dirty="0">
-                        <a:solidFill>
-                          <a:schemeClr val="tx1"/>
-                        </a:solidFill>
-                      </a:rPr>
-                      <a:t> </a:t>
-                    </a:r>
-                  </a:p>
-                </p:txBody>
-              </p:sp>
-            </mc:Choice>
-            <mc:Fallback>
-              <p:sp>
-                <p:nvSpPr>
-                  <p:cNvPr id="139" name="Oval 138">
-                    <a:extLst>
-                      <a:ext uri="{FF2B5EF4-FFF2-40B4-BE49-F238E27FC236}">
-                        <a16:creationId xmlns:a16="http://schemas.microsoft.com/office/drawing/2014/main" id="{E3FA05ED-7F0C-4C90-897D-E68FF4C44231}"/>
-                      </a:ext>
-                    </a:extLst>
-                  </p:cNvPr>
-                  <p:cNvSpPr>
-                    <a:spLocks noRot="1" noChangeAspect="1" noMove="1" noResize="1" noEditPoints="1" noAdjustHandles="1" noChangeArrowheads="1" noChangeShapeType="1" noTextEdit="1"/>
-                  </p:cNvSpPr>
-                  <p:nvPr/>
-                </p:nvSpPr>
-                <p:spPr>
-                  <a:xfrm>
-                    <a:off x="6342434" y="4884905"/>
-                    <a:ext cx="603115" cy="603115"/>
-                  </a:xfrm>
-                  <a:prstGeom prst="ellipse">
-                    <a:avLst/>
-                  </a:prstGeom>
-                  <a:blipFill>
-                    <a:blip r:embed="rId29"/>
-                    <a:stretch>
-                      <a:fillRect/>
-                    </a:stretch>
-                  </a:blipFill>
-                  <a:ln>
-                    <a:solidFill>
-                      <a:schemeClr val="tx1"/>
-                    </a:solidFill>
-                  </a:ln>
-                </p:spPr>
-                <p:txBody>
-                  <a:bodyPr/>
-                  <a:lstStyle/>
-                  <a:p>
-                    <a:r>
-                      <a:rPr lang="en-BE">
-                        <a:noFill/>
-                      </a:rPr>
-                      <a:t> </a:t>
-                    </a:r>
-                  </a:p>
-                </p:txBody>
-              </p:sp>
-            </mc:Fallback>
-          </mc:AlternateContent>
-          <mc:AlternateContent xmlns:mc="http://schemas.openxmlformats.org/markup-compatibility/2006" xmlns:a14="http://schemas.microsoft.com/office/drawing/2010/main">
-            <mc:Choice Requires="a14">
-              <p:sp>
-                <p:nvSpPr>
-                  <p:cNvPr id="140" name="Rectangle 139">
-                    <a:extLst>
-                      <a:ext uri="{FF2B5EF4-FFF2-40B4-BE49-F238E27FC236}">
-                        <a16:creationId xmlns:a16="http://schemas.microsoft.com/office/drawing/2014/main" id="{53CFF6E4-9350-489B-9F5D-BACA2E8552E3}"/>
-                      </a:ext>
-                    </a:extLst>
-                  </p:cNvPr>
-                  <p:cNvSpPr/>
-                  <p:nvPr/>
-                </p:nvSpPr>
-                <p:spPr>
-                  <a:xfrm rot="5400000">
-                    <a:off x="6377751" y="4126105"/>
-                    <a:ext cx="673938" cy="575791"/>
-                  </a:xfrm>
-                  <a:prstGeom prst="rect">
-                    <a:avLst/>
-                  </a:prstGeom>
-                </p:spPr>
-                <p:txBody>
-                  <a:bodyPr wrap="none">
-                    <a:spAutoFit/>
-                  </a:bodyPr>
-                  <a:lstStyle/>
-                  <a:p>
-                    <a:pPr/>
-                    <a14:m>
-                      <m:oMathPara xmlns:m="http://schemas.openxmlformats.org/officeDocument/2006/math">
-                        <m:oMathParaPr>
-                          <m:jc m:val="centerGroup"/>
-                        </m:oMathParaPr>
-                        <m:oMath xmlns:m="http://schemas.openxmlformats.org/officeDocument/2006/math">
-                          <m:r>
-                            <a:rPr lang="en-US" sz="1600" i="1" smtClean="0">
-                              <a:solidFill>
-                                <a:schemeClr val="tx1"/>
-                              </a:solidFill>
-                              <a:latin typeface="Cambria Math" panose="02040503050406030204" pitchFamily="18" charset="0"/>
-                            </a:rPr>
-                            <m:t>…</m:t>
-                          </m:r>
-                        </m:oMath>
-                      </m:oMathPara>
-                    </a14:m>
-                    <a:endParaRPr lang="en-US" sz="1600" dirty="0"/>
-                  </a:p>
-                </p:txBody>
-              </p:sp>
-            </mc:Choice>
-            <mc:Fallback xmlns="">
-              <p:sp>
-                <p:nvSpPr>
-                  <p:cNvPr id="51" name="Rectangle 50">
-                    <a:extLst>
-                      <a:ext uri="{FF2B5EF4-FFF2-40B4-BE49-F238E27FC236}">
-                        <a16:creationId xmlns:a16="http://schemas.microsoft.com/office/drawing/2014/main" id="{073E4DE5-8605-4232-BD9D-361596897D2F}"/>
-                      </a:ext>
-                    </a:extLst>
-                  </p:cNvPr>
-                  <p:cNvSpPr>
-                    <a:spLocks noRot="1" noChangeAspect="1" noMove="1" noResize="1" noEditPoints="1" noAdjustHandles="1" noChangeArrowheads="1" noChangeShapeType="1" noTextEdit="1"/>
-                  </p:cNvSpPr>
-                  <p:nvPr/>
-                </p:nvSpPr>
-                <p:spPr>
-                  <a:xfrm rot="5400000">
-                    <a:off x="6377751" y="4126105"/>
-                    <a:ext cx="673938" cy="575791"/>
-                  </a:xfrm>
-                  <a:prstGeom prst="rect">
-                    <a:avLst/>
-                  </a:prstGeom>
-                  <a:blipFill>
-                    <a:blip r:embed="rId9"/>
-                    <a:stretch>
-                      <a:fillRect/>
-                    </a:stretch>
-                  </a:blipFill>
-                </p:spPr>
-                <p:txBody>
-                  <a:bodyPr/>
-                  <a:lstStyle/>
-                  <a:p>
-                    <a:r>
-                      <a:rPr lang="en-US">
-                        <a:noFill/>
-                      </a:rPr>
-                      <a:t> </a:t>
-                    </a:r>
-                  </a:p>
-                </p:txBody>
-              </p:sp>
-            </mc:Fallback>
-          </mc:AlternateContent>
-        </p:grpSp>
-        <p:grpSp>
-          <p:nvGrpSpPr>
-            <p:cNvPr id="124" name="Group 123">
-              <a:extLst>
-                <a:ext uri="{FF2B5EF4-FFF2-40B4-BE49-F238E27FC236}">
-                  <a16:creationId xmlns:a16="http://schemas.microsoft.com/office/drawing/2014/main" id="{F6A1B910-0413-40F1-A724-E84E6E0E857E}"/>
-                </a:ext>
-              </a:extLst>
-            </p:cNvPr>
-            <p:cNvGrpSpPr/>
-            <p:nvPr/>
-          </p:nvGrpSpPr>
-          <p:grpSpPr>
-            <a:xfrm>
-              <a:off x="1595767" y="1076944"/>
-              <a:ext cx="388174" cy="1662517"/>
-              <a:chOff x="6342434" y="2660514"/>
-              <a:chExt cx="660181" cy="2827506"/>
-            </a:xfrm>
-          </p:grpSpPr>
-          <mc:AlternateContent xmlns:mc="http://schemas.openxmlformats.org/markup-compatibility/2006">
-            <mc:Choice xmlns:a14="http://schemas.microsoft.com/office/drawing/2010/main" Requires="a14">
-              <p:sp>
-                <p:nvSpPr>
-                  <p:cNvPr id="133" name="Oval 132">
-                    <a:extLst>
-                      <a:ext uri="{FF2B5EF4-FFF2-40B4-BE49-F238E27FC236}">
-                        <a16:creationId xmlns:a16="http://schemas.microsoft.com/office/drawing/2014/main" id="{97D37329-17C9-46CB-A9FD-602D1180F5BD}"/>
-                      </a:ext>
-                    </a:extLst>
-                  </p:cNvPr>
-                  <p:cNvSpPr/>
-                  <p:nvPr/>
-                </p:nvSpPr>
-                <p:spPr>
-                  <a:xfrm>
-                    <a:off x="6342434" y="2660514"/>
-                    <a:ext cx="603115" cy="603115"/>
-                  </a:xfrm>
-                  <a:prstGeom prst="ellipse">
-                    <a:avLst/>
-                  </a:prstGeom>
-                  <a:noFill/>
-                  <a:ln>
-                    <a:solidFill>
-                      <a:schemeClr val="tx1"/>
-                    </a:solidFill>
-                  </a:ln>
-                </p:spPr>
-                <p:style>
-                  <a:lnRef idx="2">
-                    <a:schemeClr val="accent1">
-                      <a:shade val="50000"/>
-                    </a:schemeClr>
-                  </a:lnRef>
-                  <a:fillRef idx="1">
-                    <a:schemeClr val="accent1"/>
-                  </a:fillRef>
-                  <a:effectRef idx="0">
-                    <a:schemeClr val="accent1"/>
-                  </a:effectRef>
-                  <a:fontRef idx="minor">
-                    <a:schemeClr val="lt1"/>
-                  </a:fontRef>
-                </p:style>
-                <p:txBody>
-                  <a:bodyPr rtlCol="0" anchor="ctr"/>
-                  <a:lstStyle/>
-                  <a:p>
-                    <a:pPr algn="ctr"/>
-                    <a14:m>
-                      <m:oMath xmlns:m="http://schemas.openxmlformats.org/officeDocument/2006/math">
-                        <m:sSubSup>
-                          <m:sSubSupPr>
-                            <m:ctrlPr>
-                              <a:rPr lang="en-US" sz="1600" b="1" i="1" smtClean="0">
-                                <a:solidFill>
-                                  <a:schemeClr val="tx1"/>
-                                </a:solidFill>
-                                <a:latin typeface="Cambria Math" panose="02040503050406030204" pitchFamily="18" charset="0"/>
-                              </a:rPr>
-                            </m:ctrlPr>
-                          </m:sSubSupPr>
-                          <m:e>
-                            <m:r>
-                              <a:rPr lang="en-US" sz="1600" b="1" i="1" smtClean="0">
-                                <a:solidFill>
-                                  <a:schemeClr val="tx1"/>
-                                </a:solidFill>
-                                <a:latin typeface="Cambria Math" panose="02040503050406030204" pitchFamily="18" charset="0"/>
-                              </a:rPr>
-                              <m:t>𝒙</m:t>
-                            </m:r>
-                          </m:e>
-                          <m:sub>
-                            <m:r>
-                              <a:rPr lang="en-US" sz="1600" b="0" i="1" smtClean="0">
-                                <a:solidFill>
-                                  <a:schemeClr val="tx1"/>
-                                </a:solidFill>
-                                <a:latin typeface="Cambria Math" panose="02040503050406030204" pitchFamily="18" charset="0"/>
-                              </a:rPr>
-                              <m:t>1</m:t>
-                            </m:r>
-                          </m:sub>
-                          <m:sup>
-                            <m:r>
-                              <a:rPr lang="en-US" sz="1600" b="0" i="1" smtClean="0">
-                                <a:solidFill>
-                                  <a:schemeClr val="tx1"/>
-                                </a:solidFill>
-                                <a:latin typeface="Cambria Math" panose="02040503050406030204" pitchFamily="18" charset="0"/>
-                              </a:rPr>
-                              <m:t>2</m:t>
-                            </m:r>
-                          </m:sup>
-                        </m:sSubSup>
-                      </m:oMath>
-                    </a14:m>
-                    <a:r>
-                      <a:rPr lang="en-US" sz="1600" dirty="0">
-                        <a:solidFill>
-                          <a:schemeClr val="tx1"/>
-                        </a:solidFill>
-                      </a:rPr>
-                      <a:t> </a:t>
-                    </a:r>
-                  </a:p>
-                </p:txBody>
-              </p:sp>
-            </mc:Choice>
-            <mc:Fallback>
-              <p:sp>
-                <p:nvSpPr>
-                  <p:cNvPr id="133" name="Oval 132">
-                    <a:extLst>
-                      <a:ext uri="{FF2B5EF4-FFF2-40B4-BE49-F238E27FC236}">
-                        <a16:creationId xmlns:a16="http://schemas.microsoft.com/office/drawing/2014/main" id="{97D37329-17C9-46CB-A9FD-602D1180F5BD}"/>
-                      </a:ext>
-                    </a:extLst>
-                  </p:cNvPr>
-                  <p:cNvSpPr>
-                    <a:spLocks noRot="1" noChangeAspect="1" noMove="1" noResize="1" noEditPoints="1" noAdjustHandles="1" noChangeArrowheads="1" noChangeShapeType="1" noTextEdit="1"/>
-                  </p:cNvSpPr>
-                  <p:nvPr/>
-                </p:nvSpPr>
-                <p:spPr>
-                  <a:xfrm>
-                    <a:off x="6342434" y="2660514"/>
-                    <a:ext cx="603115" cy="603115"/>
-                  </a:xfrm>
-                  <a:prstGeom prst="ellipse">
-                    <a:avLst/>
-                  </a:prstGeom>
-                  <a:blipFill>
-                    <a:blip r:embed="rId30"/>
-                    <a:stretch>
-                      <a:fillRect/>
-                    </a:stretch>
-                  </a:blipFill>
-                  <a:ln>
-                    <a:solidFill>
-                      <a:schemeClr val="tx1"/>
-                    </a:solidFill>
-                  </a:ln>
-                </p:spPr>
-                <p:txBody>
-                  <a:bodyPr/>
-                  <a:lstStyle/>
-                  <a:p>
-                    <a:r>
-                      <a:rPr lang="en-BE">
-                        <a:noFill/>
-                      </a:rPr>
-                      <a:t> </a:t>
-                    </a:r>
-                  </a:p>
-                </p:txBody>
-              </p:sp>
-            </mc:Fallback>
-          </mc:AlternateContent>
-          <mc:AlternateContent xmlns:mc="http://schemas.openxmlformats.org/markup-compatibility/2006">
-            <mc:Choice xmlns:a14="http://schemas.microsoft.com/office/drawing/2010/main" Requires="a14">
-              <p:sp>
-                <p:nvSpPr>
-                  <p:cNvPr id="134" name="Oval 133">
-                    <a:extLst>
-                      <a:ext uri="{FF2B5EF4-FFF2-40B4-BE49-F238E27FC236}">
-                        <a16:creationId xmlns:a16="http://schemas.microsoft.com/office/drawing/2014/main" id="{22A73FEB-5E43-4CF8-8B0B-BE94A476D056}"/>
-                      </a:ext>
-                    </a:extLst>
-                  </p:cNvPr>
-                  <p:cNvSpPr/>
-                  <p:nvPr/>
-                </p:nvSpPr>
-                <p:spPr>
-                  <a:xfrm>
-                    <a:off x="6342434" y="3371007"/>
-                    <a:ext cx="603115" cy="603115"/>
-                  </a:xfrm>
-                  <a:prstGeom prst="ellipse">
-                    <a:avLst/>
-                  </a:prstGeom>
-                  <a:noFill/>
-                  <a:ln>
-                    <a:solidFill>
-                      <a:schemeClr val="tx1"/>
-                    </a:solidFill>
-                  </a:ln>
-                </p:spPr>
-                <p:style>
-                  <a:lnRef idx="2">
-                    <a:schemeClr val="accent1">
-                      <a:shade val="50000"/>
-                    </a:schemeClr>
-                  </a:lnRef>
-                  <a:fillRef idx="1">
-                    <a:schemeClr val="accent1"/>
-                  </a:fillRef>
-                  <a:effectRef idx="0">
-                    <a:schemeClr val="accent1"/>
-                  </a:effectRef>
-                  <a:fontRef idx="minor">
-                    <a:schemeClr val="lt1"/>
-                  </a:fontRef>
-                </p:style>
-                <p:txBody>
-                  <a:bodyPr rtlCol="0" anchor="ctr"/>
-                  <a:lstStyle/>
-                  <a:p>
-                    <a:pPr algn="ctr"/>
-                    <a14:m>
-                      <m:oMath xmlns:m="http://schemas.openxmlformats.org/officeDocument/2006/math">
-                        <m:sSubSup>
-                          <m:sSubSupPr>
-                            <m:ctrlPr>
-                              <a:rPr lang="en-US" sz="1600" b="1" i="1" smtClean="0">
-                                <a:solidFill>
-                                  <a:schemeClr val="tx1"/>
-                                </a:solidFill>
-                                <a:latin typeface="Cambria Math" panose="02040503050406030204" pitchFamily="18" charset="0"/>
-                              </a:rPr>
-                            </m:ctrlPr>
-                          </m:sSubSupPr>
-                          <m:e>
-                            <m:r>
-                              <a:rPr lang="en-US" sz="1600" b="1" i="1" smtClean="0">
-                                <a:solidFill>
-                                  <a:schemeClr val="tx1"/>
-                                </a:solidFill>
-                                <a:latin typeface="Cambria Math" panose="02040503050406030204" pitchFamily="18" charset="0"/>
-                              </a:rPr>
-                              <m:t>𝒙</m:t>
-                            </m:r>
-                          </m:e>
-                          <m:sub>
-                            <m:r>
-                              <a:rPr lang="en-US" sz="1600" b="0" i="1" smtClean="0">
-                                <a:solidFill>
-                                  <a:schemeClr val="tx1"/>
-                                </a:solidFill>
-                                <a:latin typeface="Cambria Math" panose="02040503050406030204" pitchFamily="18" charset="0"/>
-                              </a:rPr>
-                              <m:t>2</m:t>
-                            </m:r>
-                          </m:sub>
-                          <m:sup>
-                            <m:r>
-                              <a:rPr lang="en-US" sz="1600" b="0" i="1" smtClean="0">
-                                <a:solidFill>
-                                  <a:schemeClr val="tx1"/>
-                                </a:solidFill>
-                                <a:latin typeface="Cambria Math" panose="02040503050406030204" pitchFamily="18" charset="0"/>
-                              </a:rPr>
-                              <m:t>2</m:t>
-                            </m:r>
-                          </m:sup>
-                        </m:sSubSup>
-                      </m:oMath>
-                    </a14:m>
-                    <a:r>
-                      <a:rPr lang="en-US" sz="1600" dirty="0">
-                        <a:solidFill>
-                          <a:schemeClr val="tx1"/>
-                        </a:solidFill>
-                      </a:rPr>
-                      <a:t> </a:t>
-                    </a:r>
-                  </a:p>
-                </p:txBody>
-              </p:sp>
-            </mc:Choice>
-            <mc:Fallback>
-              <p:sp>
-                <p:nvSpPr>
-                  <p:cNvPr id="134" name="Oval 133">
-                    <a:extLst>
-                      <a:ext uri="{FF2B5EF4-FFF2-40B4-BE49-F238E27FC236}">
-                        <a16:creationId xmlns:a16="http://schemas.microsoft.com/office/drawing/2014/main" id="{22A73FEB-5E43-4CF8-8B0B-BE94A476D056}"/>
-                      </a:ext>
-                    </a:extLst>
-                  </p:cNvPr>
-                  <p:cNvSpPr>
-                    <a:spLocks noRot="1" noChangeAspect="1" noMove="1" noResize="1" noEditPoints="1" noAdjustHandles="1" noChangeArrowheads="1" noChangeShapeType="1" noTextEdit="1"/>
-                  </p:cNvSpPr>
-                  <p:nvPr/>
-                </p:nvSpPr>
-                <p:spPr>
-                  <a:xfrm>
-                    <a:off x="6342434" y="3371007"/>
-                    <a:ext cx="603115" cy="603115"/>
-                  </a:xfrm>
-                  <a:prstGeom prst="ellipse">
-                    <a:avLst/>
-                  </a:prstGeom>
-                  <a:blipFill>
-                    <a:blip r:embed="rId31"/>
-                    <a:stretch>
-                      <a:fillRect/>
-                    </a:stretch>
-                  </a:blipFill>
-                  <a:ln>
-                    <a:solidFill>
-                      <a:schemeClr val="tx1"/>
-                    </a:solidFill>
-                  </a:ln>
-                </p:spPr>
-                <p:txBody>
-                  <a:bodyPr/>
-                  <a:lstStyle/>
-                  <a:p>
-                    <a:r>
-                      <a:rPr lang="en-BE">
-                        <a:noFill/>
-                      </a:rPr>
-                      <a:t> </a:t>
-                    </a:r>
-                  </a:p>
-                </p:txBody>
-              </p:sp>
-            </mc:Fallback>
-          </mc:AlternateContent>
-          <mc:AlternateContent xmlns:mc="http://schemas.openxmlformats.org/markup-compatibility/2006">
-            <mc:Choice xmlns:a14="http://schemas.microsoft.com/office/drawing/2010/main" Requires="a14">
-              <p:sp>
-                <p:nvSpPr>
-                  <p:cNvPr id="135" name="Oval 134">
-                    <a:extLst>
-                      <a:ext uri="{FF2B5EF4-FFF2-40B4-BE49-F238E27FC236}">
-                        <a16:creationId xmlns:a16="http://schemas.microsoft.com/office/drawing/2014/main" id="{AD50572F-C567-4D62-A95D-E5DCA204ADF2}"/>
-                      </a:ext>
-                    </a:extLst>
-                  </p:cNvPr>
-                  <p:cNvSpPr/>
-                  <p:nvPr/>
-                </p:nvSpPr>
-                <p:spPr>
-                  <a:xfrm>
-                    <a:off x="6342434" y="4884905"/>
-                    <a:ext cx="603115" cy="603115"/>
-                  </a:xfrm>
-                  <a:prstGeom prst="ellipse">
-                    <a:avLst/>
-                  </a:prstGeom>
-                  <a:noFill/>
-                  <a:ln>
-                    <a:solidFill>
-                      <a:schemeClr val="tx1"/>
-                    </a:solidFill>
-                  </a:ln>
-                </p:spPr>
-                <p:style>
-                  <a:lnRef idx="2">
-                    <a:schemeClr val="accent1">
-                      <a:shade val="50000"/>
-                    </a:schemeClr>
-                  </a:lnRef>
-                  <a:fillRef idx="1">
-                    <a:schemeClr val="accent1"/>
-                  </a:fillRef>
-                  <a:effectRef idx="0">
-                    <a:schemeClr val="accent1"/>
-                  </a:effectRef>
-                  <a:fontRef idx="minor">
-                    <a:schemeClr val="lt1"/>
-                  </a:fontRef>
-                </p:style>
-                <p:txBody>
-                  <a:bodyPr rtlCol="0" anchor="ctr"/>
-                  <a:lstStyle/>
-                  <a:p>
-                    <a:pPr algn="ctr"/>
-                    <a14:m>
-                      <m:oMath xmlns:m="http://schemas.openxmlformats.org/officeDocument/2006/math">
-                        <m:sSubSup>
-                          <m:sSubSupPr>
-                            <m:ctrlPr>
-                              <a:rPr lang="en-US" sz="1600" b="1" i="1" smtClean="0">
-                                <a:solidFill>
-                                  <a:schemeClr val="tx1"/>
-                                </a:solidFill>
-                                <a:latin typeface="Cambria Math" panose="02040503050406030204" pitchFamily="18" charset="0"/>
-                              </a:rPr>
-                            </m:ctrlPr>
-                          </m:sSubSupPr>
-                          <m:e>
-                            <m:r>
-                              <a:rPr lang="en-US" sz="1600" b="1" i="1" smtClean="0">
-                                <a:solidFill>
-                                  <a:schemeClr val="tx1"/>
-                                </a:solidFill>
-                                <a:latin typeface="Cambria Math" panose="02040503050406030204" pitchFamily="18" charset="0"/>
-                              </a:rPr>
-                              <m:t>𝒙</m:t>
-                            </m:r>
-                          </m:e>
-                          <m:sub>
-                            <m:r>
-                              <a:rPr lang="en-US" sz="1600" b="0" i="1" smtClean="0">
-                                <a:solidFill>
-                                  <a:schemeClr val="tx1"/>
-                                </a:solidFill>
-                                <a:latin typeface="Cambria Math" panose="02040503050406030204" pitchFamily="18" charset="0"/>
-                              </a:rPr>
-                              <m:t>𝐴</m:t>
-                            </m:r>
-                          </m:sub>
-                          <m:sup>
-                            <m:r>
-                              <a:rPr lang="en-US" sz="1600" b="0" i="1" smtClean="0">
-                                <a:solidFill>
-                                  <a:schemeClr val="tx1"/>
-                                </a:solidFill>
-                                <a:latin typeface="Cambria Math" panose="02040503050406030204" pitchFamily="18" charset="0"/>
-                              </a:rPr>
-                              <m:t>2</m:t>
-                            </m:r>
-                          </m:sup>
-                        </m:sSubSup>
-                      </m:oMath>
-                    </a14:m>
-                    <a:r>
-                      <a:rPr lang="en-US" sz="1600" dirty="0">
-                        <a:solidFill>
-                          <a:schemeClr val="tx1"/>
-                        </a:solidFill>
-                      </a:rPr>
-                      <a:t> </a:t>
-                    </a:r>
-                  </a:p>
-                </p:txBody>
-              </p:sp>
-            </mc:Choice>
-            <mc:Fallback>
-              <p:sp>
-                <p:nvSpPr>
-                  <p:cNvPr id="135" name="Oval 134">
-                    <a:extLst>
-                      <a:ext uri="{FF2B5EF4-FFF2-40B4-BE49-F238E27FC236}">
-                        <a16:creationId xmlns:a16="http://schemas.microsoft.com/office/drawing/2014/main" id="{AD50572F-C567-4D62-A95D-E5DCA204ADF2}"/>
-                      </a:ext>
-                    </a:extLst>
-                  </p:cNvPr>
-                  <p:cNvSpPr>
-                    <a:spLocks noRot="1" noChangeAspect="1" noMove="1" noResize="1" noEditPoints="1" noAdjustHandles="1" noChangeArrowheads="1" noChangeShapeType="1" noTextEdit="1"/>
-                  </p:cNvSpPr>
-                  <p:nvPr/>
-                </p:nvSpPr>
-                <p:spPr>
-                  <a:xfrm>
-                    <a:off x="6342434" y="4884905"/>
-                    <a:ext cx="603115" cy="603115"/>
-                  </a:xfrm>
-                  <a:prstGeom prst="ellipse">
-                    <a:avLst/>
-                  </a:prstGeom>
-                  <a:blipFill>
-                    <a:blip r:embed="rId32"/>
-                    <a:stretch>
-                      <a:fillRect/>
-                    </a:stretch>
-                  </a:blipFill>
-                  <a:ln>
-                    <a:solidFill>
-                      <a:schemeClr val="tx1"/>
-                    </a:solidFill>
-                  </a:ln>
-                </p:spPr>
-                <p:txBody>
-                  <a:bodyPr/>
-                  <a:lstStyle/>
-                  <a:p>
-                    <a:r>
-                      <a:rPr lang="en-BE">
-                        <a:noFill/>
-                      </a:rPr>
-                      <a:t> </a:t>
-                    </a:r>
-                  </a:p>
-                </p:txBody>
-              </p:sp>
-            </mc:Fallback>
-          </mc:AlternateContent>
-          <mc:AlternateContent xmlns:mc="http://schemas.openxmlformats.org/markup-compatibility/2006" xmlns:a14="http://schemas.microsoft.com/office/drawing/2010/main">
-            <mc:Choice Requires="a14">
-              <p:sp>
-                <p:nvSpPr>
-                  <p:cNvPr id="136" name="Rectangle 135">
-                    <a:extLst>
-                      <a:ext uri="{FF2B5EF4-FFF2-40B4-BE49-F238E27FC236}">
-                        <a16:creationId xmlns:a16="http://schemas.microsoft.com/office/drawing/2014/main" id="{4F4A6BD0-AB00-41E6-BF59-A030CEE27E3C}"/>
-                      </a:ext>
-                    </a:extLst>
-                  </p:cNvPr>
-                  <p:cNvSpPr/>
-                  <p:nvPr/>
-                </p:nvSpPr>
-                <p:spPr>
-                  <a:xfrm rot="5400000">
-                    <a:off x="6377751" y="4126105"/>
-                    <a:ext cx="673938" cy="575791"/>
-                  </a:xfrm>
-                  <a:prstGeom prst="rect">
-                    <a:avLst/>
-                  </a:prstGeom>
-                </p:spPr>
-                <p:txBody>
-                  <a:bodyPr wrap="none">
-                    <a:spAutoFit/>
-                  </a:bodyPr>
-                  <a:lstStyle/>
-                  <a:p>
-                    <a:pPr/>
-                    <a14:m>
-                      <m:oMathPara xmlns:m="http://schemas.openxmlformats.org/officeDocument/2006/math">
-                        <m:oMathParaPr>
-                          <m:jc m:val="centerGroup"/>
-                        </m:oMathParaPr>
-                        <m:oMath xmlns:m="http://schemas.openxmlformats.org/officeDocument/2006/math">
-                          <m:r>
-                            <a:rPr lang="en-US" sz="1600" i="1" smtClean="0">
-                              <a:solidFill>
-                                <a:schemeClr val="tx1"/>
-                              </a:solidFill>
-                              <a:latin typeface="Cambria Math" panose="02040503050406030204" pitchFamily="18" charset="0"/>
-                            </a:rPr>
-                            <m:t>…</m:t>
-                          </m:r>
-                        </m:oMath>
-                      </m:oMathPara>
-                    </a14:m>
-                    <a:endParaRPr lang="en-US" sz="1600" dirty="0"/>
-                  </a:p>
-                </p:txBody>
-              </p:sp>
-            </mc:Choice>
-            <mc:Fallback xmlns="">
-              <p:sp>
-                <p:nvSpPr>
-                  <p:cNvPr id="51" name="Rectangle 50">
-                    <a:extLst>
-                      <a:ext uri="{FF2B5EF4-FFF2-40B4-BE49-F238E27FC236}">
-                        <a16:creationId xmlns:a16="http://schemas.microsoft.com/office/drawing/2014/main" id="{073E4DE5-8605-4232-BD9D-361596897D2F}"/>
-                      </a:ext>
-                    </a:extLst>
-                  </p:cNvPr>
-                  <p:cNvSpPr>
-                    <a:spLocks noRot="1" noChangeAspect="1" noMove="1" noResize="1" noEditPoints="1" noAdjustHandles="1" noChangeArrowheads="1" noChangeShapeType="1" noTextEdit="1"/>
-                  </p:cNvSpPr>
-                  <p:nvPr/>
-                </p:nvSpPr>
-                <p:spPr>
-                  <a:xfrm rot="5400000">
-                    <a:off x="6377751" y="4126105"/>
-                    <a:ext cx="673938" cy="575791"/>
-                  </a:xfrm>
-                  <a:prstGeom prst="rect">
-                    <a:avLst/>
-                  </a:prstGeom>
-                  <a:blipFill>
-                    <a:blip r:embed="rId9"/>
-                    <a:stretch>
-                      <a:fillRect/>
-                    </a:stretch>
-                  </a:blipFill>
-                </p:spPr>
-                <p:txBody>
-                  <a:bodyPr/>
-                  <a:lstStyle/>
-                  <a:p>
-                    <a:r>
-                      <a:rPr lang="en-US">
-                        <a:noFill/>
-                      </a:rPr>
-                      <a:t> </a:t>
-                    </a:r>
-                  </a:p>
-                </p:txBody>
-              </p:sp>
-            </mc:Fallback>
-          </mc:AlternateContent>
-        </p:grpSp>
-        <p:grpSp>
-          <p:nvGrpSpPr>
             <p:cNvPr id="125" name="Group 124">
               <a:extLst>
                 <a:ext uri="{FF2B5EF4-FFF2-40B4-BE49-F238E27FC236}">
@@ -9359,7 +8160,7 @@
           </p:nvGrpSpPr>
           <p:grpSpPr>
             <a:xfrm>
-              <a:off x="2322709" y="1076944"/>
+              <a:off x="2271909" y="2995608"/>
               <a:ext cx="388174" cy="1662517"/>
               <a:chOff x="6342434" y="2660514"/>
               <a:chExt cx="660181" cy="2827506"/>
@@ -9417,8 +8218,8 @@
                     <a:pPr algn="ctr"/>
                     <a14:m>
                       <m:oMath xmlns:m="http://schemas.openxmlformats.org/officeDocument/2006/math">
-                        <m:sSubSup>
-                          <m:sSubSupPr>
+                        <m:sSub>
+                          <m:sSubPr>
                             <m:ctrlPr>
                               <a:rPr lang="en-US" sz="1600" b="1" i="1" smtClean="0">
                                 <a:solidFill>
@@ -9427,7 +8228,7 @@
                                 <a:latin typeface="Cambria Math" panose="02040503050406030204" pitchFamily="18" charset="0"/>
                               </a:rPr>
                             </m:ctrlPr>
-                          </m:sSubSupPr>
+                          </m:sSubPr>
                           <m:e>
                             <m:r>
                               <a:rPr lang="en-US" sz="1600" b="1" i="1" smtClean="0">
@@ -9436,7 +8237,7 @@
                                 </a:solidFill>
                                 <a:latin typeface="Cambria Math" panose="02040503050406030204" pitchFamily="18" charset="0"/>
                               </a:rPr>
-                              <m:t>𝒙</m:t>
+                              <m:t>𝒚</m:t>
                             </m:r>
                           </m:e>
                           <m:sub>
@@ -9450,18 +8251,7 @@
                               <m:t>1</m:t>
                             </m:r>
                           </m:sub>
-                          <m:sup>
-                            <m:r>
-                              <a:rPr lang="en-US" sz="1600" b="0" i="1" smtClean="0">
-                                <a:solidFill>
-                                  <a:schemeClr val="tx1"/>
-                                </a:solidFill>
-                                <a:latin typeface="Cambria Math" panose="02040503050406030204" pitchFamily="18" charset="0"/>
-                              </a:rPr>
-                              <m:t>𝐶</m:t>
-                            </m:r>
-                          </m:sup>
-                        </m:sSubSup>
+                        </m:sSub>
                       </m:oMath>
                     </a14:m>
                     <a:r>
@@ -9500,7 +8290,7 @@
                     <a:avLst/>
                   </a:prstGeom>
                   <a:blipFill>
-                    <a:blip r:embed="rId33"/>
+                    <a:blip r:embed="rId27"/>
                     <a:stretch>
                       <a:fillRect/>
                     </a:stretch>
@@ -9578,17 +8368,17 @@
                     <a:pPr algn="ctr"/>
                     <a14:m>
                       <m:oMath xmlns:m="http://schemas.openxmlformats.org/officeDocument/2006/math">
-                        <m:sSubSup>
-                          <m:sSubSupPr>
+                        <m:sSub>
+                          <m:sSubPr>
                             <m:ctrlPr>
-                              <a:rPr lang="en-US" sz="1600" b="1" i="1" smtClean="0">
+                              <a:rPr lang="en-US" sz="1600" b="0" i="1" smtClean="0">
                                 <a:solidFill>
                                   <a:schemeClr val="tx1"/>
                                 </a:solidFill>
                                 <a:latin typeface="Cambria Math" panose="02040503050406030204" pitchFamily="18" charset="0"/>
                               </a:rPr>
                             </m:ctrlPr>
-                          </m:sSubSupPr>
+                          </m:sSubPr>
                           <m:e>
                             <m:r>
                               <a:rPr lang="en-US" sz="1600" b="1" i="1" smtClean="0">
@@ -9597,7 +8387,7 @@
                                 </a:solidFill>
                                 <a:latin typeface="Cambria Math" panose="02040503050406030204" pitchFamily="18" charset="0"/>
                               </a:rPr>
-                              <m:t>𝒙</m:t>
+                              <m:t>𝒚</m:t>
                             </m:r>
                           </m:e>
                           <m:sub>
@@ -9611,18 +8401,7 @@
                               <m:t>2</m:t>
                             </m:r>
                           </m:sub>
-                          <m:sup>
-                            <m:r>
-                              <a:rPr lang="en-US" sz="1600" b="0" i="1" smtClean="0">
-                                <a:solidFill>
-                                  <a:schemeClr val="tx1"/>
-                                </a:solidFill>
-                                <a:latin typeface="Cambria Math" panose="02040503050406030204" pitchFamily="18" charset="0"/>
-                              </a:rPr>
-                              <m:t>𝐶</m:t>
-                            </m:r>
-                          </m:sup>
-                        </m:sSubSup>
+                        </m:sSub>
                       </m:oMath>
                     </a14:m>
                     <a:r>
@@ -9661,7 +8440,7 @@
                     <a:avLst/>
                   </a:prstGeom>
                   <a:blipFill>
-                    <a:blip r:embed="rId34"/>
+                    <a:blip r:embed="rId28"/>
                     <a:stretch>
                       <a:fillRect/>
                     </a:stretch>
@@ -9739,8 +8518,8 @@
                     <a:pPr algn="ctr"/>
                     <a14:m>
                       <m:oMath xmlns:m="http://schemas.openxmlformats.org/officeDocument/2006/math">
-                        <m:sSubSup>
-                          <m:sSubSupPr>
+                        <m:sSub>
+                          <m:sSubPr>
                             <m:ctrlPr>
                               <a:rPr lang="en-US" sz="1600" b="1" i="1" smtClean="0">
                                 <a:solidFill>
@@ -9749,16 +8528,16 @@
                                 <a:latin typeface="Cambria Math" panose="02040503050406030204" pitchFamily="18" charset="0"/>
                               </a:rPr>
                             </m:ctrlPr>
-                          </m:sSubSupPr>
+                          </m:sSubPr>
                           <m:e>
                             <m:r>
-                              <a:rPr lang="en-US" sz="1600" b="1" i="1" smtClean="0">
+                              <a:rPr lang="en-US" sz="1600" b="1" i="1">
                                 <a:solidFill>
                                   <a:schemeClr val="tx1"/>
                                 </a:solidFill>
                                 <a:latin typeface="Cambria Math" panose="02040503050406030204" pitchFamily="18" charset="0"/>
                               </a:rPr>
-                              <m:t>𝒙</m:t>
+                              <m:t>𝒚</m:t>
                             </m:r>
                           </m:e>
                           <m:sub>
@@ -9769,21 +8548,10 @@
                                 </a:solidFill>
                                 <a:latin typeface="Cambria Math" panose="02040503050406030204" pitchFamily="18" charset="0"/>
                               </a:rPr>
-                              <m:t>𝐴</m:t>
+                              <m:t>𝐶</m:t>
                             </m:r>
                           </m:sub>
-                          <m:sup>
-                            <m:r>
-                              <a:rPr lang="en-US" sz="1600" b="0" i="1" smtClean="0">
-                                <a:solidFill>
-                                  <a:schemeClr val="tx1"/>
-                                </a:solidFill>
-                                <a:latin typeface="Cambria Math" panose="02040503050406030204" pitchFamily="18" charset="0"/>
-                              </a:rPr>
-                              <m:t>𝐶</m:t>
-                            </m:r>
-                          </m:sup>
-                        </m:sSubSup>
+                        </m:sSub>
                       </m:oMath>
                     </a14:m>
                     <a:r>
@@ -9822,9 +8590,9 @@
                     <a:avLst/>
                   </a:prstGeom>
                   <a:blipFill>
-                    <a:blip r:embed="rId35"/>
+                    <a:blip r:embed="rId29"/>
                     <a:stretch>
-                      <a:fillRect/>
+                      <a:fillRect l="-1667"/>
                     </a:stretch>
                   </a:blipFill>
                   <a:ln>
@@ -9947,300 +8715,6 @@
             </mc:Fallback>
           </mc:AlternateContent>
         </p:grpSp>
-        <mc:AlternateContent xmlns:mc="http://schemas.openxmlformats.org/markup-compatibility/2006">
-          <mc:Choice xmlns:a14="http://schemas.microsoft.com/office/drawing/2010/main" Requires="a14">
-            <p:sp>
-              <p:nvSpPr>
-                <p:cNvPr id="126" name="Rectangle 125">
-                  <a:extLst>
-                    <a:ext uri="{FF2B5EF4-FFF2-40B4-BE49-F238E27FC236}">
-                      <a16:creationId xmlns:a16="http://schemas.microsoft.com/office/drawing/2014/main" id="{72552E00-D449-4FBB-8EBB-004FAAB447F2}"/>
-                    </a:ext>
-                  </a:extLst>
-                </p:cNvPr>
-                <p:cNvSpPr/>
-                <p:nvPr/>
-              </p:nvSpPr>
-              <p:spPr>
-                <a:xfrm>
-                  <a:off x="1935638" y="2366330"/>
-                  <a:ext cx="396262" cy="338554"/>
-                </a:xfrm>
-                <a:prstGeom prst="rect">
-                  <a:avLst/>
-                </a:prstGeom>
-              </p:spPr>
-              <p:txBody>
-                <a:bodyPr wrap="none">
-                  <a:spAutoFit/>
-                </a:bodyPr>
-                <a:lstStyle/>
-                <a:p>
-                  <a:pPr/>
-                  <a14:m>
-                    <m:oMathPara xmlns:m="http://schemas.openxmlformats.org/officeDocument/2006/math">
-                      <m:oMathParaPr>
-                        <m:jc m:val="centerGroup"/>
-                      </m:oMathParaPr>
-                      <m:oMath xmlns:m="http://schemas.openxmlformats.org/officeDocument/2006/math">
-                        <m:r>
-                          <a:rPr lang="en-US" sz="1600" i="1" smtClean="0">
-                            <a:solidFill>
-                              <a:schemeClr val="tx1"/>
-                            </a:solidFill>
-                            <a:latin typeface="Cambria Math" panose="02040503050406030204" pitchFamily="18" charset="0"/>
-                          </a:rPr>
-                          <m:t>…</m:t>
-                        </m:r>
-                      </m:oMath>
-                    </m:oMathPara>
-                  </a14:m>
-                  <a:endParaRPr lang="en-US" sz="1600" dirty="0"/>
-                </a:p>
-              </p:txBody>
-            </p:sp>
-          </mc:Choice>
-          <mc:Fallback>
-            <p:sp>
-              <p:nvSpPr>
-                <p:cNvPr id="126" name="Rectangle 125">
-                  <a:extLst>
-                    <a:ext uri="{FF2B5EF4-FFF2-40B4-BE49-F238E27FC236}">
-                      <a16:creationId xmlns:a16="http://schemas.microsoft.com/office/drawing/2014/main" id="{72552E00-D449-4FBB-8EBB-004FAAB447F2}"/>
-                    </a:ext>
-                  </a:extLst>
-                </p:cNvPr>
-                <p:cNvSpPr>
-                  <a:spLocks noRot="1" noChangeAspect="1" noMove="1" noResize="1" noEditPoints="1" noAdjustHandles="1" noChangeArrowheads="1" noChangeShapeType="1" noTextEdit="1"/>
-                </p:cNvSpPr>
-                <p:nvPr/>
-              </p:nvSpPr>
-              <p:spPr>
-                <a:xfrm>
-                  <a:off x="1935638" y="2366330"/>
-                  <a:ext cx="396262" cy="338554"/>
-                </a:xfrm>
-                <a:prstGeom prst="rect">
-                  <a:avLst/>
-                </a:prstGeom>
-                <a:blipFill>
-                  <a:blip r:embed="rId36"/>
-                  <a:stretch>
-                    <a:fillRect/>
-                  </a:stretch>
-                </a:blipFill>
-              </p:spPr>
-              <p:txBody>
-                <a:bodyPr/>
-                <a:lstStyle/>
-                <a:p>
-                  <a:r>
-                    <a:rPr lang="en-BE">
-                      <a:noFill/>
-                    </a:rPr>
-                    <a:t> </a:t>
-                  </a:r>
-                </a:p>
-              </p:txBody>
-            </p:sp>
-          </mc:Fallback>
-        </mc:AlternateContent>
-        <mc:AlternateContent xmlns:mc="http://schemas.openxmlformats.org/markup-compatibility/2006">
-          <mc:Choice xmlns:a14="http://schemas.microsoft.com/office/drawing/2010/main" Requires="a14">
-            <p:sp>
-              <p:nvSpPr>
-                <p:cNvPr id="127" name="Rectangle 126">
-                  <a:extLst>
-                    <a:ext uri="{FF2B5EF4-FFF2-40B4-BE49-F238E27FC236}">
-                      <a16:creationId xmlns:a16="http://schemas.microsoft.com/office/drawing/2014/main" id="{3D5853AF-998A-430A-A3E1-595DEA8B7AF7}"/>
-                    </a:ext>
-                  </a:extLst>
-                </p:cNvPr>
-                <p:cNvSpPr/>
-                <p:nvPr/>
-              </p:nvSpPr>
-              <p:spPr>
-                <a:xfrm>
-                  <a:off x="1935638" y="1488766"/>
-                  <a:ext cx="396262" cy="338554"/>
-                </a:xfrm>
-                <a:prstGeom prst="rect">
-                  <a:avLst/>
-                </a:prstGeom>
-              </p:spPr>
-              <p:txBody>
-                <a:bodyPr wrap="none">
-                  <a:spAutoFit/>
-                </a:bodyPr>
-                <a:lstStyle/>
-                <a:p>
-                  <a:pPr/>
-                  <a14:m>
-                    <m:oMathPara xmlns:m="http://schemas.openxmlformats.org/officeDocument/2006/math">
-                      <m:oMathParaPr>
-                        <m:jc m:val="centerGroup"/>
-                      </m:oMathParaPr>
-                      <m:oMath xmlns:m="http://schemas.openxmlformats.org/officeDocument/2006/math">
-                        <m:r>
-                          <a:rPr lang="en-US" sz="1600" i="1" smtClean="0">
-                            <a:solidFill>
-                              <a:schemeClr val="tx1"/>
-                            </a:solidFill>
-                            <a:latin typeface="Cambria Math" panose="02040503050406030204" pitchFamily="18" charset="0"/>
-                          </a:rPr>
-                          <m:t>…</m:t>
-                        </m:r>
-                      </m:oMath>
-                    </m:oMathPara>
-                  </a14:m>
-                  <a:endParaRPr lang="en-US" sz="1600" dirty="0"/>
-                </a:p>
-              </p:txBody>
-            </p:sp>
-          </mc:Choice>
-          <mc:Fallback>
-            <p:sp>
-              <p:nvSpPr>
-                <p:cNvPr id="127" name="Rectangle 126">
-                  <a:extLst>
-                    <a:ext uri="{FF2B5EF4-FFF2-40B4-BE49-F238E27FC236}">
-                      <a16:creationId xmlns:a16="http://schemas.microsoft.com/office/drawing/2014/main" id="{3D5853AF-998A-430A-A3E1-595DEA8B7AF7}"/>
-                    </a:ext>
-                  </a:extLst>
-                </p:cNvPr>
-                <p:cNvSpPr>
-                  <a:spLocks noRot="1" noChangeAspect="1" noMove="1" noResize="1" noEditPoints="1" noAdjustHandles="1" noChangeArrowheads="1" noChangeShapeType="1" noTextEdit="1"/>
-                </p:cNvSpPr>
-                <p:nvPr/>
-              </p:nvSpPr>
-              <p:spPr>
-                <a:xfrm>
-                  <a:off x="1935638" y="1488766"/>
-                  <a:ext cx="396262" cy="338554"/>
-                </a:xfrm>
-                <a:prstGeom prst="rect">
-                  <a:avLst/>
-                </a:prstGeom>
-                <a:blipFill>
-                  <a:blip r:embed="rId36"/>
-                  <a:stretch>
-                    <a:fillRect/>
-                  </a:stretch>
-                </a:blipFill>
-              </p:spPr>
-              <p:txBody>
-                <a:bodyPr/>
-                <a:lstStyle/>
-                <a:p>
-                  <a:r>
-                    <a:rPr lang="en-BE">
-                      <a:noFill/>
-                    </a:rPr>
-                    <a:t> </a:t>
-                  </a:r>
-                </a:p>
-              </p:txBody>
-            </p:sp>
-          </mc:Fallback>
-        </mc:AlternateContent>
-        <mc:AlternateContent xmlns:mc="http://schemas.openxmlformats.org/markup-compatibility/2006">
-          <mc:Choice xmlns:a14="http://schemas.microsoft.com/office/drawing/2010/main" Requires="a14">
-            <p:sp>
-              <p:nvSpPr>
-                <p:cNvPr id="128" name="Rectangle 127">
-                  <a:extLst>
-                    <a:ext uri="{FF2B5EF4-FFF2-40B4-BE49-F238E27FC236}">
-                      <a16:creationId xmlns:a16="http://schemas.microsoft.com/office/drawing/2014/main" id="{73424517-B291-402A-A3BA-3456676CB042}"/>
-                    </a:ext>
-                  </a:extLst>
-                </p:cNvPr>
-                <p:cNvSpPr/>
-                <p:nvPr/>
-              </p:nvSpPr>
-              <p:spPr>
-                <a:xfrm>
-                  <a:off x="1935638" y="1049984"/>
-                  <a:ext cx="396262" cy="338554"/>
-                </a:xfrm>
-                <a:prstGeom prst="rect">
-                  <a:avLst/>
-                </a:prstGeom>
-              </p:spPr>
-              <p:txBody>
-                <a:bodyPr wrap="none">
-                  <a:spAutoFit/>
-                </a:bodyPr>
-                <a:lstStyle/>
-                <a:p>
-                  <a:pPr/>
-                  <a14:m>
-                    <m:oMathPara xmlns:m="http://schemas.openxmlformats.org/officeDocument/2006/math">
-                      <m:oMathParaPr>
-                        <m:jc m:val="centerGroup"/>
-                      </m:oMathParaPr>
-                      <m:oMath xmlns:m="http://schemas.openxmlformats.org/officeDocument/2006/math">
-                        <m:r>
-                          <a:rPr lang="en-US" sz="1600" i="1" smtClean="0">
-                            <a:solidFill>
-                              <a:schemeClr val="tx1"/>
-                            </a:solidFill>
-                            <a:latin typeface="Cambria Math" panose="02040503050406030204" pitchFamily="18" charset="0"/>
-                          </a:rPr>
-                          <m:t>…</m:t>
-                        </m:r>
-                      </m:oMath>
-                    </m:oMathPara>
-                  </a14:m>
-                  <a:endParaRPr lang="en-US" sz="1600" dirty="0"/>
-                </a:p>
-              </p:txBody>
-            </p:sp>
-          </mc:Choice>
-          <mc:Fallback>
-            <p:sp>
-              <p:nvSpPr>
-                <p:cNvPr id="128" name="Rectangle 127">
-                  <a:extLst>
-                    <a:ext uri="{FF2B5EF4-FFF2-40B4-BE49-F238E27FC236}">
-                      <a16:creationId xmlns:a16="http://schemas.microsoft.com/office/drawing/2014/main" id="{73424517-B291-402A-A3BA-3456676CB042}"/>
-                    </a:ext>
-                  </a:extLst>
-                </p:cNvPr>
-                <p:cNvSpPr>
-                  <a:spLocks noRot="1" noChangeAspect="1" noMove="1" noResize="1" noEditPoints="1" noAdjustHandles="1" noChangeArrowheads="1" noChangeShapeType="1" noTextEdit="1"/>
-                </p:cNvSpPr>
-                <p:nvPr/>
-              </p:nvSpPr>
-              <p:spPr>
-                <a:xfrm>
-                  <a:off x="1935638" y="1049984"/>
-                  <a:ext cx="396262" cy="338554"/>
-                </a:xfrm>
-                <a:prstGeom prst="rect">
-                  <a:avLst/>
-                </a:prstGeom>
-                <a:blipFill>
-                  <a:blip r:embed="rId37"/>
-                  <a:stretch>
-                    <a:fillRect/>
-                  </a:stretch>
-                </a:blipFill>
-              </p:spPr>
-              <p:txBody>
-                <a:bodyPr/>
-                <a:lstStyle/>
-                <a:p>
-                  <a:r>
-                    <a:rPr lang="en-BE">
-                      <a:noFill/>
-                    </a:rPr>
-                    <a:t> </a:t>
-                  </a:r>
-                </a:p>
-              </p:txBody>
-            </p:sp>
-          </mc:Fallback>
-        </mc:AlternateContent>
       </p:grpSp>
       <p:cxnSp>
         <p:nvCxnSpPr>
@@ -10345,13 +8819,14 @@
           </p:cNvPr>
           <p:cNvCxnSpPr>
             <a:cxnSpLocks/>
+            <a:endCxn id="115" idx="3"/>
           </p:cNvCxnSpPr>
           <p:nvPr/>
         </p:nvCxnSpPr>
         <p:spPr>
           <a:xfrm flipH="1" flipV="1">
-            <a:off x="5276433" y="3829246"/>
-            <a:ext cx="400468" cy="1"/>
+            <a:off x="5223924" y="3827661"/>
+            <a:ext cx="452978" cy="1588"/>
           </a:xfrm>
           <a:prstGeom prst="straightConnector1">
             <a:avLst/>
@@ -10396,8 +8871,8 @@
         </p:nvCxnSpPr>
         <p:spPr>
           <a:xfrm flipH="1">
-            <a:off x="3751848" y="3827661"/>
-            <a:ext cx="673269" cy="0"/>
+            <a:off x="3365522" y="3827661"/>
+            <a:ext cx="1007086" cy="0"/>
           </a:xfrm>
           <a:prstGeom prst="straightConnector1">
             <a:avLst/>
@@ -10438,9 +8913,9 @@
         </p:nvGrpSpPr>
         <p:grpSpPr>
           <a:xfrm>
-            <a:off x="3911172" y="3637648"/>
+            <a:off x="3738088" y="3637648"/>
             <a:ext cx="354620" cy="354620"/>
-            <a:chOff x="4918511" y="1566587"/>
+            <a:chOff x="4745427" y="1566587"/>
             <a:chExt cx="354620" cy="354620"/>
           </a:xfrm>
         </p:grpSpPr>
@@ -10458,7 +8933,7 @@
           </p:nvSpPr>
           <p:spPr>
             <a:xfrm>
-              <a:off x="4918511" y="1566587"/>
+              <a:off x="4745427" y="1566587"/>
               <a:ext cx="354620" cy="354620"/>
             </a:xfrm>
             <a:prstGeom prst="ellipse">
@@ -10516,7 +8991,7 @@
           </p:nvCxnSpPr>
           <p:spPr>
             <a:xfrm flipV="1">
-              <a:off x="5011599" y="1660517"/>
+              <a:off x="4838515" y="1660517"/>
               <a:ext cx="168444" cy="166760"/>
             </a:xfrm>
             <a:prstGeom prst="bentConnector3">
@@ -10715,7 +9190,7 @@
         </p:nvSpPr>
         <p:spPr>
           <a:xfrm>
-            <a:off x="3831177" y="3947698"/>
+            <a:off x="3662299" y="3947698"/>
             <a:ext cx="502445" cy="276999"/>
           </a:xfrm>
           <a:prstGeom prst="rect">
@@ -10756,8 +9231,8 @@
         </p:nvCxnSpPr>
         <p:spPr>
           <a:xfrm flipH="1">
-            <a:off x="2678113" y="3827661"/>
-            <a:ext cx="222419" cy="0"/>
+            <a:off x="2110263" y="3827661"/>
+            <a:ext cx="403943" cy="0"/>
           </a:xfrm>
           <a:prstGeom prst="straightConnector1">
             <a:avLst/>
@@ -10784,8 +9259,8 @@
           </a:fontRef>
         </p:style>
       </p:cxnSp>
-      <mc:AlternateContent xmlns:mc="http://schemas.openxmlformats.org/markup-compatibility/2006">
-        <mc:Choice xmlns:a14="http://schemas.microsoft.com/office/drawing/2010/main" Requires="a14">
+      <mc:AlternateContent xmlns:mc="http://schemas.openxmlformats.org/markup-compatibility/2006" xmlns:a14="http://schemas.microsoft.com/office/drawing/2010/main">
+        <mc:Choice Requires="a14">
           <p:sp>
             <p:nvSpPr>
               <p:cNvPr id="184" name="TextBox 183">
@@ -10881,7 +9356,7 @@
             </p:txBody>
           </p:sp>
         </mc:Choice>
-        <mc:Fallback>
+        <mc:Fallback xmlns="">
           <p:sp>
             <p:nvSpPr>
               <p:cNvPr id="184" name="TextBox 183">

--- a/exercises/figures.pptx
+++ b/exercises/figures.pptx
@@ -7957,7 +7957,7 @@
         </p:nvSpPr>
         <p:spPr>
           <a:xfrm>
-            <a:off x="4372608" y="3441700"/>
+            <a:off x="4481645" y="3441700"/>
             <a:ext cx="851316" cy="771921"/>
           </a:xfrm>
           <a:prstGeom prst="roundRect">
@@ -8019,7 +8019,7 @@
         </p:nvSpPr>
         <p:spPr>
           <a:xfrm>
-            <a:off x="2514206" y="3441700"/>
+            <a:off x="2902385" y="3441700"/>
             <a:ext cx="851316" cy="771921"/>
           </a:xfrm>
           <a:prstGeom prst="roundRect">
@@ -8067,655 +8067,6 @@
           </a:p>
         </p:txBody>
       </p:sp>
-      <p:grpSp>
-        <p:nvGrpSpPr>
-          <p:cNvPr id="3" name="Group 2">
-            <a:extLst>
-              <a:ext uri="{FF2B5EF4-FFF2-40B4-BE49-F238E27FC236}">
-                <a16:creationId xmlns:a16="http://schemas.microsoft.com/office/drawing/2014/main" id="{E90B9580-0062-4616-B948-A0AEAC70DC00}"/>
-              </a:ext>
-            </a:extLst>
-          </p:cNvPr>
-          <p:cNvGrpSpPr/>
-          <p:nvPr/>
-        </p:nvGrpSpPr>
-        <p:grpSpPr>
-          <a:xfrm>
-            <a:off x="1659413" y="2953981"/>
-            <a:ext cx="450850" cy="1747360"/>
-            <a:chOff x="2227263" y="2953981"/>
-            <a:chExt cx="450850" cy="1747360"/>
-          </a:xfrm>
-        </p:grpSpPr>
-        <p:sp>
-          <p:nvSpPr>
-            <p:cNvPr id="122" name="Rectangle: Rounded Corners 121">
-              <a:extLst>
-                <a:ext uri="{FF2B5EF4-FFF2-40B4-BE49-F238E27FC236}">
-                  <a16:creationId xmlns:a16="http://schemas.microsoft.com/office/drawing/2014/main" id="{E1B09B44-123C-432C-93B6-4BE72B6C2BF0}"/>
-                </a:ext>
-              </a:extLst>
-            </p:cNvPr>
-            <p:cNvSpPr/>
-            <p:nvPr/>
-          </p:nvSpPr>
-          <p:spPr>
-            <a:xfrm>
-              <a:off x="2227263" y="2953981"/>
-              <a:ext cx="450850" cy="1747360"/>
-            </a:xfrm>
-            <a:prstGeom prst="roundRect">
-              <a:avLst>
-                <a:gd name="adj" fmla="val 10535"/>
-              </a:avLst>
-            </a:prstGeom>
-            <a:solidFill>
-              <a:schemeClr val="bg1">
-                <a:lumMod val="95000"/>
-              </a:schemeClr>
-            </a:solidFill>
-            <a:ln>
-              <a:solidFill>
-                <a:schemeClr val="tx1"/>
-              </a:solidFill>
-              <a:prstDash val="dash"/>
-            </a:ln>
-          </p:spPr>
-          <p:style>
-            <a:lnRef idx="2">
-              <a:schemeClr val="accent1">
-                <a:shade val="50000"/>
-              </a:schemeClr>
-            </a:lnRef>
-            <a:fillRef idx="1">
-              <a:schemeClr val="accent1"/>
-            </a:fillRef>
-            <a:effectRef idx="0">
-              <a:schemeClr val="accent1"/>
-            </a:effectRef>
-            <a:fontRef idx="minor">
-              <a:schemeClr val="lt1"/>
-            </a:fontRef>
-          </p:style>
-          <p:txBody>
-            <a:bodyPr rtlCol="0" anchor="ctr"/>
-            <a:lstStyle/>
-            <a:p>
-              <a:pPr algn="ctr"/>
-              <a:endParaRPr lang="en-US" sz="1050"/>
-            </a:p>
-          </p:txBody>
-        </p:sp>
-        <p:grpSp>
-          <p:nvGrpSpPr>
-            <p:cNvPr id="125" name="Group 124">
-              <a:extLst>
-                <a:ext uri="{FF2B5EF4-FFF2-40B4-BE49-F238E27FC236}">
-                  <a16:creationId xmlns:a16="http://schemas.microsoft.com/office/drawing/2014/main" id="{4E32A1C0-B80D-4458-8BA2-A751092AFC10}"/>
-                </a:ext>
-              </a:extLst>
-            </p:cNvPr>
-            <p:cNvGrpSpPr/>
-            <p:nvPr/>
-          </p:nvGrpSpPr>
-          <p:grpSpPr>
-            <a:xfrm>
-              <a:off x="2271909" y="2995608"/>
-              <a:ext cx="388174" cy="1662517"/>
-              <a:chOff x="6342434" y="2660514"/>
-              <a:chExt cx="660181" cy="2827506"/>
-            </a:xfrm>
-          </p:grpSpPr>
-          <mc:AlternateContent xmlns:mc="http://schemas.openxmlformats.org/markup-compatibility/2006">
-            <mc:Choice xmlns:a14="http://schemas.microsoft.com/office/drawing/2010/main" Requires="a14">
-              <p:sp>
-                <p:nvSpPr>
-                  <p:cNvPr id="129" name="Oval 128">
-                    <a:extLst>
-                      <a:ext uri="{FF2B5EF4-FFF2-40B4-BE49-F238E27FC236}">
-                        <a16:creationId xmlns:a16="http://schemas.microsoft.com/office/drawing/2014/main" id="{8655A03A-A4C0-4D3A-B955-D654A878CC8A}"/>
-                      </a:ext>
-                    </a:extLst>
-                  </p:cNvPr>
-                  <p:cNvSpPr/>
-                  <p:nvPr/>
-                </p:nvSpPr>
-                <p:spPr>
-                  <a:xfrm>
-                    <a:off x="6342434" y="2660514"/>
-                    <a:ext cx="603115" cy="603115"/>
-                  </a:xfrm>
-                  <a:prstGeom prst="ellipse">
-                    <a:avLst/>
-                  </a:prstGeom>
-                  <a:noFill/>
-                  <a:ln>
-                    <a:solidFill>
-                      <a:schemeClr val="tx1"/>
-                    </a:solidFill>
-                  </a:ln>
-                </p:spPr>
-                <p:style>
-                  <a:lnRef idx="2">
-                    <a:schemeClr val="accent1">
-                      <a:shade val="50000"/>
-                    </a:schemeClr>
-                  </a:lnRef>
-                  <a:fillRef idx="1">
-                    <a:schemeClr val="accent1"/>
-                  </a:fillRef>
-                  <a:effectRef idx="0">
-                    <a:schemeClr val="accent1"/>
-                  </a:effectRef>
-                  <a:fontRef idx="minor">
-                    <a:schemeClr val="lt1"/>
-                  </a:fontRef>
-                </p:style>
-                <p:txBody>
-                  <a:bodyPr rtlCol="0" anchor="ctr"/>
-                  <a:lstStyle/>
-                  <a:p>
-                    <a:pPr algn="ctr"/>
-                    <a14:m>
-                      <m:oMath xmlns:m="http://schemas.openxmlformats.org/officeDocument/2006/math">
-                        <m:sSub>
-                          <m:sSubPr>
-                            <m:ctrlPr>
-                              <a:rPr lang="en-US" sz="1600" b="1" i="1" smtClean="0">
-                                <a:solidFill>
-                                  <a:schemeClr val="tx1"/>
-                                </a:solidFill>
-                                <a:latin typeface="Cambria Math" panose="02040503050406030204" pitchFamily="18" charset="0"/>
-                              </a:rPr>
-                            </m:ctrlPr>
-                          </m:sSubPr>
-                          <m:e>
-                            <m:r>
-                              <a:rPr lang="en-US" sz="1600" b="1" i="1" smtClean="0">
-                                <a:solidFill>
-                                  <a:schemeClr val="tx1"/>
-                                </a:solidFill>
-                                <a:latin typeface="Cambria Math" panose="02040503050406030204" pitchFamily="18" charset="0"/>
-                              </a:rPr>
-                              <m:t>𝒚</m:t>
-                            </m:r>
-                          </m:e>
-                          <m:sub>
-                            <m:r>
-                              <a:rPr lang="en-US" sz="1600" b="0" i="1" smtClean="0">
-                                <a:solidFill>
-                                  <a:schemeClr val="tx1"/>
-                                </a:solidFill>
-                                <a:latin typeface="Cambria Math" panose="02040503050406030204" pitchFamily="18" charset="0"/>
-                              </a:rPr>
-                              <m:t>1</m:t>
-                            </m:r>
-                          </m:sub>
-                        </m:sSub>
-                      </m:oMath>
-                    </a14:m>
-                    <a:r>
-                      <a:rPr lang="en-US" sz="1600" dirty="0">
-                        <a:solidFill>
-                          <a:schemeClr val="tx1"/>
-                        </a:solidFill>
-                      </a:rPr>
-                      <a:t> </a:t>
-                    </a:r>
-                  </a:p>
-                </p:txBody>
-              </p:sp>
-            </mc:Choice>
-            <mc:Fallback>
-              <p:sp>
-                <p:nvSpPr>
-                  <p:cNvPr id="129" name="Oval 128">
-                    <a:extLst>
-                      <a:ext uri="{FF2B5EF4-FFF2-40B4-BE49-F238E27FC236}">
-                        <a16:creationId xmlns:a16="http://schemas.microsoft.com/office/drawing/2014/main" id="{8655A03A-A4C0-4D3A-B955-D654A878CC8A}"/>
-                      </a:ext>
-                    </a:extLst>
-                  </p:cNvPr>
-                  <p:cNvSpPr>
-                    <a:spLocks noRot="1" noChangeAspect="1" noMove="1" noResize="1" noEditPoints="1" noAdjustHandles="1" noChangeArrowheads="1" noChangeShapeType="1" noTextEdit="1"/>
-                  </p:cNvSpPr>
-                  <p:nvPr/>
-                </p:nvSpPr>
-                <p:spPr>
-                  <a:xfrm>
-                    <a:off x="6342434" y="2660514"/>
-                    <a:ext cx="603115" cy="603115"/>
-                  </a:xfrm>
-                  <a:prstGeom prst="ellipse">
-                    <a:avLst/>
-                  </a:prstGeom>
-                  <a:blipFill>
-                    <a:blip r:embed="rId27"/>
-                    <a:stretch>
-                      <a:fillRect/>
-                    </a:stretch>
-                  </a:blipFill>
-                  <a:ln>
-                    <a:solidFill>
-                      <a:schemeClr val="tx1"/>
-                    </a:solidFill>
-                  </a:ln>
-                </p:spPr>
-                <p:txBody>
-                  <a:bodyPr/>
-                  <a:lstStyle/>
-                  <a:p>
-                    <a:r>
-                      <a:rPr lang="en-BE">
-                        <a:noFill/>
-                      </a:rPr>
-                      <a:t> </a:t>
-                    </a:r>
-                  </a:p>
-                </p:txBody>
-              </p:sp>
-            </mc:Fallback>
-          </mc:AlternateContent>
-          <mc:AlternateContent xmlns:mc="http://schemas.openxmlformats.org/markup-compatibility/2006">
-            <mc:Choice xmlns:a14="http://schemas.microsoft.com/office/drawing/2010/main" Requires="a14">
-              <p:sp>
-                <p:nvSpPr>
-                  <p:cNvPr id="130" name="Oval 129">
-                    <a:extLst>
-                      <a:ext uri="{FF2B5EF4-FFF2-40B4-BE49-F238E27FC236}">
-                        <a16:creationId xmlns:a16="http://schemas.microsoft.com/office/drawing/2014/main" id="{8CF81113-8BFB-4255-AF00-E734A84E378D}"/>
-                      </a:ext>
-                    </a:extLst>
-                  </p:cNvPr>
-                  <p:cNvSpPr/>
-                  <p:nvPr/>
-                </p:nvSpPr>
-                <p:spPr>
-                  <a:xfrm>
-                    <a:off x="6342434" y="3371007"/>
-                    <a:ext cx="603115" cy="603115"/>
-                  </a:xfrm>
-                  <a:prstGeom prst="ellipse">
-                    <a:avLst/>
-                  </a:prstGeom>
-                  <a:noFill/>
-                  <a:ln>
-                    <a:solidFill>
-                      <a:schemeClr val="tx1"/>
-                    </a:solidFill>
-                  </a:ln>
-                </p:spPr>
-                <p:style>
-                  <a:lnRef idx="2">
-                    <a:schemeClr val="accent1">
-                      <a:shade val="50000"/>
-                    </a:schemeClr>
-                  </a:lnRef>
-                  <a:fillRef idx="1">
-                    <a:schemeClr val="accent1"/>
-                  </a:fillRef>
-                  <a:effectRef idx="0">
-                    <a:schemeClr val="accent1"/>
-                  </a:effectRef>
-                  <a:fontRef idx="minor">
-                    <a:schemeClr val="lt1"/>
-                  </a:fontRef>
-                </p:style>
-                <p:txBody>
-                  <a:bodyPr rtlCol="0" anchor="ctr"/>
-                  <a:lstStyle/>
-                  <a:p>
-                    <a:pPr algn="ctr"/>
-                    <a14:m>
-                      <m:oMath xmlns:m="http://schemas.openxmlformats.org/officeDocument/2006/math">
-                        <m:sSub>
-                          <m:sSubPr>
-                            <m:ctrlPr>
-                              <a:rPr lang="en-US" sz="1600" b="0" i="1" smtClean="0">
-                                <a:solidFill>
-                                  <a:schemeClr val="tx1"/>
-                                </a:solidFill>
-                                <a:latin typeface="Cambria Math" panose="02040503050406030204" pitchFamily="18" charset="0"/>
-                              </a:rPr>
-                            </m:ctrlPr>
-                          </m:sSubPr>
-                          <m:e>
-                            <m:r>
-                              <a:rPr lang="en-US" sz="1600" b="1" i="1" smtClean="0">
-                                <a:solidFill>
-                                  <a:schemeClr val="tx1"/>
-                                </a:solidFill>
-                                <a:latin typeface="Cambria Math" panose="02040503050406030204" pitchFamily="18" charset="0"/>
-                              </a:rPr>
-                              <m:t>𝒚</m:t>
-                            </m:r>
-                          </m:e>
-                          <m:sub>
-                            <m:r>
-                              <a:rPr lang="en-US" sz="1600" b="0" i="1" smtClean="0">
-                                <a:solidFill>
-                                  <a:schemeClr val="tx1"/>
-                                </a:solidFill>
-                                <a:latin typeface="Cambria Math" panose="02040503050406030204" pitchFamily="18" charset="0"/>
-                              </a:rPr>
-                              <m:t>2</m:t>
-                            </m:r>
-                          </m:sub>
-                        </m:sSub>
-                      </m:oMath>
-                    </a14:m>
-                    <a:r>
-                      <a:rPr lang="en-US" sz="1600" dirty="0">
-                        <a:solidFill>
-                          <a:schemeClr val="tx1"/>
-                        </a:solidFill>
-                      </a:rPr>
-                      <a:t> </a:t>
-                    </a:r>
-                  </a:p>
-                </p:txBody>
-              </p:sp>
-            </mc:Choice>
-            <mc:Fallback>
-              <p:sp>
-                <p:nvSpPr>
-                  <p:cNvPr id="130" name="Oval 129">
-                    <a:extLst>
-                      <a:ext uri="{FF2B5EF4-FFF2-40B4-BE49-F238E27FC236}">
-                        <a16:creationId xmlns:a16="http://schemas.microsoft.com/office/drawing/2014/main" id="{8CF81113-8BFB-4255-AF00-E734A84E378D}"/>
-                      </a:ext>
-                    </a:extLst>
-                  </p:cNvPr>
-                  <p:cNvSpPr>
-                    <a:spLocks noRot="1" noChangeAspect="1" noMove="1" noResize="1" noEditPoints="1" noAdjustHandles="1" noChangeArrowheads="1" noChangeShapeType="1" noTextEdit="1"/>
-                  </p:cNvSpPr>
-                  <p:nvPr/>
-                </p:nvSpPr>
-                <p:spPr>
-                  <a:xfrm>
-                    <a:off x="6342434" y="3371007"/>
-                    <a:ext cx="603115" cy="603115"/>
-                  </a:xfrm>
-                  <a:prstGeom prst="ellipse">
-                    <a:avLst/>
-                  </a:prstGeom>
-                  <a:blipFill>
-                    <a:blip r:embed="rId28"/>
-                    <a:stretch>
-                      <a:fillRect/>
-                    </a:stretch>
-                  </a:blipFill>
-                  <a:ln>
-                    <a:solidFill>
-                      <a:schemeClr val="tx1"/>
-                    </a:solidFill>
-                  </a:ln>
-                </p:spPr>
-                <p:txBody>
-                  <a:bodyPr/>
-                  <a:lstStyle/>
-                  <a:p>
-                    <a:r>
-                      <a:rPr lang="en-BE">
-                        <a:noFill/>
-                      </a:rPr>
-                      <a:t> </a:t>
-                    </a:r>
-                  </a:p>
-                </p:txBody>
-              </p:sp>
-            </mc:Fallback>
-          </mc:AlternateContent>
-          <mc:AlternateContent xmlns:mc="http://schemas.openxmlformats.org/markup-compatibility/2006">
-            <mc:Choice xmlns:a14="http://schemas.microsoft.com/office/drawing/2010/main" Requires="a14">
-              <p:sp>
-                <p:nvSpPr>
-                  <p:cNvPr id="131" name="Oval 130">
-                    <a:extLst>
-                      <a:ext uri="{FF2B5EF4-FFF2-40B4-BE49-F238E27FC236}">
-                        <a16:creationId xmlns:a16="http://schemas.microsoft.com/office/drawing/2014/main" id="{1E16BE6D-23AD-4254-96C2-36C95692FE9D}"/>
-                      </a:ext>
-                    </a:extLst>
-                  </p:cNvPr>
-                  <p:cNvSpPr/>
-                  <p:nvPr/>
-                </p:nvSpPr>
-                <p:spPr>
-                  <a:xfrm>
-                    <a:off x="6342434" y="4884905"/>
-                    <a:ext cx="603115" cy="603115"/>
-                  </a:xfrm>
-                  <a:prstGeom prst="ellipse">
-                    <a:avLst/>
-                  </a:prstGeom>
-                  <a:noFill/>
-                  <a:ln>
-                    <a:solidFill>
-                      <a:schemeClr val="tx1"/>
-                    </a:solidFill>
-                  </a:ln>
-                </p:spPr>
-                <p:style>
-                  <a:lnRef idx="2">
-                    <a:schemeClr val="accent1">
-                      <a:shade val="50000"/>
-                    </a:schemeClr>
-                  </a:lnRef>
-                  <a:fillRef idx="1">
-                    <a:schemeClr val="accent1"/>
-                  </a:fillRef>
-                  <a:effectRef idx="0">
-                    <a:schemeClr val="accent1"/>
-                  </a:effectRef>
-                  <a:fontRef idx="minor">
-                    <a:schemeClr val="lt1"/>
-                  </a:fontRef>
-                </p:style>
-                <p:txBody>
-                  <a:bodyPr rtlCol="0" anchor="ctr"/>
-                  <a:lstStyle/>
-                  <a:p>
-                    <a:pPr algn="ctr"/>
-                    <a14:m>
-                      <m:oMath xmlns:m="http://schemas.openxmlformats.org/officeDocument/2006/math">
-                        <m:sSub>
-                          <m:sSubPr>
-                            <m:ctrlPr>
-                              <a:rPr lang="en-US" sz="1600" b="1" i="1" smtClean="0">
-                                <a:solidFill>
-                                  <a:schemeClr val="tx1"/>
-                                </a:solidFill>
-                                <a:latin typeface="Cambria Math" panose="02040503050406030204" pitchFamily="18" charset="0"/>
-                              </a:rPr>
-                            </m:ctrlPr>
-                          </m:sSubPr>
-                          <m:e>
-                            <m:r>
-                              <a:rPr lang="en-US" sz="1600" b="1" i="1">
-                                <a:solidFill>
-                                  <a:schemeClr val="tx1"/>
-                                </a:solidFill>
-                                <a:latin typeface="Cambria Math" panose="02040503050406030204" pitchFamily="18" charset="0"/>
-                              </a:rPr>
-                              <m:t>𝒚</m:t>
-                            </m:r>
-                          </m:e>
-                          <m:sub>
-                            <m:r>
-                              <a:rPr lang="en-US" sz="1600" b="0" i="1" smtClean="0">
-                                <a:solidFill>
-                                  <a:schemeClr val="tx1"/>
-                                </a:solidFill>
-                                <a:latin typeface="Cambria Math" panose="02040503050406030204" pitchFamily="18" charset="0"/>
-                              </a:rPr>
-                              <m:t>𝐶</m:t>
-                            </m:r>
-                          </m:sub>
-                        </m:sSub>
-                      </m:oMath>
-                    </a14:m>
-                    <a:r>
-                      <a:rPr lang="en-US" sz="1600" dirty="0">
-                        <a:solidFill>
-                          <a:schemeClr val="tx1"/>
-                        </a:solidFill>
-                      </a:rPr>
-                      <a:t> </a:t>
-                    </a:r>
-                  </a:p>
-                </p:txBody>
-              </p:sp>
-            </mc:Choice>
-            <mc:Fallback>
-              <p:sp>
-                <p:nvSpPr>
-                  <p:cNvPr id="131" name="Oval 130">
-                    <a:extLst>
-                      <a:ext uri="{FF2B5EF4-FFF2-40B4-BE49-F238E27FC236}">
-                        <a16:creationId xmlns:a16="http://schemas.microsoft.com/office/drawing/2014/main" id="{1E16BE6D-23AD-4254-96C2-36C95692FE9D}"/>
-                      </a:ext>
-                    </a:extLst>
-                  </p:cNvPr>
-                  <p:cNvSpPr>
-                    <a:spLocks noRot="1" noChangeAspect="1" noMove="1" noResize="1" noEditPoints="1" noAdjustHandles="1" noChangeArrowheads="1" noChangeShapeType="1" noTextEdit="1"/>
-                  </p:cNvSpPr>
-                  <p:nvPr/>
-                </p:nvSpPr>
-                <p:spPr>
-                  <a:xfrm>
-                    <a:off x="6342434" y="4884905"/>
-                    <a:ext cx="603115" cy="603115"/>
-                  </a:xfrm>
-                  <a:prstGeom prst="ellipse">
-                    <a:avLst/>
-                  </a:prstGeom>
-                  <a:blipFill>
-                    <a:blip r:embed="rId29"/>
-                    <a:stretch>
-                      <a:fillRect l="-1667"/>
-                    </a:stretch>
-                  </a:blipFill>
-                  <a:ln>
-                    <a:solidFill>
-                      <a:schemeClr val="tx1"/>
-                    </a:solidFill>
-                  </a:ln>
-                </p:spPr>
-                <p:txBody>
-                  <a:bodyPr/>
-                  <a:lstStyle/>
-                  <a:p>
-                    <a:r>
-                      <a:rPr lang="en-BE">
-                        <a:noFill/>
-                      </a:rPr>
-                      <a:t> </a:t>
-                    </a:r>
-                  </a:p>
-                </p:txBody>
-              </p:sp>
-            </mc:Fallback>
-          </mc:AlternateContent>
-          <mc:AlternateContent xmlns:mc="http://schemas.openxmlformats.org/markup-compatibility/2006" xmlns:a14="http://schemas.microsoft.com/office/drawing/2010/main">
-            <mc:Choice Requires="a14">
-              <p:sp>
-                <p:nvSpPr>
-                  <p:cNvPr id="132" name="Rectangle 131">
-                    <a:extLst>
-                      <a:ext uri="{FF2B5EF4-FFF2-40B4-BE49-F238E27FC236}">
-                        <a16:creationId xmlns:a16="http://schemas.microsoft.com/office/drawing/2014/main" id="{E121A49E-45D7-4EC1-A154-B4074F950D0E}"/>
-                      </a:ext>
-                    </a:extLst>
-                  </p:cNvPr>
-                  <p:cNvSpPr/>
-                  <p:nvPr/>
-                </p:nvSpPr>
-                <p:spPr>
-                  <a:xfrm rot="5400000">
-                    <a:off x="6377751" y="4126105"/>
-                    <a:ext cx="673938" cy="575791"/>
-                  </a:xfrm>
-                  <a:prstGeom prst="rect">
-                    <a:avLst/>
-                  </a:prstGeom>
-                </p:spPr>
-                <p:txBody>
-                  <a:bodyPr wrap="none">
-                    <a:spAutoFit/>
-                  </a:bodyPr>
-                  <a:lstStyle/>
-                  <a:p>
-                    <a:pPr/>
-                    <a14:m>
-                      <m:oMathPara xmlns:m="http://schemas.openxmlformats.org/officeDocument/2006/math">
-                        <m:oMathParaPr>
-                          <m:jc m:val="centerGroup"/>
-                        </m:oMathParaPr>
-                        <m:oMath xmlns:m="http://schemas.openxmlformats.org/officeDocument/2006/math">
-                          <m:r>
-                            <a:rPr lang="en-US" sz="1600" i="1" smtClean="0">
-                              <a:solidFill>
-                                <a:schemeClr val="tx1"/>
-                              </a:solidFill>
-                              <a:latin typeface="Cambria Math" panose="02040503050406030204" pitchFamily="18" charset="0"/>
-                            </a:rPr>
-                            <m:t>…</m:t>
-                          </m:r>
-                        </m:oMath>
-                      </m:oMathPara>
-                    </a14:m>
-                    <a:endParaRPr lang="en-US" sz="1600" dirty="0"/>
-                  </a:p>
-                </p:txBody>
-              </p:sp>
-            </mc:Choice>
-            <mc:Fallback xmlns="">
-              <p:sp>
-                <p:nvSpPr>
-                  <p:cNvPr id="51" name="Rectangle 50">
-                    <a:extLst>
-                      <a:ext uri="{FF2B5EF4-FFF2-40B4-BE49-F238E27FC236}">
-                        <a16:creationId xmlns:a16="http://schemas.microsoft.com/office/drawing/2014/main" id="{073E4DE5-8605-4232-BD9D-361596897D2F}"/>
-                      </a:ext>
-                    </a:extLst>
-                  </p:cNvPr>
-                  <p:cNvSpPr>
-                    <a:spLocks noRot="1" noChangeAspect="1" noMove="1" noResize="1" noEditPoints="1" noAdjustHandles="1" noChangeArrowheads="1" noChangeShapeType="1" noTextEdit="1"/>
-                  </p:cNvSpPr>
-                  <p:nvPr/>
-                </p:nvSpPr>
-                <p:spPr>
-                  <a:xfrm rot="5400000">
-                    <a:off x="6377751" y="4126105"/>
-                    <a:ext cx="673938" cy="575791"/>
-                  </a:xfrm>
-                  <a:prstGeom prst="rect">
-                    <a:avLst/>
-                  </a:prstGeom>
-                  <a:blipFill>
-                    <a:blip r:embed="rId9"/>
-                    <a:stretch>
-                      <a:fillRect/>
-                    </a:stretch>
-                  </a:blipFill>
-                </p:spPr>
-                <p:txBody>
-                  <a:bodyPr/>
-                  <a:lstStyle/>
-                  <a:p>
-                    <a:r>
-                      <a:rPr lang="en-US">
-                        <a:noFill/>
-                      </a:rPr>
-                      <a:t> </a:t>
-                    </a:r>
-                  </a:p>
-                </p:txBody>
-              </p:sp>
-            </mc:Fallback>
-          </mc:AlternateContent>
-        </p:grpSp>
-      </p:grpSp>
       <p:cxnSp>
         <p:nvCxnSpPr>
           <p:cNvPr id="152" name="Straight Arrow Connector 151">
@@ -8825,8 +8176,8 @@
         </p:nvCxnSpPr>
         <p:spPr>
           <a:xfrm flipH="1" flipV="1">
-            <a:off x="5223924" y="3827661"/>
-            <a:ext cx="452978" cy="1588"/>
+            <a:off x="5332961" y="3827661"/>
+            <a:ext cx="316901" cy="794"/>
           </a:xfrm>
           <a:prstGeom prst="straightConnector1">
             <a:avLst/>
@@ -8871,8 +8222,8 @@
         </p:nvCxnSpPr>
         <p:spPr>
           <a:xfrm flipH="1">
-            <a:off x="3365522" y="3827661"/>
-            <a:ext cx="1007086" cy="0"/>
+            <a:off x="3753701" y="3827661"/>
+            <a:ext cx="727944" cy="0"/>
           </a:xfrm>
           <a:prstGeom prst="straightConnector1">
             <a:avLst/>
@@ -8913,7 +8264,7 @@
         </p:nvGrpSpPr>
         <p:grpSpPr>
           <a:xfrm>
-            <a:off x="3738088" y="3637648"/>
+            <a:off x="3949715" y="3637648"/>
             <a:ext cx="354620" cy="354620"/>
             <a:chOff x="4745427" y="1566587"/>
             <a:chExt cx="354620" cy="354620"/>
@@ -9190,7 +8541,7 @@
         </p:nvSpPr>
         <p:spPr>
           <a:xfrm>
-            <a:off x="3662299" y="3947698"/>
+            <a:off x="3886482" y="3947698"/>
             <a:ext cx="502445" cy="276999"/>
           </a:xfrm>
           <a:prstGeom prst="rect">
@@ -9225,14 +8576,13 @@
           <p:cNvCxnSpPr>
             <a:cxnSpLocks/>
             <a:stCxn id="116" idx="1"/>
-            <a:endCxn id="122" idx="3"/>
           </p:cNvCxnSpPr>
           <p:nvPr/>
         </p:nvCxnSpPr>
         <p:spPr>
           <a:xfrm flipH="1">
-            <a:off x="2110263" y="3827661"/>
-            <a:ext cx="403943" cy="0"/>
+            <a:off x="2647960" y="3827661"/>
+            <a:ext cx="254425" cy="0"/>
           </a:xfrm>
           <a:prstGeom prst="straightConnector1">
             <a:avLst/>
@@ -9401,6 +8751,2186 @@
           </p:sp>
         </mc:Fallback>
       </mc:AlternateContent>
+      <p:grpSp>
+        <p:nvGrpSpPr>
+          <p:cNvPr id="76" name="Group 75">
+            <a:extLst>
+              <a:ext uri="{FF2B5EF4-FFF2-40B4-BE49-F238E27FC236}">
+                <a16:creationId xmlns:a16="http://schemas.microsoft.com/office/drawing/2014/main" id="{27C6C984-F309-4184-BF64-84E00EE0779A}"/>
+              </a:ext>
+            </a:extLst>
+          </p:cNvPr>
+          <p:cNvGrpSpPr/>
+          <p:nvPr/>
+        </p:nvGrpSpPr>
+        <p:grpSpPr>
+          <a:xfrm>
+            <a:off x="1024476" y="2953980"/>
+            <a:ext cx="1653637" cy="1747360"/>
+            <a:chOff x="1075276" y="1035317"/>
+            <a:chExt cx="1653637" cy="1747360"/>
+          </a:xfrm>
+        </p:grpSpPr>
+        <p:sp>
+          <p:nvSpPr>
+            <p:cNvPr id="77" name="Rectangle: Rounded Corners 76">
+              <a:extLst>
+                <a:ext uri="{FF2B5EF4-FFF2-40B4-BE49-F238E27FC236}">
+                  <a16:creationId xmlns:a16="http://schemas.microsoft.com/office/drawing/2014/main" id="{794CA011-9950-492C-8455-B861EF6AA555}"/>
+                </a:ext>
+              </a:extLst>
+            </p:cNvPr>
+            <p:cNvSpPr/>
+            <p:nvPr/>
+          </p:nvSpPr>
+          <p:spPr>
+            <a:xfrm>
+              <a:off x="1075276" y="1035317"/>
+              <a:ext cx="1653637" cy="1747360"/>
+            </a:xfrm>
+            <a:prstGeom prst="roundRect">
+              <a:avLst>
+                <a:gd name="adj" fmla="val 10535"/>
+              </a:avLst>
+            </a:prstGeom>
+            <a:solidFill>
+              <a:schemeClr val="bg1">
+                <a:lumMod val="95000"/>
+              </a:schemeClr>
+            </a:solidFill>
+            <a:ln>
+              <a:solidFill>
+                <a:schemeClr val="tx1"/>
+              </a:solidFill>
+              <a:prstDash val="dash"/>
+            </a:ln>
+          </p:spPr>
+          <p:style>
+            <a:lnRef idx="2">
+              <a:schemeClr val="accent1">
+                <a:shade val="50000"/>
+              </a:schemeClr>
+            </a:lnRef>
+            <a:fillRef idx="1">
+              <a:schemeClr val="accent1"/>
+            </a:fillRef>
+            <a:effectRef idx="0">
+              <a:schemeClr val="accent1"/>
+            </a:effectRef>
+            <a:fontRef idx="minor">
+              <a:schemeClr val="lt1"/>
+            </a:fontRef>
+          </p:style>
+          <p:txBody>
+            <a:bodyPr rtlCol="0" anchor="ctr"/>
+            <a:lstStyle/>
+            <a:p>
+              <a:pPr algn="ctr"/>
+              <a:endParaRPr lang="en-US" sz="1050"/>
+            </a:p>
+          </p:txBody>
+        </p:sp>
+        <p:grpSp>
+          <p:nvGrpSpPr>
+            <p:cNvPr id="78" name="Group 77">
+              <a:extLst>
+                <a:ext uri="{FF2B5EF4-FFF2-40B4-BE49-F238E27FC236}">
+                  <a16:creationId xmlns:a16="http://schemas.microsoft.com/office/drawing/2014/main" id="{EE6BD358-32B2-4680-BE21-74308F10A9D6}"/>
+                </a:ext>
+              </a:extLst>
+            </p:cNvPr>
+            <p:cNvGrpSpPr/>
+            <p:nvPr/>
+          </p:nvGrpSpPr>
+          <p:grpSpPr>
+            <a:xfrm>
+              <a:off x="1132473" y="1076944"/>
+              <a:ext cx="388174" cy="1662517"/>
+              <a:chOff x="6342434" y="2660514"/>
+              <a:chExt cx="660181" cy="2827506"/>
+            </a:xfrm>
+          </p:grpSpPr>
+          <mc:AlternateContent xmlns:mc="http://schemas.openxmlformats.org/markup-compatibility/2006">
+            <mc:Choice xmlns:a14="http://schemas.microsoft.com/office/drawing/2010/main" Requires="a14">
+              <p:sp>
+                <p:nvSpPr>
+                  <p:cNvPr id="114" name="Oval 113">
+                    <a:extLst>
+                      <a:ext uri="{FF2B5EF4-FFF2-40B4-BE49-F238E27FC236}">
+                        <a16:creationId xmlns:a16="http://schemas.microsoft.com/office/drawing/2014/main" id="{EC570741-573E-49AF-8D48-985EBD87B670}"/>
+                      </a:ext>
+                    </a:extLst>
+                  </p:cNvPr>
+                  <p:cNvSpPr/>
+                  <p:nvPr/>
+                </p:nvSpPr>
+                <p:spPr>
+                  <a:xfrm>
+                    <a:off x="6342434" y="2660514"/>
+                    <a:ext cx="603115" cy="603115"/>
+                  </a:xfrm>
+                  <a:prstGeom prst="ellipse">
+                    <a:avLst/>
+                  </a:prstGeom>
+                  <a:noFill/>
+                  <a:ln>
+                    <a:solidFill>
+                      <a:schemeClr val="tx1"/>
+                    </a:solidFill>
+                  </a:ln>
+                </p:spPr>
+                <p:style>
+                  <a:lnRef idx="2">
+                    <a:schemeClr val="accent1">
+                      <a:shade val="50000"/>
+                    </a:schemeClr>
+                  </a:lnRef>
+                  <a:fillRef idx="1">
+                    <a:schemeClr val="accent1"/>
+                  </a:fillRef>
+                  <a:effectRef idx="0">
+                    <a:schemeClr val="accent1"/>
+                  </a:effectRef>
+                  <a:fontRef idx="minor">
+                    <a:schemeClr val="lt1"/>
+                  </a:fontRef>
+                </p:style>
+                <p:txBody>
+                  <a:bodyPr rtlCol="0" anchor="ctr"/>
+                  <a:lstStyle/>
+                  <a:p>
+                    <a:pPr algn="ctr"/>
+                    <a14:m>
+                      <m:oMath xmlns:m="http://schemas.openxmlformats.org/officeDocument/2006/math">
+                        <m:sSubSup>
+                          <m:sSubSupPr>
+                            <m:ctrlPr>
+                              <a:rPr lang="en-US" sz="1600" b="1" i="1" smtClean="0">
+                                <a:solidFill>
+                                  <a:schemeClr val="tx1"/>
+                                </a:solidFill>
+                                <a:latin typeface="Cambria Math" panose="02040503050406030204" pitchFamily="18" charset="0"/>
+                              </a:rPr>
+                            </m:ctrlPr>
+                          </m:sSubSupPr>
+                          <m:e>
+                            <m:r>
+                              <a:rPr lang="en-US" sz="1600" b="1" i="1" smtClean="0">
+                                <a:solidFill>
+                                  <a:schemeClr val="tx1"/>
+                                </a:solidFill>
+                                <a:latin typeface="Cambria Math" panose="02040503050406030204" pitchFamily="18" charset="0"/>
+                              </a:rPr>
+                              <m:t>𝒚</m:t>
+                            </m:r>
+                          </m:e>
+                          <m:sub>
+                            <m:r>
+                              <a:rPr lang="en-US" sz="1600" b="0" i="1" smtClean="0">
+                                <a:solidFill>
+                                  <a:schemeClr val="tx1"/>
+                                </a:solidFill>
+                                <a:latin typeface="Cambria Math" panose="02040503050406030204" pitchFamily="18" charset="0"/>
+                              </a:rPr>
+                              <m:t>1</m:t>
+                            </m:r>
+                          </m:sub>
+                          <m:sup>
+                            <m:r>
+                              <a:rPr lang="en-US" sz="1600" b="0" i="1" smtClean="0">
+                                <a:solidFill>
+                                  <a:schemeClr val="tx1"/>
+                                </a:solidFill>
+                                <a:latin typeface="Cambria Math" panose="02040503050406030204" pitchFamily="18" charset="0"/>
+                              </a:rPr>
+                              <m:t>1</m:t>
+                            </m:r>
+                          </m:sup>
+                        </m:sSubSup>
+                      </m:oMath>
+                    </a14:m>
+                    <a:r>
+                      <a:rPr lang="en-US" sz="1600" dirty="0">
+                        <a:solidFill>
+                          <a:schemeClr val="tx1"/>
+                        </a:solidFill>
+                      </a:rPr>
+                      <a:t> </a:t>
+                    </a:r>
+                  </a:p>
+                </p:txBody>
+              </p:sp>
+            </mc:Choice>
+            <mc:Fallback>
+              <p:sp>
+                <p:nvSpPr>
+                  <p:cNvPr id="114" name="Oval 113">
+                    <a:extLst>
+                      <a:ext uri="{FF2B5EF4-FFF2-40B4-BE49-F238E27FC236}">
+                        <a16:creationId xmlns:a16="http://schemas.microsoft.com/office/drawing/2014/main" id="{EC570741-573E-49AF-8D48-985EBD87B670}"/>
+                      </a:ext>
+                    </a:extLst>
+                  </p:cNvPr>
+                  <p:cNvSpPr>
+                    <a:spLocks noRot="1" noChangeAspect="1" noMove="1" noResize="1" noEditPoints="1" noAdjustHandles="1" noChangeArrowheads="1" noChangeShapeType="1" noTextEdit="1"/>
+                  </p:cNvSpPr>
+                  <p:nvPr/>
+                </p:nvSpPr>
+                <p:spPr>
+                  <a:xfrm>
+                    <a:off x="6342434" y="2660514"/>
+                    <a:ext cx="603115" cy="603115"/>
+                  </a:xfrm>
+                  <a:prstGeom prst="ellipse">
+                    <a:avLst/>
+                  </a:prstGeom>
+                  <a:blipFill>
+                    <a:blip r:embed="rId39"/>
+                    <a:stretch>
+                      <a:fillRect/>
+                    </a:stretch>
+                  </a:blipFill>
+                  <a:ln>
+                    <a:solidFill>
+                      <a:schemeClr val="tx1"/>
+                    </a:solidFill>
+                  </a:ln>
+                </p:spPr>
+                <p:txBody>
+                  <a:bodyPr/>
+                  <a:lstStyle/>
+                  <a:p>
+                    <a:r>
+                      <a:rPr lang="en-BE">
+                        <a:noFill/>
+                      </a:rPr>
+                      <a:t> </a:t>
+                    </a:r>
+                  </a:p>
+                </p:txBody>
+              </p:sp>
+            </mc:Fallback>
+          </mc:AlternateContent>
+          <mc:AlternateContent xmlns:mc="http://schemas.openxmlformats.org/markup-compatibility/2006">
+            <mc:Choice xmlns:a14="http://schemas.microsoft.com/office/drawing/2010/main" Requires="a14">
+              <p:sp>
+                <p:nvSpPr>
+                  <p:cNvPr id="117" name="Oval 116">
+                    <a:extLst>
+                      <a:ext uri="{FF2B5EF4-FFF2-40B4-BE49-F238E27FC236}">
+                        <a16:creationId xmlns:a16="http://schemas.microsoft.com/office/drawing/2014/main" id="{87BB5E18-5E16-4C5A-81CE-3FBBC739453F}"/>
+                      </a:ext>
+                    </a:extLst>
+                  </p:cNvPr>
+                  <p:cNvSpPr/>
+                  <p:nvPr/>
+                </p:nvSpPr>
+                <p:spPr>
+                  <a:xfrm>
+                    <a:off x="6342434" y="3371007"/>
+                    <a:ext cx="603115" cy="603115"/>
+                  </a:xfrm>
+                  <a:prstGeom prst="ellipse">
+                    <a:avLst/>
+                  </a:prstGeom>
+                  <a:noFill/>
+                  <a:ln>
+                    <a:solidFill>
+                      <a:schemeClr val="tx1"/>
+                    </a:solidFill>
+                  </a:ln>
+                </p:spPr>
+                <p:style>
+                  <a:lnRef idx="2">
+                    <a:schemeClr val="accent1">
+                      <a:shade val="50000"/>
+                    </a:schemeClr>
+                  </a:lnRef>
+                  <a:fillRef idx="1">
+                    <a:schemeClr val="accent1"/>
+                  </a:fillRef>
+                  <a:effectRef idx="0">
+                    <a:schemeClr val="accent1"/>
+                  </a:effectRef>
+                  <a:fontRef idx="minor">
+                    <a:schemeClr val="lt1"/>
+                  </a:fontRef>
+                </p:style>
+                <p:txBody>
+                  <a:bodyPr rtlCol="0" anchor="ctr"/>
+                  <a:lstStyle/>
+                  <a:p>
+                    <a:pPr algn="ctr"/>
+                    <a14:m>
+                      <m:oMath xmlns:m="http://schemas.openxmlformats.org/officeDocument/2006/math">
+                        <m:sSubSup>
+                          <m:sSubSupPr>
+                            <m:ctrlPr>
+                              <a:rPr lang="en-US" sz="1600" b="1" i="1" smtClean="0">
+                                <a:solidFill>
+                                  <a:schemeClr val="tx1"/>
+                                </a:solidFill>
+                                <a:latin typeface="Cambria Math" panose="02040503050406030204" pitchFamily="18" charset="0"/>
+                              </a:rPr>
+                            </m:ctrlPr>
+                          </m:sSubSupPr>
+                          <m:e>
+                            <m:r>
+                              <a:rPr lang="en-US" sz="1600" b="1" i="1" smtClean="0">
+                                <a:solidFill>
+                                  <a:schemeClr val="tx1"/>
+                                </a:solidFill>
+                                <a:latin typeface="Cambria Math" panose="02040503050406030204" pitchFamily="18" charset="0"/>
+                              </a:rPr>
+                              <m:t>𝒚</m:t>
+                            </m:r>
+                          </m:e>
+                          <m:sub>
+                            <m:r>
+                              <a:rPr lang="en-US" sz="1600" b="0" i="1" smtClean="0">
+                                <a:solidFill>
+                                  <a:schemeClr val="tx1"/>
+                                </a:solidFill>
+                                <a:latin typeface="Cambria Math" panose="02040503050406030204" pitchFamily="18" charset="0"/>
+                              </a:rPr>
+                              <m:t>2</m:t>
+                            </m:r>
+                          </m:sub>
+                          <m:sup>
+                            <m:r>
+                              <a:rPr lang="en-US" sz="1600" b="0" i="1" smtClean="0">
+                                <a:solidFill>
+                                  <a:schemeClr val="tx1"/>
+                                </a:solidFill>
+                                <a:latin typeface="Cambria Math" panose="02040503050406030204" pitchFamily="18" charset="0"/>
+                              </a:rPr>
+                              <m:t>1</m:t>
+                            </m:r>
+                          </m:sup>
+                        </m:sSubSup>
+                      </m:oMath>
+                    </a14:m>
+                    <a:r>
+                      <a:rPr lang="en-US" sz="1600" dirty="0">
+                        <a:solidFill>
+                          <a:schemeClr val="tx1"/>
+                        </a:solidFill>
+                      </a:rPr>
+                      <a:t> </a:t>
+                    </a:r>
+                  </a:p>
+                </p:txBody>
+              </p:sp>
+            </mc:Choice>
+            <mc:Fallback>
+              <p:sp>
+                <p:nvSpPr>
+                  <p:cNvPr id="117" name="Oval 116">
+                    <a:extLst>
+                      <a:ext uri="{FF2B5EF4-FFF2-40B4-BE49-F238E27FC236}">
+                        <a16:creationId xmlns:a16="http://schemas.microsoft.com/office/drawing/2014/main" id="{87BB5E18-5E16-4C5A-81CE-3FBBC739453F}"/>
+                      </a:ext>
+                    </a:extLst>
+                  </p:cNvPr>
+                  <p:cNvSpPr>
+                    <a:spLocks noRot="1" noChangeAspect="1" noMove="1" noResize="1" noEditPoints="1" noAdjustHandles="1" noChangeArrowheads="1" noChangeShapeType="1" noTextEdit="1"/>
+                  </p:cNvSpPr>
+                  <p:nvPr/>
+                </p:nvSpPr>
+                <p:spPr>
+                  <a:xfrm>
+                    <a:off x="6342434" y="3371007"/>
+                    <a:ext cx="603115" cy="603115"/>
+                  </a:xfrm>
+                  <a:prstGeom prst="ellipse">
+                    <a:avLst/>
+                  </a:prstGeom>
+                  <a:blipFill>
+                    <a:blip r:embed="rId40"/>
+                    <a:stretch>
+                      <a:fillRect b="-1667"/>
+                    </a:stretch>
+                  </a:blipFill>
+                  <a:ln>
+                    <a:solidFill>
+                      <a:schemeClr val="tx1"/>
+                    </a:solidFill>
+                  </a:ln>
+                </p:spPr>
+                <p:txBody>
+                  <a:bodyPr/>
+                  <a:lstStyle/>
+                  <a:p>
+                    <a:r>
+                      <a:rPr lang="en-BE">
+                        <a:noFill/>
+                      </a:rPr>
+                      <a:t> </a:t>
+                    </a:r>
+                  </a:p>
+                </p:txBody>
+              </p:sp>
+            </mc:Fallback>
+          </mc:AlternateContent>
+          <mc:AlternateContent xmlns:mc="http://schemas.openxmlformats.org/markup-compatibility/2006">
+            <mc:Choice xmlns:a14="http://schemas.microsoft.com/office/drawing/2010/main" Requires="a14">
+              <p:sp>
+                <p:nvSpPr>
+                  <p:cNvPr id="118" name="Oval 117">
+                    <a:extLst>
+                      <a:ext uri="{FF2B5EF4-FFF2-40B4-BE49-F238E27FC236}">
+                        <a16:creationId xmlns:a16="http://schemas.microsoft.com/office/drawing/2014/main" id="{DF786F5E-5D0B-4E2B-8735-98030E06EEDF}"/>
+                      </a:ext>
+                    </a:extLst>
+                  </p:cNvPr>
+                  <p:cNvSpPr/>
+                  <p:nvPr/>
+                </p:nvSpPr>
+                <p:spPr>
+                  <a:xfrm>
+                    <a:off x="6342434" y="4884905"/>
+                    <a:ext cx="603115" cy="603115"/>
+                  </a:xfrm>
+                  <a:prstGeom prst="ellipse">
+                    <a:avLst/>
+                  </a:prstGeom>
+                  <a:noFill/>
+                  <a:ln>
+                    <a:solidFill>
+                      <a:schemeClr val="tx1"/>
+                    </a:solidFill>
+                  </a:ln>
+                </p:spPr>
+                <p:style>
+                  <a:lnRef idx="2">
+                    <a:schemeClr val="accent1">
+                      <a:shade val="50000"/>
+                    </a:schemeClr>
+                  </a:lnRef>
+                  <a:fillRef idx="1">
+                    <a:schemeClr val="accent1"/>
+                  </a:fillRef>
+                  <a:effectRef idx="0">
+                    <a:schemeClr val="accent1"/>
+                  </a:effectRef>
+                  <a:fontRef idx="minor">
+                    <a:schemeClr val="lt1"/>
+                  </a:fontRef>
+                </p:style>
+                <p:txBody>
+                  <a:bodyPr rtlCol="0" anchor="ctr"/>
+                  <a:lstStyle/>
+                  <a:p>
+                    <a:pPr algn="ctr"/>
+                    <a14:m>
+                      <m:oMath xmlns:m="http://schemas.openxmlformats.org/officeDocument/2006/math">
+                        <m:sSubSup>
+                          <m:sSubSupPr>
+                            <m:ctrlPr>
+                              <a:rPr lang="en-US" sz="1600" b="1" i="1" smtClean="0">
+                                <a:solidFill>
+                                  <a:schemeClr val="tx1"/>
+                                </a:solidFill>
+                                <a:latin typeface="Cambria Math" panose="02040503050406030204" pitchFamily="18" charset="0"/>
+                              </a:rPr>
+                            </m:ctrlPr>
+                          </m:sSubSupPr>
+                          <m:e>
+                            <m:r>
+                              <a:rPr lang="en-US" sz="1600" b="1" i="1" smtClean="0">
+                                <a:solidFill>
+                                  <a:schemeClr val="tx1"/>
+                                </a:solidFill>
+                                <a:latin typeface="Cambria Math" panose="02040503050406030204" pitchFamily="18" charset="0"/>
+                              </a:rPr>
+                              <m:t>𝒚</m:t>
+                            </m:r>
+                          </m:e>
+                          <m:sub>
+                            <m:r>
+                              <a:rPr lang="en-US" sz="1600" b="0" i="1" smtClean="0">
+                                <a:solidFill>
+                                  <a:schemeClr val="tx1"/>
+                                </a:solidFill>
+                                <a:latin typeface="Cambria Math" panose="02040503050406030204" pitchFamily="18" charset="0"/>
+                              </a:rPr>
+                              <m:t>𝐶</m:t>
+                            </m:r>
+                          </m:sub>
+                          <m:sup>
+                            <m:r>
+                              <a:rPr lang="en-US" sz="1600" b="0" i="1" smtClean="0">
+                                <a:solidFill>
+                                  <a:schemeClr val="tx1"/>
+                                </a:solidFill>
+                                <a:latin typeface="Cambria Math" panose="02040503050406030204" pitchFamily="18" charset="0"/>
+                              </a:rPr>
+                              <m:t>1</m:t>
+                            </m:r>
+                          </m:sup>
+                        </m:sSubSup>
+                      </m:oMath>
+                    </a14:m>
+                    <a:r>
+                      <a:rPr lang="en-US" sz="1600" dirty="0">
+                        <a:solidFill>
+                          <a:schemeClr val="tx1"/>
+                        </a:solidFill>
+                      </a:rPr>
+                      <a:t> </a:t>
+                    </a:r>
+                  </a:p>
+                </p:txBody>
+              </p:sp>
+            </mc:Choice>
+            <mc:Fallback>
+              <p:sp>
+                <p:nvSpPr>
+                  <p:cNvPr id="118" name="Oval 117">
+                    <a:extLst>
+                      <a:ext uri="{FF2B5EF4-FFF2-40B4-BE49-F238E27FC236}">
+                        <a16:creationId xmlns:a16="http://schemas.microsoft.com/office/drawing/2014/main" id="{DF786F5E-5D0B-4E2B-8735-98030E06EEDF}"/>
+                      </a:ext>
+                    </a:extLst>
+                  </p:cNvPr>
+                  <p:cNvSpPr>
+                    <a:spLocks noRot="1" noChangeAspect="1" noMove="1" noResize="1" noEditPoints="1" noAdjustHandles="1" noChangeArrowheads="1" noChangeShapeType="1" noTextEdit="1"/>
+                  </p:cNvSpPr>
+                  <p:nvPr/>
+                </p:nvSpPr>
+                <p:spPr>
+                  <a:xfrm>
+                    <a:off x="6342434" y="4884905"/>
+                    <a:ext cx="603115" cy="603115"/>
+                  </a:xfrm>
+                  <a:prstGeom prst="ellipse">
+                    <a:avLst/>
+                  </a:prstGeom>
+                  <a:blipFill>
+                    <a:blip r:embed="rId41"/>
+                    <a:stretch>
+                      <a:fillRect b="-1667"/>
+                    </a:stretch>
+                  </a:blipFill>
+                  <a:ln>
+                    <a:solidFill>
+                      <a:schemeClr val="tx1"/>
+                    </a:solidFill>
+                  </a:ln>
+                </p:spPr>
+                <p:txBody>
+                  <a:bodyPr/>
+                  <a:lstStyle/>
+                  <a:p>
+                    <a:r>
+                      <a:rPr lang="en-BE">
+                        <a:noFill/>
+                      </a:rPr>
+                      <a:t> </a:t>
+                    </a:r>
+                  </a:p>
+                </p:txBody>
+              </p:sp>
+            </mc:Fallback>
+          </mc:AlternateContent>
+          <mc:AlternateContent xmlns:mc="http://schemas.openxmlformats.org/markup-compatibility/2006" xmlns:a14="http://schemas.microsoft.com/office/drawing/2010/main">
+            <mc:Choice Requires="a14">
+              <p:sp>
+                <p:nvSpPr>
+                  <p:cNvPr id="119" name="Rectangle 118">
+                    <a:extLst>
+                      <a:ext uri="{FF2B5EF4-FFF2-40B4-BE49-F238E27FC236}">
+                        <a16:creationId xmlns:a16="http://schemas.microsoft.com/office/drawing/2014/main" id="{AEB23BEF-ECBA-49E5-B007-A533A4CAB5B4}"/>
+                      </a:ext>
+                    </a:extLst>
+                  </p:cNvPr>
+                  <p:cNvSpPr/>
+                  <p:nvPr/>
+                </p:nvSpPr>
+                <p:spPr>
+                  <a:xfrm rot="5400000">
+                    <a:off x="6377751" y="4126105"/>
+                    <a:ext cx="673938" cy="575791"/>
+                  </a:xfrm>
+                  <a:prstGeom prst="rect">
+                    <a:avLst/>
+                  </a:prstGeom>
+                </p:spPr>
+                <p:txBody>
+                  <a:bodyPr wrap="none">
+                    <a:spAutoFit/>
+                  </a:bodyPr>
+                  <a:lstStyle/>
+                  <a:p>
+                    <a:pPr/>
+                    <a14:m>
+                      <m:oMathPara xmlns:m="http://schemas.openxmlformats.org/officeDocument/2006/math">
+                        <m:oMathParaPr>
+                          <m:jc m:val="centerGroup"/>
+                        </m:oMathParaPr>
+                        <m:oMath xmlns:m="http://schemas.openxmlformats.org/officeDocument/2006/math">
+                          <m:r>
+                            <a:rPr lang="en-US" sz="1600" i="1" smtClean="0">
+                              <a:solidFill>
+                                <a:schemeClr val="tx1"/>
+                              </a:solidFill>
+                              <a:latin typeface="Cambria Math" panose="02040503050406030204" pitchFamily="18" charset="0"/>
+                            </a:rPr>
+                            <m:t>…</m:t>
+                          </m:r>
+                        </m:oMath>
+                      </m:oMathPara>
+                    </a14:m>
+                    <a:endParaRPr lang="en-US" sz="1600" dirty="0"/>
+                  </a:p>
+                </p:txBody>
+              </p:sp>
+            </mc:Choice>
+            <mc:Fallback xmlns="">
+              <p:sp>
+                <p:nvSpPr>
+                  <p:cNvPr id="51" name="Rectangle 50">
+                    <a:extLst>
+                      <a:ext uri="{FF2B5EF4-FFF2-40B4-BE49-F238E27FC236}">
+                        <a16:creationId xmlns:a16="http://schemas.microsoft.com/office/drawing/2014/main" id="{073E4DE5-8605-4232-BD9D-361596897D2F}"/>
+                      </a:ext>
+                    </a:extLst>
+                  </p:cNvPr>
+                  <p:cNvSpPr>
+                    <a:spLocks noRot="1" noChangeAspect="1" noMove="1" noResize="1" noEditPoints="1" noAdjustHandles="1" noChangeArrowheads="1" noChangeShapeType="1" noTextEdit="1"/>
+                  </p:cNvSpPr>
+                  <p:nvPr/>
+                </p:nvSpPr>
+                <p:spPr>
+                  <a:xfrm rot="5400000">
+                    <a:off x="6377751" y="4126105"/>
+                    <a:ext cx="673938" cy="575791"/>
+                  </a:xfrm>
+                  <a:prstGeom prst="rect">
+                    <a:avLst/>
+                  </a:prstGeom>
+                  <a:blipFill>
+                    <a:blip r:embed="rId9"/>
+                    <a:stretch>
+                      <a:fillRect/>
+                    </a:stretch>
+                  </a:blipFill>
+                </p:spPr>
+                <p:txBody>
+                  <a:bodyPr/>
+                  <a:lstStyle/>
+                  <a:p>
+                    <a:r>
+                      <a:rPr lang="en-US">
+                        <a:noFill/>
+                      </a:rPr>
+                      <a:t> </a:t>
+                    </a:r>
+                  </a:p>
+                </p:txBody>
+              </p:sp>
+            </mc:Fallback>
+          </mc:AlternateContent>
+        </p:grpSp>
+        <p:grpSp>
+          <p:nvGrpSpPr>
+            <p:cNvPr id="79" name="Group 78">
+              <a:extLst>
+                <a:ext uri="{FF2B5EF4-FFF2-40B4-BE49-F238E27FC236}">
+                  <a16:creationId xmlns:a16="http://schemas.microsoft.com/office/drawing/2014/main" id="{4B21B8B1-5639-41F2-8C35-83B81BF37AEB}"/>
+                </a:ext>
+              </a:extLst>
+            </p:cNvPr>
+            <p:cNvGrpSpPr/>
+            <p:nvPr/>
+          </p:nvGrpSpPr>
+          <p:grpSpPr>
+            <a:xfrm>
+              <a:off x="1595767" y="1076944"/>
+              <a:ext cx="388174" cy="1662517"/>
+              <a:chOff x="6342434" y="2660514"/>
+              <a:chExt cx="660181" cy="2827506"/>
+            </a:xfrm>
+          </p:grpSpPr>
+          <mc:AlternateContent xmlns:mc="http://schemas.openxmlformats.org/markup-compatibility/2006">
+            <mc:Choice xmlns:a14="http://schemas.microsoft.com/office/drawing/2010/main" Requires="a14">
+              <p:sp>
+                <p:nvSpPr>
+                  <p:cNvPr id="110" name="Oval 109">
+                    <a:extLst>
+                      <a:ext uri="{FF2B5EF4-FFF2-40B4-BE49-F238E27FC236}">
+                        <a16:creationId xmlns:a16="http://schemas.microsoft.com/office/drawing/2014/main" id="{3BCEF7DC-E05F-49EF-A98B-F94B01B3C462}"/>
+                      </a:ext>
+                    </a:extLst>
+                  </p:cNvPr>
+                  <p:cNvSpPr/>
+                  <p:nvPr/>
+                </p:nvSpPr>
+                <p:spPr>
+                  <a:xfrm>
+                    <a:off x="6342434" y="2660514"/>
+                    <a:ext cx="603115" cy="603115"/>
+                  </a:xfrm>
+                  <a:prstGeom prst="ellipse">
+                    <a:avLst/>
+                  </a:prstGeom>
+                  <a:noFill/>
+                  <a:ln>
+                    <a:solidFill>
+                      <a:schemeClr val="tx1"/>
+                    </a:solidFill>
+                  </a:ln>
+                </p:spPr>
+                <p:style>
+                  <a:lnRef idx="2">
+                    <a:schemeClr val="accent1">
+                      <a:shade val="50000"/>
+                    </a:schemeClr>
+                  </a:lnRef>
+                  <a:fillRef idx="1">
+                    <a:schemeClr val="accent1"/>
+                  </a:fillRef>
+                  <a:effectRef idx="0">
+                    <a:schemeClr val="accent1"/>
+                  </a:effectRef>
+                  <a:fontRef idx="minor">
+                    <a:schemeClr val="lt1"/>
+                  </a:fontRef>
+                </p:style>
+                <p:txBody>
+                  <a:bodyPr rtlCol="0" anchor="ctr"/>
+                  <a:lstStyle/>
+                  <a:p>
+                    <a:pPr algn="ctr"/>
+                    <a14:m>
+                      <m:oMath xmlns:m="http://schemas.openxmlformats.org/officeDocument/2006/math">
+                        <m:sSubSup>
+                          <m:sSubSupPr>
+                            <m:ctrlPr>
+                              <a:rPr lang="en-US" sz="1600" b="1" i="1" smtClean="0">
+                                <a:solidFill>
+                                  <a:schemeClr val="tx1"/>
+                                </a:solidFill>
+                                <a:latin typeface="Cambria Math" panose="02040503050406030204" pitchFamily="18" charset="0"/>
+                              </a:rPr>
+                            </m:ctrlPr>
+                          </m:sSubSupPr>
+                          <m:e>
+                            <m:r>
+                              <a:rPr lang="en-US" sz="1600" b="1" i="1" smtClean="0">
+                                <a:solidFill>
+                                  <a:schemeClr val="tx1"/>
+                                </a:solidFill>
+                                <a:latin typeface="Cambria Math" panose="02040503050406030204" pitchFamily="18" charset="0"/>
+                              </a:rPr>
+                              <m:t>𝒚</m:t>
+                            </m:r>
+                          </m:e>
+                          <m:sub>
+                            <m:r>
+                              <a:rPr lang="en-US" sz="1600" b="0" i="1" smtClean="0">
+                                <a:solidFill>
+                                  <a:schemeClr val="tx1"/>
+                                </a:solidFill>
+                                <a:latin typeface="Cambria Math" panose="02040503050406030204" pitchFamily="18" charset="0"/>
+                              </a:rPr>
+                              <m:t>1</m:t>
+                            </m:r>
+                          </m:sub>
+                          <m:sup>
+                            <m:r>
+                              <a:rPr lang="en-US" sz="1600" b="0" i="1" smtClean="0">
+                                <a:solidFill>
+                                  <a:schemeClr val="tx1"/>
+                                </a:solidFill>
+                                <a:latin typeface="Cambria Math" panose="02040503050406030204" pitchFamily="18" charset="0"/>
+                              </a:rPr>
+                              <m:t>2</m:t>
+                            </m:r>
+                          </m:sup>
+                        </m:sSubSup>
+                      </m:oMath>
+                    </a14:m>
+                    <a:r>
+                      <a:rPr lang="en-US" sz="1600" dirty="0">
+                        <a:solidFill>
+                          <a:schemeClr val="tx1"/>
+                        </a:solidFill>
+                      </a:rPr>
+                      <a:t> </a:t>
+                    </a:r>
+                  </a:p>
+                </p:txBody>
+              </p:sp>
+            </mc:Choice>
+            <mc:Fallback>
+              <p:sp>
+                <p:nvSpPr>
+                  <p:cNvPr id="110" name="Oval 109">
+                    <a:extLst>
+                      <a:ext uri="{FF2B5EF4-FFF2-40B4-BE49-F238E27FC236}">
+                        <a16:creationId xmlns:a16="http://schemas.microsoft.com/office/drawing/2014/main" id="{3BCEF7DC-E05F-49EF-A98B-F94B01B3C462}"/>
+                      </a:ext>
+                    </a:extLst>
+                  </p:cNvPr>
+                  <p:cNvSpPr>
+                    <a:spLocks noRot="1" noChangeAspect="1" noMove="1" noResize="1" noEditPoints="1" noAdjustHandles="1" noChangeArrowheads="1" noChangeShapeType="1" noTextEdit="1"/>
+                  </p:cNvSpPr>
+                  <p:nvPr/>
+                </p:nvSpPr>
+                <p:spPr>
+                  <a:xfrm>
+                    <a:off x="6342434" y="2660514"/>
+                    <a:ext cx="603115" cy="603115"/>
+                  </a:xfrm>
+                  <a:prstGeom prst="ellipse">
+                    <a:avLst/>
+                  </a:prstGeom>
+                  <a:blipFill>
+                    <a:blip r:embed="rId42"/>
+                    <a:stretch>
+                      <a:fillRect/>
+                    </a:stretch>
+                  </a:blipFill>
+                  <a:ln>
+                    <a:solidFill>
+                      <a:schemeClr val="tx1"/>
+                    </a:solidFill>
+                  </a:ln>
+                </p:spPr>
+                <p:txBody>
+                  <a:bodyPr/>
+                  <a:lstStyle/>
+                  <a:p>
+                    <a:r>
+                      <a:rPr lang="en-BE">
+                        <a:noFill/>
+                      </a:rPr>
+                      <a:t> </a:t>
+                    </a:r>
+                  </a:p>
+                </p:txBody>
+              </p:sp>
+            </mc:Fallback>
+          </mc:AlternateContent>
+          <mc:AlternateContent xmlns:mc="http://schemas.openxmlformats.org/markup-compatibility/2006">
+            <mc:Choice xmlns:a14="http://schemas.microsoft.com/office/drawing/2010/main" Requires="a14">
+              <p:sp>
+                <p:nvSpPr>
+                  <p:cNvPr id="111" name="Oval 110">
+                    <a:extLst>
+                      <a:ext uri="{FF2B5EF4-FFF2-40B4-BE49-F238E27FC236}">
+                        <a16:creationId xmlns:a16="http://schemas.microsoft.com/office/drawing/2014/main" id="{75115BDE-5395-44D6-A4F0-25BBC8F759E6}"/>
+                      </a:ext>
+                    </a:extLst>
+                  </p:cNvPr>
+                  <p:cNvSpPr/>
+                  <p:nvPr/>
+                </p:nvSpPr>
+                <p:spPr>
+                  <a:xfrm>
+                    <a:off x="6342434" y="3371007"/>
+                    <a:ext cx="603115" cy="603115"/>
+                  </a:xfrm>
+                  <a:prstGeom prst="ellipse">
+                    <a:avLst/>
+                  </a:prstGeom>
+                  <a:noFill/>
+                  <a:ln>
+                    <a:solidFill>
+                      <a:schemeClr val="tx1"/>
+                    </a:solidFill>
+                  </a:ln>
+                </p:spPr>
+                <p:style>
+                  <a:lnRef idx="2">
+                    <a:schemeClr val="accent1">
+                      <a:shade val="50000"/>
+                    </a:schemeClr>
+                  </a:lnRef>
+                  <a:fillRef idx="1">
+                    <a:schemeClr val="accent1"/>
+                  </a:fillRef>
+                  <a:effectRef idx="0">
+                    <a:schemeClr val="accent1"/>
+                  </a:effectRef>
+                  <a:fontRef idx="minor">
+                    <a:schemeClr val="lt1"/>
+                  </a:fontRef>
+                </p:style>
+                <p:txBody>
+                  <a:bodyPr rtlCol="0" anchor="ctr"/>
+                  <a:lstStyle/>
+                  <a:p>
+                    <a:pPr algn="ctr"/>
+                    <a14:m>
+                      <m:oMath xmlns:m="http://schemas.openxmlformats.org/officeDocument/2006/math">
+                        <m:sSubSup>
+                          <m:sSubSupPr>
+                            <m:ctrlPr>
+                              <a:rPr lang="en-US" sz="1600" b="1" i="1" smtClean="0">
+                                <a:solidFill>
+                                  <a:schemeClr val="tx1"/>
+                                </a:solidFill>
+                                <a:latin typeface="Cambria Math" panose="02040503050406030204" pitchFamily="18" charset="0"/>
+                              </a:rPr>
+                            </m:ctrlPr>
+                          </m:sSubSupPr>
+                          <m:e>
+                            <m:r>
+                              <a:rPr lang="en-US" sz="1600" b="1" i="1" smtClean="0">
+                                <a:solidFill>
+                                  <a:schemeClr val="tx1"/>
+                                </a:solidFill>
+                                <a:latin typeface="Cambria Math" panose="02040503050406030204" pitchFamily="18" charset="0"/>
+                              </a:rPr>
+                              <m:t>𝒚</m:t>
+                            </m:r>
+                          </m:e>
+                          <m:sub>
+                            <m:r>
+                              <a:rPr lang="en-US" sz="1600" b="0" i="1" smtClean="0">
+                                <a:solidFill>
+                                  <a:schemeClr val="tx1"/>
+                                </a:solidFill>
+                                <a:latin typeface="Cambria Math" panose="02040503050406030204" pitchFamily="18" charset="0"/>
+                              </a:rPr>
+                              <m:t>2</m:t>
+                            </m:r>
+                          </m:sub>
+                          <m:sup>
+                            <m:r>
+                              <a:rPr lang="en-US" sz="1600" b="0" i="1" smtClean="0">
+                                <a:solidFill>
+                                  <a:schemeClr val="tx1"/>
+                                </a:solidFill>
+                                <a:latin typeface="Cambria Math" panose="02040503050406030204" pitchFamily="18" charset="0"/>
+                              </a:rPr>
+                              <m:t>2</m:t>
+                            </m:r>
+                          </m:sup>
+                        </m:sSubSup>
+                      </m:oMath>
+                    </a14:m>
+                    <a:r>
+                      <a:rPr lang="en-US" sz="1600" dirty="0">
+                        <a:solidFill>
+                          <a:schemeClr val="tx1"/>
+                        </a:solidFill>
+                      </a:rPr>
+                      <a:t> </a:t>
+                    </a:r>
+                  </a:p>
+                </p:txBody>
+              </p:sp>
+            </mc:Choice>
+            <mc:Fallback>
+              <p:sp>
+                <p:nvSpPr>
+                  <p:cNvPr id="111" name="Oval 110">
+                    <a:extLst>
+                      <a:ext uri="{FF2B5EF4-FFF2-40B4-BE49-F238E27FC236}">
+                        <a16:creationId xmlns:a16="http://schemas.microsoft.com/office/drawing/2014/main" id="{75115BDE-5395-44D6-A4F0-25BBC8F759E6}"/>
+                      </a:ext>
+                    </a:extLst>
+                  </p:cNvPr>
+                  <p:cNvSpPr>
+                    <a:spLocks noRot="1" noChangeAspect="1" noMove="1" noResize="1" noEditPoints="1" noAdjustHandles="1" noChangeArrowheads="1" noChangeShapeType="1" noTextEdit="1"/>
+                  </p:cNvSpPr>
+                  <p:nvPr/>
+                </p:nvSpPr>
+                <p:spPr>
+                  <a:xfrm>
+                    <a:off x="6342434" y="3371007"/>
+                    <a:ext cx="603115" cy="603115"/>
+                  </a:xfrm>
+                  <a:prstGeom prst="ellipse">
+                    <a:avLst/>
+                  </a:prstGeom>
+                  <a:blipFill>
+                    <a:blip r:embed="rId43"/>
+                    <a:stretch>
+                      <a:fillRect b="-1667"/>
+                    </a:stretch>
+                  </a:blipFill>
+                  <a:ln>
+                    <a:solidFill>
+                      <a:schemeClr val="tx1"/>
+                    </a:solidFill>
+                  </a:ln>
+                </p:spPr>
+                <p:txBody>
+                  <a:bodyPr/>
+                  <a:lstStyle/>
+                  <a:p>
+                    <a:r>
+                      <a:rPr lang="en-BE">
+                        <a:noFill/>
+                      </a:rPr>
+                      <a:t> </a:t>
+                    </a:r>
+                  </a:p>
+                </p:txBody>
+              </p:sp>
+            </mc:Fallback>
+          </mc:AlternateContent>
+          <mc:AlternateContent xmlns:mc="http://schemas.openxmlformats.org/markup-compatibility/2006">
+            <mc:Choice xmlns:a14="http://schemas.microsoft.com/office/drawing/2010/main" Requires="a14">
+              <p:sp>
+                <p:nvSpPr>
+                  <p:cNvPr id="112" name="Oval 111">
+                    <a:extLst>
+                      <a:ext uri="{FF2B5EF4-FFF2-40B4-BE49-F238E27FC236}">
+                        <a16:creationId xmlns:a16="http://schemas.microsoft.com/office/drawing/2014/main" id="{00686FB0-2037-46FE-8A5D-700EBD8ACE8E}"/>
+                      </a:ext>
+                    </a:extLst>
+                  </p:cNvPr>
+                  <p:cNvSpPr/>
+                  <p:nvPr/>
+                </p:nvSpPr>
+                <p:spPr>
+                  <a:xfrm>
+                    <a:off x="6342434" y="4884905"/>
+                    <a:ext cx="603115" cy="603115"/>
+                  </a:xfrm>
+                  <a:prstGeom prst="ellipse">
+                    <a:avLst/>
+                  </a:prstGeom>
+                  <a:noFill/>
+                  <a:ln>
+                    <a:solidFill>
+                      <a:schemeClr val="tx1"/>
+                    </a:solidFill>
+                  </a:ln>
+                </p:spPr>
+                <p:style>
+                  <a:lnRef idx="2">
+                    <a:schemeClr val="accent1">
+                      <a:shade val="50000"/>
+                    </a:schemeClr>
+                  </a:lnRef>
+                  <a:fillRef idx="1">
+                    <a:schemeClr val="accent1"/>
+                  </a:fillRef>
+                  <a:effectRef idx="0">
+                    <a:schemeClr val="accent1"/>
+                  </a:effectRef>
+                  <a:fontRef idx="minor">
+                    <a:schemeClr val="lt1"/>
+                  </a:fontRef>
+                </p:style>
+                <p:txBody>
+                  <a:bodyPr rtlCol="0" anchor="ctr"/>
+                  <a:lstStyle/>
+                  <a:p>
+                    <a:pPr algn="ctr"/>
+                    <a14:m>
+                      <m:oMath xmlns:m="http://schemas.openxmlformats.org/officeDocument/2006/math">
+                        <m:sSubSup>
+                          <m:sSubSupPr>
+                            <m:ctrlPr>
+                              <a:rPr lang="en-US" sz="1600" b="1" i="1" smtClean="0">
+                                <a:solidFill>
+                                  <a:schemeClr val="tx1"/>
+                                </a:solidFill>
+                                <a:latin typeface="Cambria Math" panose="02040503050406030204" pitchFamily="18" charset="0"/>
+                              </a:rPr>
+                            </m:ctrlPr>
+                          </m:sSubSupPr>
+                          <m:e>
+                            <m:r>
+                              <a:rPr lang="en-US" sz="1600" b="1" i="1" smtClean="0">
+                                <a:solidFill>
+                                  <a:schemeClr val="tx1"/>
+                                </a:solidFill>
+                                <a:latin typeface="Cambria Math" panose="02040503050406030204" pitchFamily="18" charset="0"/>
+                              </a:rPr>
+                              <m:t>𝒚</m:t>
+                            </m:r>
+                          </m:e>
+                          <m:sub>
+                            <m:r>
+                              <a:rPr lang="en-US" sz="1600" b="0" i="1" smtClean="0">
+                                <a:solidFill>
+                                  <a:schemeClr val="tx1"/>
+                                </a:solidFill>
+                                <a:latin typeface="Cambria Math" panose="02040503050406030204" pitchFamily="18" charset="0"/>
+                              </a:rPr>
+                              <m:t>𝐶</m:t>
+                            </m:r>
+                          </m:sub>
+                          <m:sup>
+                            <m:r>
+                              <a:rPr lang="en-US" sz="1600" b="0" i="1" smtClean="0">
+                                <a:solidFill>
+                                  <a:schemeClr val="tx1"/>
+                                </a:solidFill>
+                                <a:latin typeface="Cambria Math" panose="02040503050406030204" pitchFamily="18" charset="0"/>
+                              </a:rPr>
+                              <m:t>2</m:t>
+                            </m:r>
+                          </m:sup>
+                        </m:sSubSup>
+                      </m:oMath>
+                    </a14:m>
+                    <a:r>
+                      <a:rPr lang="en-US" sz="1600" dirty="0">
+                        <a:solidFill>
+                          <a:schemeClr val="tx1"/>
+                        </a:solidFill>
+                      </a:rPr>
+                      <a:t> </a:t>
+                    </a:r>
+                  </a:p>
+                </p:txBody>
+              </p:sp>
+            </mc:Choice>
+            <mc:Fallback>
+              <p:sp>
+                <p:nvSpPr>
+                  <p:cNvPr id="112" name="Oval 111">
+                    <a:extLst>
+                      <a:ext uri="{FF2B5EF4-FFF2-40B4-BE49-F238E27FC236}">
+                        <a16:creationId xmlns:a16="http://schemas.microsoft.com/office/drawing/2014/main" id="{00686FB0-2037-46FE-8A5D-700EBD8ACE8E}"/>
+                      </a:ext>
+                    </a:extLst>
+                  </p:cNvPr>
+                  <p:cNvSpPr>
+                    <a:spLocks noRot="1" noChangeAspect="1" noMove="1" noResize="1" noEditPoints="1" noAdjustHandles="1" noChangeArrowheads="1" noChangeShapeType="1" noTextEdit="1"/>
+                  </p:cNvSpPr>
+                  <p:nvPr/>
+                </p:nvSpPr>
+                <p:spPr>
+                  <a:xfrm>
+                    <a:off x="6342434" y="4884905"/>
+                    <a:ext cx="603115" cy="603115"/>
+                  </a:xfrm>
+                  <a:prstGeom prst="ellipse">
+                    <a:avLst/>
+                  </a:prstGeom>
+                  <a:blipFill>
+                    <a:blip r:embed="rId44"/>
+                    <a:stretch>
+                      <a:fillRect b="-1667"/>
+                    </a:stretch>
+                  </a:blipFill>
+                  <a:ln>
+                    <a:solidFill>
+                      <a:schemeClr val="tx1"/>
+                    </a:solidFill>
+                  </a:ln>
+                </p:spPr>
+                <p:txBody>
+                  <a:bodyPr/>
+                  <a:lstStyle/>
+                  <a:p>
+                    <a:r>
+                      <a:rPr lang="en-BE">
+                        <a:noFill/>
+                      </a:rPr>
+                      <a:t> </a:t>
+                    </a:r>
+                  </a:p>
+                </p:txBody>
+              </p:sp>
+            </mc:Fallback>
+          </mc:AlternateContent>
+          <mc:AlternateContent xmlns:mc="http://schemas.openxmlformats.org/markup-compatibility/2006" xmlns:a14="http://schemas.microsoft.com/office/drawing/2010/main">
+            <mc:Choice Requires="a14">
+              <p:sp>
+                <p:nvSpPr>
+                  <p:cNvPr id="113" name="Rectangle 112">
+                    <a:extLst>
+                      <a:ext uri="{FF2B5EF4-FFF2-40B4-BE49-F238E27FC236}">
+                        <a16:creationId xmlns:a16="http://schemas.microsoft.com/office/drawing/2014/main" id="{1910D5F5-703D-4B5D-8A49-9ECEE22DF753}"/>
+                      </a:ext>
+                    </a:extLst>
+                  </p:cNvPr>
+                  <p:cNvSpPr/>
+                  <p:nvPr/>
+                </p:nvSpPr>
+                <p:spPr>
+                  <a:xfrm rot="5400000">
+                    <a:off x="6377751" y="4126105"/>
+                    <a:ext cx="673938" cy="575791"/>
+                  </a:xfrm>
+                  <a:prstGeom prst="rect">
+                    <a:avLst/>
+                  </a:prstGeom>
+                </p:spPr>
+                <p:txBody>
+                  <a:bodyPr wrap="none">
+                    <a:spAutoFit/>
+                  </a:bodyPr>
+                  <a:lstStyle/>
+                  <a:p>
+                    <a:pPr/>
+                    <a14:m>
+                      <m:oMathPara xmlns:m="http://schemas.openxmlformats.org/officeDocument/2006/math">
+                        <m:oMathParaPr>
+                          <m:jc m:val="centerGroup"/>
+                        </m:oMathParaPr>
+                        <m:oMath xmlns:m="http://schemas.openxmlformats.org/officeDocument/2006/math">
+                          <m:r>
+                            <a:rPr lang="en-US" sz="1600" i="1" smtClean="0">
+                              <a:solidFill>
+                                <a:schemeClr val="tx1"/>
+                              </a:solidFill>
+                              <a:latin typeface="Cambria Math" panose="02040503050406030204" pitchFamily="18" charset="0"/>
+                            </a:rPr>
+                            <m:t>…</m:t>
+                          </m:r>
+                        </m:oMath>
+                      </m:oMathPara>
+                    </a14:m>
+                    <a:endParaRPr lang="en-US" sz="1600" dirty="0"/>
+                  </a:p>
+                </p:txBody>
+              </p:sp>
+            </mc:Choice>
+            <mc:Fallback xmlns="">
+              <p:sp>
+                <p:nvSpPr>
+                  <p:cNvPr id="51" name="Rectangle 50">
+                    <a:extLst>
+                      <a:ext uri="{FF2B5EF4-FFF2-40B4-BE49-F238E27FC236}">
+                        <a16:creationId xmlns:a16="http://schemas.microsoft.com/office/drawing/2014/main" id="{073E4DE5-8605-4232-BD9D-361596897D2F}"/>
+                      </a:ext>
+                    </a:extLst>
+                  </p:cNvPr>
+                  <p:cNvSpPr>
+                    <a:spLocks noRot="1" noChangeAspect="1" noMove="1" noResize="1" noEditPoints="1" noAdjustHandles="1" noChangeArrowheads="1" noChangeShapeType="1" noTextEdit="1"/>
+                  </p:cNvSpPr>
+                  <p:nvPr/>
+                </p:nvSpPr>
+                <p:spPr>
+                  <a:xfrm rot="5400000">
+                    <a:off x="6377751" y="4126105"/>
+                    <a:ext cx="673938" cy="575791"/>
+                  </a:xfrm>
+                  <a:prstGeom prst="rect">
+                    <a:avLst/>
+                  </a:prstGeom>
+                  <a:blipFill>
+                    <a:blip r:embed="rId9"/>
+                    <a:stretch>
+                      <a:fillRect/>
+                    </a:stretch>
+                  </a:blipFill>
+                </p:spPr>
+                <p:txBody>
+                  <a:bodyPr/>
+                  <a:lstStyle/>
+                  <a:p>
+                    <a:r>
+                      <a:rPr lang="en-US">
+                        <a:noFill/>
+                      </a:rPr>
+                      <a:t> </a:t>
+                    </a:r>
+                  </a:p>
+                </p:txBody>
+              </p:sp>
+            </mc:Fallback>
+          </mc:AlternateContent>
+        </p:grpSp>
+        <p:grpSp>
+          <p:nvGrpSpPr>
+            <p:cNvPr id="80" name="Group 79">
+              <a:extLst>
+                <a:ext uri="{FF2B5EF4-FFF2-40B4-BE49-F238E27FC236}">
+                  <a16:creationId xmlns:a16="http://schemas.microsoft.com/office/drawing/2014/main" id="{5142F904-6DF5-4A4A-B68B-3E65E22966C6}"/>
+                </a:ext>
+              </a:extLst>
+            </p:cNvPr>
+            <p:cNvGrpSpPr/>
+            <p:nvPr/>
+          </p:nvGrpSpPr>
+          <p:grpSpPr>
+            <a:xfrm>
+              <a:off x="2322709" y="1076944"/>
+              <a:ext cx="388174" cy="1662517"/>
+              <a:chOff x="6342434" y="2660514"/>
+              <a:chExt cx="660181" cy="2827506"/>
+            </a:xfrm>
+          </p:grpSpPr>
+          <mc:AlternateContent xmlns:mc="http://schemas.openxmlformats.org/markup-compatibility/2006">
+            <mc:Choice xmlns:a14="http://schemas.microsoft.com/office/drawing/2010/main" Requires="a14">
+              <p:sp>
+                <p:nvSpPr>
+                  <p:cNvPr id="84" name="Oval 83">
+                    <a:extLst>
+                      <a:ext uri="{FF2B5EF4-FFF2-40B4-BE49-F238E27FC236}">
+                        <a16:creationId xmlns:a16="http://schemas.microsoft.com/office/drawing/2014/main" id="{1D4FE6C6-7F35-400F-A6D7-55A43AE50BA5}"/>
+                      </a:ext>
+                    </a:extLst>
+                  </p:cNvPr>
+                  <p:cNvSpPr/>
+                  <p:nvPr/>
+                </p:nvSpPr>
+                <p:spPr>
+                  <a:xfrm>
+                    <a:off x="6342434" y="2660514"/>
+                    <a:ext cx="603115" cy="603115"/>
+                  </a:xfrm>
+                  <a:prstGeom prst="ellipse">
+                    <a:avLst/>
+                  </a:prstGeom>
+                  <a:noFill/>
+                  <a:ln>
+                    <a:solidFill>
+                      <a:schemeClr val="tx1"/>
+                    </a:solidFill>
+                  </a:ln>
+                </p:spPr>
+                <p:style>
+                  <a:lnRef idx="2">
+                    <a:schemeClr val="accent1">
+                      <a:shade val="50000"/>
+                    </a:schemeClr>
+                  </a:lnRef>
+                  <a:fillRef idx="1">
+                    <a:schemeClr val="accent1"/>
+                  </a:fillRef>
+                  <a:effectRef idx="0">
+                    <a:schemeClr val="accent1"/>
+                  </a:effectRef>
+                  <a:fontRef idx="minor">
+                    <a:schemeClr val="lt1"/>
+                  </a:fontRef>
+                </p:style>
+                <p:txBody>
+                  <a:bodyPr rtlCol="0" anchor="ctr"/>
+                  <a:lstStyle/>
+                  <a:p>
+                    <a:pPr algn="ctr"/>
+                    <a14:m>
+                      <m:oMath xmlns:m="http://schemas.openxmlformats.org/officeDocument/2006/math">
+                        <m:sSubSup>
+                          <m:sSubSupPr>
+                            <m:ctrlPr>
+                              <a:rPr lang="en-US" sz="1600" b="1" i="1" smtClean="0">
+                                <a:solidFill>
+                                  <a:schemeClr val="tx1"/>
+                                </a:solidFill>
+                                <a:latin typeface="Cambria Math" panose="02040503050406030204" pitchFamily="18" charset="0"/>
+                              </a:rPr>
+                            </m:ctrlPr>
+                          </m:sSubSupPr>
+                          <m:e>
+                            <m:r>
+                              <a:rPr lang="en-US" sz="1600" b="1" i="1" smtClean="0">
+                                <a:solidFill>
+                                  <a:schemeClr val="tx1"/>
+                                </a:solidFill>
+                                <a:latin typeface="Cambria Math" panose="02040503050406030204" pitchFamily="18" charset="0"/>
+                              </a:rPr>
+                              <m:t>𝒚</m:t>
+                            </m:r>
+                          </m:e>
+                          <m:sub>
+                            <m:r>
+                              <a:rPr lang="en-US" sz="1600" b="0" i="1" smtClean="0">
+                                <a:solidFill>
+                                  <a:schemeClr val="tx1"/>
+                                </a:solidFill>
+                                <a:latin typeface="Cambria Math" panose="02040503050406030204" pitchFamily="18" charset="0"/>
+                              </a:rPr>
+                              <m:t>1</m:t>
+                            </m:r>
+                          </m:sub>
+                          <m:sup>
+                            <m:r>
+                              <a:rPr lang="en-US" sz="1600" b="0" i="1" smtClean="0">
+                                <a:solidFill>
+                                  <a:schemeClr val="tx1"/>
+                                </a:solidFill>
+                                <a:latin typeface="Cambria Math" panose="02040503050406030204" pitchFamily="18" charset="0"/>
+                              </a:rPr>
+                              <m:t>𝑙</m:t>
+                            </m:r>
+                          </m:sup>
+                        </m:sSubSup>
+                      </m:oMath>
+                    </a14:m>
+                    <a:r>
+                      <a:rPr lang="en-US" sz="1600" dirty="0">
+                        <a:solidFill>
+                          <a:schemeClr val="tx1"/>
+                        </a:solidFill>
+                      </a:rPr>
+                      <a:t> </a:t>
+                    </a:r>
+                  </a:p>
+                </p:txBody>
+              </p:sp>
+            </mc:Choice>
+            <mc:Fallback>
+              <p:sp>
+                <p:nvSpPr>
+                  <p:cNvPr id="84" name="Oval 83">
+                    <a:extLst>
+                      <a:ext uri="{FF2B5EF4-FFF2-40B4-BE49-F238E27FC236}">
+                        <a16:creationId xmlns:a16="http://schemas.microsoft.com/office/drawing/2014/main" id="{1D4FE6C6-7F35-400F-A6D7-55A43AE50BA5}"/>
+                      </a:ext>
+                    </a:extLst>
+                  </p:cNvPr>
+                  <p:cNvSpPr>
+                    <a:spLocks noRot="1" noChangeAspect="1" noMove="1" noResize="1" noEditPoints="1" noAdjustHandles="1" noChangeArrowheads="1" noChangeShapeType="1" noTextEdit="1"/>
+                  </p:cNvSpPr>
+                  <p:nvPr/>
+                </p:nvSpPr>
+                <p:spPr>
+                  <a:xfrm>
+                    <a:off x="6342434" y="2660514"/>
+                    <a:ext cx="603115" cy="603115"/>
+                  </a:xfrm>
+                  <a:prstGeom prst="ellipse">
+                    <a:avLst/>
+                  </a:prstGeom>
+                  <a:blipFill>
+                    <a:blip r:embed="rId45"/>
+                    <a:stretch>
+                      <a:fillRect b="-1639"/>
+                    </a:stretch>
+                  </a:blipFill>
+                  <a:ln>
+                    <a:solidFill>
+                      <a:schemeClr val="tx1"/>
+                    </a:solidFill>
+                  </a:ln>
+                </p:spPr>
+                <p:txBody>
+                  <a:bodyPr/>
+                  <a:lstStyle/>
+                  <a:p>
+                    <a:r>
+                      <a:rPr lang="en-BE">
+                        <a:noFill/>
+                      </a:rPr>
+                      <a:t> </a:t>
+                    </a:r>
+                  </a:p>
+                </p:txBody>
+              </p:sp>
+            </mc:Fallback>
+          </mc:AlternateContent>
+          <mc:AlternateContent xmlns:mc="http://schemas.openxmlformats.org/markup-compatibility/2006">
+            <mc:Choice xmlns:a14="http://schemas.microsoft.com/office/drawing/2010/main" Requires="a14">
+              <p:sp>
+                <p:nvSpPr>
+                  <p:cNvPr id="85" name="Oval 84">
+                    <a:extLst>
+                      <a:ext uri="{FF2B5EF4-FFF2-40B4-BE49-F238E27FC236}">
+                        <a16:creationId xmlns:a16="http://schemas.microsoft.com/office/drawing/2014/main" id="{DAEB7698-781A-4B96-9D3F-2E526C9249B1}"/>
+                      </a:ext>
+                    </a:extLst>
+                  </p:cNvPr>
+                  <p:cNvSpPr/>
+                  <p:nvPr/>
+                </p:nvSpPr>
+                <p:spPr>
+                  <a:xfrm>
+                    <a:off x="6342434" y="3371007"/>
+                    <a:ext cx="603115" cy="603115"/>
+                  </a:xfrm>
+                  <a:prstGeom prst="ellipse">
+                    <a:avLst/>
+                  </a:prstGeom>
+                  <a:noFill/>
+                  <a:ln>
+                    <a:solidFill>
+                      <a:schemeClr val="tx1"/>
+                    </a:solidFill>
+                  </a:ln>
+                </p:spPr>
+                <p:style>
+                  <a:lnRef idx="2">
+                    <a:schemeClr val="accent1">
+                      <a:shade val="50000"/>
+                    </a:schemeClr>
+                  </a:lnRef>
+                  <a:fillRef idx="1">
+                    <a:schemeClr val="accent1"/>
+                  </a:fillRef>
+                  <a:effectRef idx="0">
+                    <a:schemeClr val="accent1"/>
+                  </a:effectRef>
+                  <a:fontRef idx="minor">
+                    <a:schemeClr val="lt1"/>
+                  </a:fontRef>
+                </p:style>
+                <p:txBody>
+                  <a:bodyPr rtlCol="0" anchor="ctr"/>
+                  <a:lstStyle/>
+                  <a:p>
+                    <a:pPr algn="ctr"/>
+                    <a14:m>
+                      <m:oMath xmlns:m="http://schemas.openxmlformats.org/officeDocument/2006/math">
+                        <m:sSubSup>
+                          <m:sSubSupPr>
+                            <m:ctrlPr>
+                              <a:rPr lang="en-US" sz="1600" b="1" i="1" smtClean="0">
+                                <a:solidFill>
+                                  <a:schemeClr val="tx1"/>
+                                </a:solidFill>
+                                <a:latin typeface="Cambria Math" panose="02040503050406030204" pitchFamily="18" charset="0"/>
+                              </a:rPr>
+                            </m:ctrlPr>
+                          </m:sSubSupPr>
+                          <m:e>
+                            <m:r>
+                              <a:rPr lang="en-US" sz="1600" b="1" i="1" smtClean="0">
+                                <a:solidFill>
+                                  <a:schemeClr val="tx1"/>
+                                </a:solidFill>
+                                <a:latin typeface="Cambria Math" panose="02040503050406030204" pitchFamily="18" charset="0"/>
+                              </a:rPr>
+                              <m:t>𝒚</m:t>
+                            </m:r>
+                          </m:e>
+                          <m:sub>
+                            <m:r>
+                              <a:rPr lang="en-US" sz="1600" b="0" i="1" smtClean="0">
+                                <a:solidFill>
+                                  <a:schemeClr val="tx1"/>
+                                </a:solidFill>
+                                <a:latin typeface="Cambria Math" panose="02040503050406030204" pitchFamily="18" charset="0"/>
+                              </a:rPr>
+                              <m:t>2</m:t>
+                            </m:r>
+                          </m:sub>
+                          <m:sup>
+                            <m:r>
+                              <a:rPr lang="en-US" sz="1600" b="0" i="1" smtClean="0">
+                                <a:solidFill>
+                                  <a:schemeClr val="tx1"/>
+                                </a:solidFill>
+                                <a:latin typeface="Cambria Math" panose="02040503050406030204" pitchFamily="18" charset="0"/>
+                              </a:rPr>
+                              <m:t>𝑙</m:t>
+                            </m:r>
+                          </m:sup>
+                        </m:sSubSup>
+                      </m:oMath>
+                    </a14:m>
+                    <a:r>
+                      <a:rPr lang="en-US" sz="1600" dirty="0">
+                        <a:solidFill>
+                          <a:schemeClr val="tx1"/>
+                        </a:solidFill>
+                      </a:rPr>
+                      <a:t> </a:t>
+                    </a:r>
+                  </a:p>
+                </p:txBody>
+              </p:sp>
+            </mc:Choice>
+            <mc:Fallback>
+              <p:sp>
+                <p:nvSpPr>
+                  <p:cNvPr id="85" name="Oval 84">
+                    <a:extLst>
+                      <a:ext uri="{FF2B5EF4-FFF2-40B4-BE49-F238E27FC236}">
+                        <a16:creationId xmlns:a16="http://schemas.microsoft.com/office/drawing/2014/main" id="{DAEB7698-781A-4B96-9D3F-2E526C9249B1}"/>
+                      </a:ext>
+                    </a:extLst>
+                  </p:cNvPr>
+                  <p:cNvSpPr>
+                    <a:spLocks noRot="1" noChangeAspect="1" noMove="1" noResize="1" noEditPoints="1" noAdjustHandles="1" noChangeArrowheads="1" noChangeShapeType="1" noTextEdit="1"/>
+                  </p:cNvSpPr>
+                  <p:nvPr/>
+                </p:nvSpPr>
+                <p:spPr>
+                  <a:xfrm>
+                    <a:off x="6342434" y="3371007"/>
+                    <a:ext cx="603115" cy="603115"/>
+                  </a:xfrm>
+                  <a:prstGeom prst="ellipse">
+                    <a:avLst/>
+                  </a:prstGeom>
+                  <a:blipFill>
+                    <a:blip r:embed="rId46"/>
+                    <a:stretch>
+                      <a:fillRect b="-1667"/>
+                    </a:stretch>
+                  </a:blipFill>
+                  <a:ln>
+                    <a:solidFill>
+                      <a:schemeClr val="tx1"/>
+                    </a:solidFill>
+                  </a:ln>
+                </p:spPr>
+                <p:txBody>
+                  <a:bodyPr/>
+                  <a:lstStyle/>
+                  <a:p>
+                    <a:r>
+                      <a:rPr lang="en-BE">
+                        <a:noFill/>
+                      </a:rPr>
+                      <a:t> </a:t>
+                    </a:r>
+                  </a:p>
+                </p:txBody>
+              </p:sp>
+            </mc:Fallback>
+          </mc:AlternateContent>
+          <mc:AlternateContent xmlns:mc="http://schemas.openxmlformats.org/markup-compatibility/2006">
+            <mc:Choice xmlns:a14="http://schemas.microsoft.com/office/drawing/2010/main" Requires="a14">
+              <p:sp>
+                <p:nvSpPr>
+                  <p:cNvPr id="106" name="Oval 105">
+                    <a:extLst>
+                      <a:ext uri="{FF2B5EF4-FFF2-40B4-BE49-F238E27FC236}">
+                        <a16:creationId xmlns:a16="http://schemas.microsoft.com/office/drawing/2014/main" id="{E1C71D1B-D56B-4A04-93C1-DC990CB224CE}"/>
+                      </a:ext>
+                    </a:extLst>
+                  </p:cNvPr>
+                  <p:cNvSpPr/>
+                  <p:nvPr/>
+                </p:nvSpPr>
+                <p:spPr>
+                  <a:xfrm>
+                    <a:off x="6342434" y="4884905"/>
+                    <a:ext cx="603115" cy="603115"/>
+                  </a:xfrm>
+                  <a:prstGeom prst="ellipse">
+                    <a:avLst/>
+                  </a:prstGeom>
+                  <a:noFill/>
+                  <a:ln>
+                    <a:solidFill>
+                      <a:schemeClr val="tx1"/>
+                    </a:solidFill>
+                  </a:ln>
+                </p:spPr>
+                <p:style>
+                  <a:lnRef idx="2">
+                    <a:schemeClr val="accent1">
+                      <a:shade val="50000"/>
+                    </a:schemeClr>
+                  </a:lnRef>
+                  <a:fillRef idx="1">
+                    <a:schemeClr val="accent1"/>
+                  </a:fillRef>
+                  <a:effectRef idx="0">
+                    <a:schemeClr val="accent1"/>
+                  </a:effectRef>
+                  <a:fontRef idx="minor">
+                    <a:schemeClr val="lt1"/>
+                  </a:fontRef>
+                </p:style>
+                <p:txBody>
+                  <a:bodyPr rtlCol="0" anchor="ctr"/>
+                  <a:lstStyle/>
+                  <a:p>
+                    <a:pPr algn="ctr"/>
+                    <a14:m>
+                      <m:oMath xmlns:m="http://schemas.openxmlformats.org/officeDocument/2006/math">
+                        <m:sSubSup>
+                          <m:sSubSupPr>
+                            <m:ctrlPr>
+                              <a:rPr lang="en-US" sz="1600" b="1" i="1" smtClean="0">
+                                <a:solidFill>
+                                  <a:schemeClr val="tx1"/>
+                                </a:solidFill>
+                                <a:latin typeface="Cambria Math" panose="02040503050406030204" pitchFamily="18" charset="0"/>
+                              </a:rPr>
+                            </m:ctrlPr>
+                          </m:sSubSupPr>
+                          <m:e>
+                            <m:r>
+                              <a:rPr lang="en-US" sz="1600" b="1" i="1" smtClean="0">
+                                <a:solidFill>
+                                  <a:schemeClr val="tx1"/>
+                                </a:solidFill>
+                                <a:latin typeface="Cambria Math" panose="02040503050406030204" pitchFamily="18" charset="0"/>
+                              </a:rPr>
+                              <m:t>𝒚</m:t>
+                            </m:r>
+                          </m:e>
+                          <m:sub>
+                            <m:r>
+                              <a:rPr lang="en-US" sz="1600" b="0" i="1" smtClean="0">
+                                <a:solidFill>
+                                  <a:schemeClr val="tx1"/>
+                                </a:solidFill>
+                                <a:latin typeface="Cambria Math" panose="02040503050406030204" pitchFamily="18" charset="0"/>
+                              </a:rPr>
+                              <m:t>𝐶</m:t>
+                            </m:r>
+                          </m:sub>
+                          <m:sup>
+                            <m:r>
+                              <a:rPr lang="en-US" sz="1600" b="0" i="1" smtClean="0">
+                                <a:solidFill>
+                                  <a:schemeClr val="tx1"/>
+                                </a:solidFill>
+                                <a:latin typeface="Cambria Math" panose="02040503050406030204" pitchFamily="18" charset="0"/>
+                              </a:rPr>
+                              <m:t>𝑙</m:t>
+                            </m:r>
+                          </m:sup>
+                        </m:sSubSup>
+                      </m:oMath>
+                    </a14:m>
+                    <a:r>
+                      <a:rPr lang="en-US" sz="1600" dirty="0">
+                        <a:solidFill>
+                          <a:schemeClr val="tx1"/>
+                        </a:solidFill>
+                      </a:rPr>
+                      <a:t> </a:t>
+                    </a:r>
+                  </a:p>
+                </p:txBody>
+              </p:sp>
+            </mc:Choice>
+            <mc:Fallback>
+              <p:sp>
+                <p:nvSpPr>
+                  <p:cNvPr id="106" name="Oval 105">
+                    <a:extLst>
+                      <a:ext uri="{FF2B5EF4-FFF2-40B4-BE49-F238E27FC236}">
+                        <a16:creationId xmlns:a16="http://schemas.microsoft.com/office/drawing/2014/main" id="{E1C71D1B-D56B-4A04-93C1-DC990CB224CE}"/>
+                      </a:ext>
+                    </a:extLst>
+                  </p:cNvPr>
+                  <p:cNvSpPr>
+                    <a:spLocks noRot="1" noChangeAspect="1" noMove="1" noResize="1" noEditPoints="1" noAdjustHandles="1" noChangeArrowheads="1" noChangeShapeType="1" noTextEdit="1"/>
+                  </p:cNvSpPr>
+                  <p:nvPr/>
+                </p:nvSpPr>
+                <p:spPr>
+                  <a:xfrm>
+                    <a:off x="6342434" y="4884905"/>
+                    <a:ext cx="603115" cy="603115"/>
+                  </a:xfrm>
+                  <a:prstGeom prst="ellipse">
+                    <a:avLst/>
+                  </a:prstGeom>
+                  <a:blipFill>
+                    <a:blip r:embed="rId47"/>
+                    <a:stretch>
+                      <a:fillRect l="-1667" b="-1667"/>
+                    </a:stretch>
+                  </a:blipFill>
+                  <a:ln>
+                    <a:solidFill>
+                      <a:schemeClr val="tx1"/>
+                    </a:solidFill>
+                  </a:ln>
+                </p:spPr>
+                <p:txBody>
+                  <a:bodyPr/>
+                  <a:lstStyle/>
+                  <a:p>
+                    <a:r>
+                      <a:rPr lang="en-BE">
+                        <a:noFill/>
+                      </a:rPr>
+                      <a:t> </a:t>
+                    </a:r>
+                  </a:p>
+                </p:txBody>
+              </p:sp>
+            </mc:Fallback>
+          </mc:AlternateContent>
+          <mc:AlternateContent xmlns:mc="http://schemas.openxmlformats.org/markup-compatibility/2006" xmlns:a14="http://schemas.microsoft.com/office/drawing/2010/main">
+            <mc:Choice Requires="a14">
+              <p:sp>
+                <p:nvSpPr>
+                  <p:cNvPr id="109" name="Rectangle 108">
+                    <a:extLst>
+                      <a:ext uri="{FF2B5EF4-FFF2-40B4-BE49-F238E27FC236}">
+                        <a16:creationId xmlns:a16="http://schemas.microsoft.com/office/drawing/2014/main" id="{BAA48616-90F5-45CC-84F3-B2521C3D5C93}"/>
+                      </a:ext>
+                    </a:extLst>
+                  </p:cNvPr>
+                  <p:cNvSpPr/>
+                  <p:nvPr/>
+                </p:nvSpPr>
+                <p:spPr>
+                  <a:xfrm rot="5400000">
+                    <a:off x="6377751" y="4126105"/>
+                    <a:ext cx="673938" cy="575791"/>
+                  </a:xfrm>
+                  <a:prstGeom prst="rect">
+                    <a:avLst/>
+                  </a:prstGeom>
+                </p:spPr>
+                <p:txBody>
+                  <a:bodyPr wrap="none">
+                    <a:spAutoFit/>
+                  </a:bodyPr>
+                  <a:lstStyle/>
+                  <a:p>
+                    <a:pPr/>
+                    <a14:m>
+                      <m:oMathPara xmlns:m="http://schemas.openxmlformats.org/officeDocument/2006/math">
+                        <m:oMathParaPr>
+                          <m:jc m:val="centerGroup"/>
+                        </m:oMathParaPr>
+                        <m:oMath xmlns:m="http://schemas.openxmlformats.org/officeDocument/2006/math">
+                          <m:r>
+                            <a:rPr lang="en-US" sz="1600" i="1" smtClean="0">
+                              <a:solidFill>
+                                <a:schemeClr val="tx1"/>
+                              </a:solidFill>
+                              <a:latin typeface="Cambria Math" panose="02040503050406030204" pitchFamily="18" charset="0"/>
+                            </a:rPr>
+                            <m:t>…</m:t>
+                          </m:r>
+                        </m:oMath>
+                      </m:oMathPara>
+                    </a14:m>
+                    <a:endParaRPr lang="en-US" sz="1600" dirty="0"/>
+                  </a:p>
+                </p:txBody>
+              </p:sp>
+            </mc:Choice>
+            <mc:Fallback xmlns="">
+              <p:sp>
+                <p:nvSpPr>
+                  <p:cNvPr id="51" name="Rectangle 50">
+                    <a:extLst>
+                      <a:ext uri="{FF2B5EF4-FFF2-40B4-BE49-F238E27FC236}">
+                        <a16:creationId xmlns:a16="http://schemas.microsoft.com/office/drawing/2014/main" id="{073E4DE5-8605-4232-BD9D-361596897D2F}"/>
+                      </a:ext>
+                    </a:extLst>
+                  </p:cNvPr>
+                  <p:cNvSpPr>
+                    <a:spLocks noRot="1" noChangeAspect="1" noMove="1" noResize="1" noEditPoints="1" noAdjustHandles="1" noChangeArrowheads="1" noChangeShapeType="1" noTextEdit="1"/>
+                  </p:cNvSpPr>
+                  <p:nvPr/>
+                </p:nvSpPr>
+                <p:spPr>
+                  <a:xfrm rot="5400000">
+                    <a:off x="6377751" y="4126105"/>
+                    <a:ext cx="673938" cy="575791"/>
+                  </a:xfrm>
+                  <a:prstGeom prst="rect">
+                    <a:avLst/>
+                  </a:prstGeom>
+                  <a:blipFill>
+                    <a:blip r:embed="rId9"/>
+                    <a:stretch>
+                      <a:fillRect/>
+                    </a:stretch>
+                  </a:blipFill>
+                </p:spPr>
+                <p:txBody>
+                  <a:bodyPr/>
+                  <a:lstStyle/>
+                  <a:p>
+                    <a:r>
+                      <a:rPr lang="en-US">
+                        <a:noFill/>
+                      </a:rPr>
+                      <a:t> </a:t>
+                    </a:r>
+                  </a:p>
+                </p:txBody>
+              </p:sp>
+            </mc:Fallback>
+          </mc:AlternateContent>
+        </p:grpSp>
+        <mc:AlternateContent xmlns:mc="http://schemas.openxmlformats.org/markup-compatibility/2006" xmlns:a14="http://schemas.microsoft.com/office/drawing/2010/main">
+          <mc:Choice Requires="a14">
+            <p:sp>
+              <p:nvSpPr>
+                <p:cNvPr id="81" name="Rectangle 80">
+                  <a:extLst>
+                    <a:ext uri="{FF2B5EF4-FFF2-40B4-BE49-F238E27FC236}">
+                      <a16:creationId xmlns:a16="http://schemas.microsoft.com/office/drawing/2014/main" id="{E912EBE5-7117-4B0E-BDE1-7B76CB4BD9E7}"/>
+                    </a:ext>
+                  </a:extLst>
+                </p:cNvPr>
+                <p:cNvSpPr/>
+                <p:nvPr/>
+              </p:nvSpPr>
+              <p:spPr>
+                <a:xfrm>
+                  <a:off x="1935638" y="2366330"/>
+                  <a:ext cx="396262" cy="338554"/>
+                </a:xfrm>
+                <a:prstGeom prst="rect">
+                  <a:avLst/>
+                </a:prstGeom>
+              </p:spPr>
+              <p:txBody>
+                <a:bodyPr wrap="none">
+                  <a:spAutoFit/>
+                </a:bodyPr>
+                <a:lstStyle/>
+                <a:p>
+                  <a:pPr/>
+                  <a14:m>
+                    <m:oMathPara xmlns:m="http://schemas.openxmlformats.org/officeDocument/2006/math">
+                      <m:oMathParaPr>
+                        <m:jc m:val="centerGroup"/>
+                      </m:oMathParaPr>
+                      <m:oMath xmlns:m="http://schemas.openxmlformats.org/officeDocument/2006/math">
+                        <m:r>
+                          <a:rPr lang="en-US" sz="1600" i="1" smtClean="0">
+                            <a:solidFill>
+                              <a:schemeClr val="tx1"/>
+                            </a:solidFill>
+                            <a:latin typeface="Cambria Math" panose="02040503050406030204" pitchFamily="18" charset="0"/>
+                          </a:rPr>
+                          <m:t>…</m:t>
+                        </m:r>
+                      </m:oMath>
+                    </m:oMathPara>
+                  </a14:m>
+                  <a:endParaRPr lang="en-US" sz="1600" dirty="0"/>
+                </a:p>
+              </p:txBody>
+            </p:sp>
+          </mc:Choice>
+          <mc:Fallback xmlns="">
+            <p:sp>
+              <p:nvSpPr>
+                <p:cNvPr id="91" name="Rectangle 90">
+                  <a:extLst>
+                    <a:ext uri="{FF2B5EF4-FFF2-40B4-BE49-F238E27FC236}">
+                      <a16:creationId xmlns:a16="http://schemas.microsoft.com/office/drawing/2014/main" id="{48864537-AB6B-47AC-A57D-8C4C68DA5236}"/>
+                    </a:ext>
+                  </a:extLst>
+                </p:cNvPr>
+                <p:cNvSpPr>
+                  <a:spLocks noRot="1" noChangeAspect="1" noMove="1" noResize="1" noEditPoints="1" noAdjustHandles="1" noChangeArrowheads="1" noChangeShapeType="1" noTextEdit="1"/>
+                </p:cNvSpPr>
+                <p:nvPr/>
+              </p:nvSpPr>
+              <p:spPr>
+                <a:xfrm>
+                  <a:off x="1935638" y="2366330"/>
+                  <a:ext cx="396262" cy="338554"/>
+                </a:xfrm>
+                <a:prstGeom prst="rect">
+                  <a:avLst/>
+                </a:prstGeom>
+                <a:blipFill>
+                  <a:blip r:embed="rId26"/>
+                  <a:stretch>
+                    <a:fillRect/>
+                  </a:stretch>
+                </a:blipFill>
+              </p:spPr>
+              <p:txBody>
+                <a:bodyPr/>
+                <a:lstStyle/>
+                <a:p>
+                  <a:r>
+                    <a:rPr lang="en-BE">
+                      <a:noFill/>
+                    </a:rPr>
+                    <a:t> </a:t>
+                  </a:r>
+                </a:p>
+              </p:txBody>
+            </p:sp>
+          </mc:Fallback>
+        </mc:AlternateContent>
+        <mc:AlternateContent xmlns:mc="http://schemas.openxmlformats.org/markup-compatibility/2006" xmlns:a14="http://schemas.microsoft.com/office/drawing/2010/main">
+          <mc:Choice Requires="a14">
+            <p:sp>
+              <p:nvSpPr>
+                <p:cNvPr id="82" name="Rectangle 81">
+                  <a:extLst>
+                    <a:ext uri="{FF2B5EF4-FFF2-40B4-BE49-F238E27FC236}">
+                      <a16:creationId xmlns:a16="http://schemas.microsoft.com/office/drawing/2014/main" id="{A169F4FB-7DF1-48D9-967D-1A3E5C4E1E88}"/>
+                    </a:ext>
+                  </a:extLst>
+                </p:cNvPr>
+                <p:cNvSpPr/>
+                <p:nvPr/>
+              </p:nvSpPr>
+              <p:spPr>
+                <a:xfrm>
+                  <a:off x="1935638" y="1488766"/>
+                  <a:ext cx="396262" cy="338554"/>
+                </a:xfrm>
+                <a:prstGeom prst="rect">
+                  <a:avLst/>
+                </a:prstGeom>
+              </p:spPr>
+              <p:txBody>
+                <a:bodyPr wrap="none">
+                  <a:spAutoFit/>
+                </a:bodyPr>
+                <a:lstStyle/>
+                <a:p>
+                  <a:pPr/>
+                  <a14:m>
+                    <m:oMathPara xmlns:m="http://schemas.openxmlformats.org/officeDocument/2006/math">
+                      <m:oMathParaPr>
+                        <m:jc m:val="centerGroup"/>
+                      </m:oMathParaPr>
+                      <m:oMath xmlns:m="http://schemas.openxmlformats.org/officeDocument/2006/math">
+                        <m:r>
+                          <a:rPr lang="en-US" sz="1600" i="1" smtClean="0">
+                            <a:solidFill>
+                              <a:schemeClr val="tx1"/>
+                            </a:solidFill>
+                            <a:latin typeface="Cambria Math" panose="02040503050406030204" pitchFamily="18" charset="0"/>
+                          </a:rPr>
+                          <m:t>…</m:t>
+                        </m:r>
+                      </m:oMath>
+                    </m:oMathPara>
+                  </a14:m>
+                  <a:endParaRPr lang="en-US" sz="1600" dirty="0"/>
+                </a:p>
+              </p:txBody>
+            </p:sp>
+          </mc:Choice>
+          <mc:Fallback xmlns="">
+            <p:sp>
+              <p:nvSpPr>
+                <p:cNvPr id="92" name="Rectangle 91">
+                  <a:extLst>
+                    <a:ext uri="{FF2B5EF4-FFF2-40B4-BE49-F238E27FC236}">
+                      <a16:creationId xmlns:a16="http://schemas.microsoft.com/office/drawing/2014/main" id="{F60BABFA-2F11-406C-BA9B-371B58987BB2}"/>
+                    </a:ext>
+                  </a:extLst>
+                </p:cNvPr>
+                <p:cNvSpPr>
+                  <a:spLocks noRot="1" noChangeAspect="1" noMove="1" noResize="1" noEditPoints="1" noAdjustHandles="1" noChangeArrowheads="1" noChangeShapeType="1" noTextEdit="1"/>
+                </p:cNvSpPr>
+                <p:nvPr/>
+              </p:nvSpPr>
+              <p:spPr>
+                <a:xfrm>
+                  <a:off x="1935638" y="1488766"/>
+                  <a:ext cx="396262" cy="338554"/>
+                </a:xfrm>
+                <a:prstGeom prst="rect">
+                  <a:avLst/>
+                </a:prstGeom>
+                <a:blipFill>
+                  <a:blip r:embed="rId26"/>
+                  <a:stretch>
+                    <a:fillRect/>
+                  </a:stretch>
+                </a:blipFill>
+              </p:spPr>
+              <p:txBody>
+                <a:bodyPr/>
+                <a:lstStyle/>
+                <a:p>
+                  <a:r>
+                    <a:rPr lang="en-BE">
+                      <a:noFill/>
+                    </a:rPr>
+                    <a:t> </a:t>
+                  </a:r>
+                </a:p>
+              </p:txBody>
+            </p:sp>
+          </mc:Fallback>
+        </mc:AlternateContent>
+        <mc:AlternateContent xmlns:mc="http://schemas.openxmlformats.org/markup-compatibility/2006" xmlns:a14="http://schemas.microsoft.com/office/drawing/2010/main">
+          <mc:Choice Requires="a14">
+            <p:sp>
+              <p:nvSpPr>
+                <p:cNvPr id="83" name="Rectangle 82">
+                  <a:extLst>
+                    <a:ext uri="{FF2B5EF4-FFF2-40B4-BE49-F238E27FC236}">
+                      <a16:creationId xmlns:a16="http://schemas.microsoft.com/office/drawing/2014/main" id="{62A94A41-B5EC-4D53-BEF9-A90B182755CC}"/>
+                    </a:ext>
+                  </a:extLst>
+                </p:cNvPr>
+                <p:cNvSpPr/>
+                <p:nvPr/>
+              </p:nvSpPr>
+              <p:spPr>
+                <a:xfrm>
+                  <a:off x="1935638" y="1049984"/>
+                  <a:ext cx="396262" cy="338554"/>
+                </a:xfrm>
+                <a:prstGeom prst="rect">
+                  <a:avLst/>
+                </a:prstGeom>
+              </p:spPr>
+              <p:txBody>
+                <a:bodyPr wrap="none">
+                  <a:spAutoFit/>
+                </a:bodyPr>
+                <a:lstStyle/>
+                <a:p>
+                  <a:pPr/>
+                  <a14:m>
+                    <m:oMathPara xmlns:m="http://schemas.openxmlformats.org/officeDocument/2006/math">
+                      <m:oMathParaPr>
+                        <m:jc m:val="centerGroup"/>
+                      </m:oMathParaPr>
+                      <m:oMath xmlns:m="http://schemas.openxmlformats.org/officeDocument/2006/math">
+                        <m:r>
+                          <a:rPr lang="en-US" sz="1600" i="1" smtClean="0">
+                            <a:solidFill>
+                              <a:schemeClr val="tx1"/>
+                            </a:solidFill>
+                            <a:latin typeface="Cambria Math" panose="02040503050406030204" pitchFamily="18" charset="0"/>
+                          </a:rPr>
+                          <m:t>…</m:t>
+                        </m:r>
+                      </m:oMath>
+                    </m:oMathPara>
+                  </a14:m>
+                  <a:endParaRPr lang="en-US" sz="1600" dirty="0"/>
+                </a:p>
+              </p:txBody>
+            </p:sp>
+          </mc:Choice>
+          <mc:Fallback xmlns="">
+            <p:sp>
+              <p:nvSpPr>
+                <p:cNvPr id="93" name="Rectangle 92">
+                  <a:extLst>
+                    <a:ext uri="{FF2B5EF4-FFF2-40B4-BE49-F238E27FC236}">
+                      <a16:creationId xmlns:a16="http://schemas.microsoft.com/office/drawing/2014/main" id="{9E48DAB4-CB17-4A84-BEF6-7A45126A34A0}"/>
+                    </a:ext>
+                  </a:extLst>
+                </p:cNvPr>
+                <p:cNvSpPr>
+                  <a:spLocks noRot="1" noChangeAspect="1" noMove="1" noResize="1" noEditPoints="1" noAdjustHandles="1" noChangeArrowheads="1" noChangeShapeType="1" noTextEdit="1"/>
+                </p:cNvSpPr>
+                <p:nvPr/>
+              </p:nvSpPr>
+              <p:spPr>
+                <a:xfrm>
+                  <a:off x="1935638" y="1049984"/>
+                  <a:ext cx="396262" cy="338554"/>
+                </a:xfrm>
+                <a:prstGeom prst="rect">
+                  <a:avLst/>
+                </a:prstGeom>
+                <a:blipFill>
+                  <a:blip r:embed="rId26"/>
+                  <a:stretch>
+                    <a:fillRect/>
+                  </a:stretch>
+                </a:blipFill>
+              </p:spPr>
+              <p:txBody>
+                <a:bodyPr/>
+                <a:lstStyle/>
+                <a:p>
+                  <a:r>
+                    <a:rPr lang="en-BE">
+                      <a:noFill/>
+                    </a:rPr>
+                    <a:t> </a:t>
+                  </a:r>
+                </a:p>
+              </p:txBody>
+            </p:sp>
+          </mc:Fallback>
+        </mc:AlternateContent>
+      </p:grpSp>
     </p:spTree>
     <p:extLst>
       <p:ext uri="{BB962C8B-B14F-4D97-AF65-F5344CB8AC3E}">
